--- a/Duncan/GNano flourescence model.pptx
+++ b/Duncan/GNano flourescence model.pptx
@@ -4,8 +4,13 @@
   <p:sldMasterIdLst>
     <p:sldMasterId id="2147483648" r:id="rId1"/>
   </p:sldMasterIdLst>
+  <p:notesMasterIdLst>
+    <p:notesMasterId r:id="rId5"/>
+  </p:notesMasterIdLst>
   <p:sldIdLst>
     <p:sldId id="257" r:id="rId2"/>
+    <p:sldId id="258" r:id="rId3"/>
+    <p:sldId id="259" r:id="rId4"/>
   </p:sldIdLst>
   <p:sldSz cx="9144000" cy="6858000" type="screen4x3"/>
   <p:notesSz cx="6858000" cy="9144000"/>
@@ -104,7 +109,541 @@
       </a:defRPr>
     </a:lvl9pPr>
   </p:defaultTextStyle>
+  <p:extLst>
+    <p:ext uri="{EFAFB233-063F-42B5-8137-9DF3F51BA10A}">
+      <p15:sldGuideLst xmlns:p15="http://schemas.microsoft.com/office/powerpoint/2012/main">
+        <p15:guide id="1" orient="horz" pos="2160">
+          <p15:clr>
+            <a:srgbClr val="A4A3A4"/>
+          </p15:clr>
+        </p15:guide>
+        <p15:guide id="2" pos="2880">
+          <p15:clr>
+            <a:srgbClr val="A4A3A4"/>
+          </p15:clr>
+        </p15:guide>
+      </p15:sldGuideLst>
+    </p:ext>
+  </p:extLst>
 </p:presentation>
+</file>
+
+<file path=ppt/notesMasters/notesMaster1.xml><?xml version="1.0" encoding="utf-8"?>
+<p:notesMaster xmlns:a="http://schemas.openxmlformats.org/drawingml/2006/main" xmlns:r="http://schemas.openxmlformats.org/officeDocument/2006/relationships" xmlns:p="http://schemas.openxmlformats.org/presentationml/2006/main">
+  <p:cSld>
+    <p:bg>
+      <p:bgRef idx="1001">
+        <a:schemeClr val="bg1"/>
+      </p:bgRef>
+    </p:bg>
+    <p:spTree>
+      <p:nvGrpSpPr>
+        <p:cNvPr id="1" name=""/>
+        <p:cNvGrpSpPr/>
+        <p:nvPr/>
+      </p:nvGrpSpPr>
+      <p:grpSpPr>
+        <a:xfrm>
+          <a:off x="0" y="0"/>
+          <a:ext cx="0" cy="0"/>
+          <a:chOff x="0" y="0"/>
+          <a:chExt cx="0" cy="0"/>
+        </a:xfrm>
+      </p:grpSpPr>
+      <p:sp>
+        <p:nvSpPr>
+          <p:cNvPr id="2" name="Header Placeholder 1"/>
+          <p:cNvSpPr>
+            <a:spLocks noGrp="1"/>
+          </p:cNvSpPr>
+          <p:nvPr>
+            <p:ph type="hdr" sz="quarter"/>
+          </p:nvPr>
+        </p:nvSpPr>
+        <p:spPr>
+          <a:xfrm>
+            <a:off x="0" y="0"/>
+            <a:ext cx="2971800" cy="458788"/>
+          </a:xfrm>
+          <a:prstGeom prst="rect">
+            <a:avLst/>
+          </a:prstGeom>
+        </p:spPr>
+        <p:txBody>
+          <a:bodyPr vert="horz" lIns="91440" tIns="45720" rIns="91440" bIns="45720" rtlCol="0"/>
+          <a:lstStyle>
+            <a:lvl1pPr algn="l">
+              <a:defRPr sz="1200"/>
+            </a:lvl1pPr>
+          </a:lstStyle>
+          <a:p>
+            <a:endParaRPr lang="en-AU"/>
+          </a:p>
+        </p:txBody>
+      </p:sp>
+      <p:sp>
+        <p:nvSpPr>
+          <p:cNvPr id="3" name="Date Placeholder 2"/>
+          <p:cNvSpPr>
+            <a:spLocks noGrp="1"/>
+          </p:cNvSpPr>
+          <p:nvPr>
+            <p:ph type="dt" idx="1"/>
+          </p:nvPr>
+        </p:nvSpPr>
+        <p:spPr>
+          <a:xfrm>
+            <a:off x="3884613" y="0"/>
+            <a:ext cx="2971800" cy="458788"/>
+          </a:xfrm>
+          <a:prstGeom prst="rect">
+            <a:avLst/>
+          </a:prstGeom>
+        </p:spPr>
+        <p:txBody>
+          <a:bodyPr vert="horz" lIns="91440" tIns="45720" rIns="91440" bIns="45720" rtlCol="0"/>
+          <a:lstStyle>
+            <a:lvl1pPr algn="r">
+              <a:defRPr sz="1200"/>
+            </a:lvl1pPr>
+          </a:lstStyle>
+          <a:p>
+            <a:fld id="{D588E416-E55D-44D1-BBE1-4C06B11F3622}" type="datetimeFigureOut">
+              <a:rPr lang="en-AU" smtClean="0"/>
+              <a:t>20/05/2018</a:t>
+            </a:fld>
+            <a:endParaRPr lang="en-AU"/>
+          </a:p>
+        </p:txBody>
+      </p:sp>
+      <p:sp>
+        <p:nvSpPr>
+          <p:cNvPr id="4" name="Slide Image Placeholder 3"/>
+          <p:cNvSpPr>
+            <a:spLocks noGrp="1" noRot="1" noChangeAspect="1"/>
+          </p:cNvSpPr>
+          <p:nvPr>
+            <p:ph type="sldImg" idx="2"/>
+          </p:nvPr>
+        </p:nvSpPr>
+        <p:spPr>
+          <a:xfrm>
+            <a:off x="1371600" y="1143000"/>
+            <a:ext cx="4114800" cy="3086100"/>
+          </a:xfrm>
+          <a:prstGeom prst="rect">
+            <a:avLst/>
+          </a:prstGeom>
+          <a:noFill/>
+          <a:ln w="12700">
+            <a:solidFill>
+              <a:prstClr val="black"/>
+            </a:solidFill>
+          </a:ln>
+        </p:spPr>
+        <p:txBody>
+          <a:bodyPr vert="horz" lIns="91440" tIns="45720" rIns="91440" bIns="45720" rtlCol="0" anchor="ctr"/>
+          <a:lstStyle/>
+          <a:p>
+            <a:endParaRPr lang="en-AU"/>
+          </a:p>
+        </p:txBody>
+      </p:sp>
+      <p:sp>
+        <p:nvSpPr>
+          <p:cNvPr id="5" name="Notes Placeholder 4"/>
+          <p:cNvSpPr>
+            <a:spLocks noGrp="1"/>
+          </p:cNvSpPr>
+          <p:nvPr>
+            <p:ph type="body" sz="quarter" idx="3"/>
+          </p:nvPr>
+        </p:nvSpPr>
+        <p:spPr>
+          <a:xfrm>
+            <a:off x="685800" y="4400550"/>
+            <a:ext cx="5486400" cy="3600450"/>
+          </a:xfrm>
+          <a:prstGeom prst="rect">
+            <a:avLst/>
+          </a:prstGeom>
+        </p:spPr>
+        <p:txBody>
+          <a:bodyPr vert="horz" lIns="91440" tIns="45720" rIns="91440" bIns="45720" rtlCol="0"/>
+          <a:lstStyle/>
+          <a:p>
+            <a:pPr lvl="0"/>
+            <a:r>
+              <a:rPr lang="en-US"/>
+              <a:t>Edit Master text styles</a:t>
+            </a:r>
+          </a:p>
+          <a:p>
+            <a:pPr lvl="1"/>
+            <a:r>
+              <a:rPr lang="en-US"/>
+              <a:t>Second level</a:t>
+            </a:r>
+          </a:p>
+          <a:p>
+            <a:pPr lvl="2"/>
+            <a:r>
+              <a:rPr lang="en-US"/>
+              <a:t>Third level</a:t>
+            </a:r>
+          </a:p>
+          <a:p>
+            <a:pPr lvl="3"/>
+            <a:r>
+              <a:rPr lang="en-US"/>
+              <a:t>Fourth level</a:t>
+            </a:r>
+          </a:p>
+          <a:p>
+            <a:pPr lvl="4"/>
+            <a:r>
+              <a:rPr lang="en-US"/>
+              <a:t>Fifth level</a:t>
+            </a:r>
+            <a:endParaRPr lang="en-AU"/>
+          </a:p>
+        </p:txBody>
+      </p:sp>
+      <p:sp>
+        <p:nvSpPr>
+          <p:cNvPr id="6" name="Footer Placeholder 5"/>
+          <p:cNvSpPr>
+            <a:spLocks noGrp="1"/>
+          </p:cNvSpPr>
+          <p:nvPr>
+            <p:ph type="ftr" sz="quarter" idx="4"/>
+          </p:nvPr>
+        </p:nvSpPr>
+        <p:spPr>
+          <a:xfrm>
+            <a:off x="0" y="8685213"/>
+            <a:ext cx="2971800" cy="458787"/>
+          </a:xfrm>
+          <a:prstGeom prst="rect">
+            <a:avLst/>
+          </a:prstGeom>
+        </p:spPr>
+        <p:txBody>
+          <a:bodyPr vert="horz" lIns="91440" tIns="45720" rIns="91440" bIns="45720" rtlCol="0" anchor="b"/>
+          <a:lstStyle>
+            <a:lvl1pPr algn="l">
+              <a:defRPr sz="1200"/>
+            </a:lvl1pPr>
+          </a:lstStyle>
+          <a:p>
+            <a:endParaRPr lang="en-AU"/>
+          </a:p>
+        </p:txBody>
+      </p:sp>
+      <p:sp>
+        <p:nvSpPr>
+          <p:cNvPr id="7" name="Slide Number Placeholder 6"/>
+          <p:cNvSpPr>
+            <a:spLocks noGrp="1"/>
+          </p:cNvSpPr>
+          <p:nvPr>
+            <p:ph type="sldNum" sz="quarter" idx="5"/>
+          </p:nvPr>
+        </p:nvSpPr>
+        <p:spPr>
+          <a:xfrm>
+            <a:off x="3884613" y="8685213"/>
+            <a:ext cx="2971800" cy="458787"/>
+          </a:xfrm>
+          <a:prstGeom prst="rect">
+            <a:avLst/>
+          </a:prstGeom>
+        </p:spPr>
+        <p:txBody>
+          <a:bodyPr vert="horz" lIns="91440" tIns="45720" rIns="91440" bIns="45720" rtlCol="0" anchor="b"/>
+          <a:lstStyle>
+            <a:lvl1pPr algn="r">
+              <a:defRPr sz="1200"/>
+            </a:lvl1pPr>
+          </a:lstStyle>
+          <a:p>
+            <a:fld id="{EF75100C-86C2-47C1-98A2-0D21E8C5B437}" type="slidenum">
+              <a:rPr lang="en-AU" smtClean="0"/>
+              <a:t>‹#›</a:t>
+            </a:fld>
+            <a:endParaRPr lang="en-AU"/>
+          </a:p>
+        </p:txBody>
+      </p:sp>
+    </p:spTree>
+    <p:extLst>
+      <p:ext uri="{BB962C8B-B14F-4D97-AF65-F5344CB8AC3E}">
+        <p14:creationId xmlns:p14="http://schemas.microsoft.com/office/powerpoint/2010/main" val="3177379449"/>
+      </p:ext>
+    </p:extLst>
+  </p:cSld>
+  <p:clrMap bg1="lt1" tx1="dk1" bg2="lt2" tx2="dk2" accent1="accent1" accent2="accent2" accent3="accent3" accent4="accent4" accent5="accent5" accent6="accent6" hlink="hlink" folHlink="folHlink"/>
+  <p:notesStyle>
+    <a:lvl1pPr marL="0" algn="l" defTabSz="914400" rtl="0" eaLnBrk="1" latinLnBrk="0" hangingPunct="1">
+      <a:defRPr sz="1200" kern="1200">
+        <a:solidFill>
+          <a:schemeClr val="tx1"/>
+        </a:solidFill>
+        <a:latin typeface="+mn-lt"/>
+        <a:ea typeface="+mn-ea"/>
+        <a:cs typeface="+mn-cs"/>
+      </a:defRPr>
+    </a:lvl1pPr>
+    <a:lvl2pPr marL="457200" algn="l" defTabSz="914400" rtl="0" eaLnBrk="1" latinLnBrk="0" hangingPunct="1">
+      <a:defRPr sz="1200" kern="1200">
+        <a:solidFill>
+          <a:schemeClr val="tx1"/>
+        </a:solidFill>
+        <a:latin typeface="+mn-lt"/>
+        <a:ea typeface="+mn-ea"/>
+        <a:cs typeface="+mn-cs"/>
+      </a:defRPr>
+    </a:lvl2pPr>
+    <a:lvl3pPr marL="914400" algn="l" defTabSz="914400" rtl="0" eaLnBrk="1" latinLnBrk="0" hangingPunct="1">
+      <a:defRPr sz="1200" kern="1200">
+        <a:solidFill>
+          <a:schemeClr val="tx1"/>
+        </a:solidFill>
+        <a:latin typeface="+mn-lt"/>
+        <a:ea typeface="+mn-ea"/>
+        <a:cs typeface="+mn-cs"/>
+      </a:defRPr>
+    </a:lvl3pPr>
+    <a:lvl4pPr marL="1371600" algn="l" defTabSz="914400" rtl="0" eaLnBrk="1" latinLnBrk="0" hangingPunct="1">
+      <a:defRPr sz="1200" kern="1200">
+        <a:solidFill>
+          <a:schemeClr val="tx1"/>
+        </a:solidFill>
+        <a:latin typeface="+mn-lt"/>
+        <a:ea typeface="+mn-ea"/>
+        <a:cs typeface="+mn-cs"/>
+      </a:defRPr>
+    </a:lvl4pPr>
+    <a:lvl5pPr marL="1828800" algn="l" defTabSz="914400" rtl="0" eaLnBrk="1" latinLnBrk="0" hangingPunct="1">
+      <a:defRPr sz="1200" kern="1200">
+        <a:solidFill>
+          <a:schemeClr val="tx1"/>
+        </a:solidFill>
+        <a:latin typeface="+mn-lt"/>
+        <a:ea typeface="+mn-ea"/>
+        <a:cs typeface="+mn-cs"/>
+      </a:defRPr>
+    </a:lvl5pPr>
+    <a:lvl6pPr marL="2286000" algn="l" defTabSz="914400" rtl="0" eaLnBrk="1" latinLnBrk="0" hangingPunct="1">
+      <a:defRPr sz="1200" kern="1200">
+        <a:solidFill>
+          <a:schemeClr val="tx1"/>
+        </a:solidFill>
+        <a:latin typeface="+mn-lt"/>
+        <a:ea typeface="+mn-ea"/>
+        <a:cs typeface="+mn-cs"/>
+      </a:defRPr>
+    </a:lvl6pPr>
+    <a:lvl7pPr marL="2743200" algn="l" defTabSz="914400" rtl="0" eaLnBrk="1" latinLnBrk="0" hangingPunct="1">
+      <a:defRPr sz="1200" kern="1200">
+        <a:solidFill>
+          <a:schemeClr val="tx1"/>
+        </a:solidFill>
+        <a:latin typeface="+mn-lt"/>
+        <a:ea typeface="+mn-ea"/>
+        <a:cs typeface="+mn-cs"/>
+      </a:defRPr>
+    </a:lvl7pPr>
+    <a:lvl8pPr marL="3200400" algn="l" defTabSz="914400" rtl="0" eaLnBrk="1" latinLnBrk="0" hangingPunct="1">
+      <a:defRPr sz="1200" kern="1200">
+        <a:solidFill>
+          <a:schemeClr val="tx1"/>
+        </a:solidFill>
+        <a:latin typeface="+mn-lt"/>
+        <a:ea typeface="+mn-ea"/>
+        <a:cs typeface="+mn-cs"/>
+      </a:defRPr>
+    </a:lvl8pPr>
+    <a:lvl9pPr marL="3657600" algn="l" defTabSz="914400" rtl="0" eaLnBrk="1" latinLnBrk="0" hangingPunct="1">
+      <a:defRPr sz="1200" kern="1200">
+        <a:solidFill>
+          <a:schemeClr val="tx1"/>
+        </a:solidFill>
+        <a:latin typeface="+mn-lt"/>
+        <a:ea typeface="+mn-ea"/>
+        <a:cs typeface="+mn-cs"/>
+      </a:defRPr>
+    </a:lvl9pPr>
+  </p:notesStyle>
+</p:notesMaster>
+</file>
+
+<file path=ppt/notesSlides/notesSlide1.xml><?xml version="1.0" encoding="utf-8"?>
+<p:notes xmlns:a="http://schemas.openxmlformats.org/drawingml/2006/main" xmlns:r="http://schemas.openxmlformats.org/officeDocument/2006/relationships" xmlns:p="http://schemas.openxmlformats.org/presentationml/2006/main">
+  <p:cSld>
+    <p:spTree>
+      <p:nvGrpSpPr>
+        <p:cNvPr id="1" name=""/>
+        <p:cNvGrpSpPr/>
+        <p:nvPr/>
+      </p:nvGrpSpPr>
+      <p:grpSpPr>
+        <a:xfrm>
+          <a:off x="0" y="0"/>
+          <a:ext cx="0" cy="0"/>
+          <a:chOff x="0" y="0"/>
+          <a:chExt cx="0" cy="0"/>
+        </a:xfrm>
+      </p:grpSpPr>
+      <p:sp>
+        <p:nvSpPr>
+          <p:cNvPr id="2" name="Slide Image Placeholder 1"/>
+          <p:cNvSpPr>
+            <a:spLocks noGrp="1" noRot="1" noChangeAspect="1"/>
+          </p:cNvSpPr>
+          <p:nvPr>
+            <p:ph type="sldImg"/>
+          </p:nvPr>
+        </p:nvSpPr>
+        <p:spPr/>
+      </p:sp>
+      <p:sp>
+        <p:nvSpPr>
+          <p:cNvPr id="3" name="Notes Placeholder 2"/>
+          <p:cNvSpPr>
+            <a:spLocks noGrp="1"/>
+          </p:cNvSpPr>
+          <p:nvPr>
+            <p:ph type="body" idx="1"/>
+          </p:nvPr>
+        </p:nvSpPr>
+        <p:spPr/>
+        <p:txBody>
+          <a:bodyPr/>
+          <a:lstStyle/>
+          <a:p>
+            <a:endParaRPr lang="en-AU" dirty="0"/>
+          </a:p>
+        </p:txBody>
+      </p:sp>
+      <p:sp>
+        <p:nvSpPr>
+          <p:cNvPr id="4" name="Slide Number Placeholder 3"/>
+          <p:cNvSpPr>
+            <a:spLocks noGrp="1"/>
+          </p:cNvSpPr>
+          <p:nvPr>
+            <p:ph type="sldNum" sz="quarter" idx="10"/>
+          </p:nvPr>
+        </p:nvSpPr>
+        <p:spPr/>
+        <p:txBody>
+          <a:bodyPr/>
+          <a:lstStyle/>
+          <a:p>
+            <a:fld id="{EF75100C-86C2-47C1-98A2-0D21E8C5B437}" type="slidenum">
+              <a:rPr lang="en-AU" smtClean="0"/>
+              <a:t>2</a:t>
+            </a:fld>
+            <a:endParaRPr lang="en-AU"/>
+          </a:p>
+        </p:txBody>
+      </p:sp>
+    </p:spTree>
+    <p:extLst>
+      <p:ext uri="{BB962C8B-B14F-4D97-AF65-F5344CB8AC3E}">
+        <p14:creationId xmlns:p14="http://schemas.microsoft.com/office/powerpoint/2010/main" val="119522899"/>
+      </p:ext>
+    </p:extLst>
+  </p:cSld>
+  <p:clrMapOvr>
+    <a:masterClrMapping/>
+  </p:clrMapOvr>
+</p:notes>
+</file>
+
+<file path=ppt/notesSlides/notesSlide2.xml><?xml version="1.0" encoding="utf-8"?>
+<p:notes xmlns:a="http://schemas.openxmlformats.org/drawingml/2006/main" xmlns:r="http://schemas.openxmlformats.org/officeDocument/2006/relationships" xmlns:p="http://schemas.openxmlformats.org/presentationml/2006/main">
+  <p:cSld>
+    <p:spTree>
+      <p:nvGrpSpPr>
+        <p:cNvPr id="1" name=""/>
+        <p:cNvGrpSpPr/>
+        <p:nvPr/>
+      </p:nvGrpSpPr>
+      <p:grpSpPr>
+        <a:xfrm>
+          <a:off x="0" y="0"/>
+          <a:ext cx="0" cy="0"/>
+          <a:chOff x="0" y="0"/>
+          <a:chExt cx="0" cy="0"/>
+        </a:xfrm>
+      </p:grpSpPr>
+      <p:sp>
+        <p:nvSpPr>
+          <p:cNvPr id="2" name="Slide Image Placeholder 1"/>
+          <p:cNvSpPr>
+            <a:spLocks noGrp="1" noRot="1" noChangeAspect="1"/>
+          </p:cNvSpPr>
+          <p:nvPr>
+            <p:ph type="sldImg"/>
+          </p:nvPr>
+        </p:nvSpPr>
+        <p:spPr/>
+      </p:sp>
+      <p:sp>
+        <p:nvSpPr>
+          <p:cNvPr id="3" name="Notes Placeholder 2"/>
+          <p:cNvSpPr>
+            <a:spLocks noGrp="1"/>
+          </p:cNvSpPr>
+          <p:nvPr>
+            <p:ph type="body" idx="1"/>
+          </p:nvPr>
+        </p:nvSpPr>
+        <p:spPr/>
+        <p:txBody>
+          <a:bodyPr/>
+          <a:lstStyle/>
+          <a:p>
+            <a:endParaRPr lang="en-AU" dirty="0"/>
+          </a:p>
+        </p:txBody>
+      </p:sp>
+      <p:sp>
+        <p:nvSpPr>
+          <p:cNvPr id="4" name="Slide Number Placeholder 3"/>
+          <p:cNvSpPr>
+            <a:spLocks noGrp="1"/>
+          </p:cNvSpPr>
+          <p:nvPr>
+            <p:ph type="sldNum" sz="quarter" idx="10"/>
+          </p:nvPr>
+        </p:nvSpPr>
+        <p:spPr/>
+        <p:txBody>
+          <a:bodyPr/>
+          <a:lstStyle/>
+          <a:p>
+            <a:fld id="{EF75100C-86C2-47C1-98A2-0D21E8C5B437}" type="slidenum">
+              <a:rPr lang="en-AU" smtClean="0"/>
+              <a:t>3</a:t>
+            </a:fld>
+            <a:endParaRPr lang="en-AU"/>
+          </a:p>
+        </p:txBody>
+      </p:sp>
+    </p:spTree>
+    <p:extLst>
+      <p:ext uri="{BB962C8B-B14F-4D97-AF65-F5344CB8AC3E}">
+        <p14:creationId xmlns:p14="http://schemas.microsoft.com/office/powerpoint/2010/main" val="3873532485"/>
+      </p:ext>
+    </p:extLst>
+  </p:cSld>
+  <p:clrMapOvr>
+    <a:masterClrMapping/>
+  </p:clrMapOvr>
+</p:notes>
 </file>
 
 <file path=ppt/slideLayouts/slideLayout1.xml><?xml version="1.0" encoding="utf-8"?>
@@ -145,7 +684,7 @@
           <a:lstStyle/>
           <a:p>
             <a:r>
-              <a:rPr lang="en-US" smtClean="0"/>
+              <a:rPr lang="en-US"/>
               <a:t>Click to edit Master title style</a:t>
             </a:r>
             <a:endParaRPr lang="en-AU"/>
@@ -264,7 +803,7 @@
           </a:lstStyle>
           <a:p>
             <a:r>
-              <a:rPr lang="en-US" smtClean="0"/>
+              <a:rPr lang="en-US"/>
               <a:t>Click to edit Master subtitle style</a:t>
             </a:r>
             <a:endParaRPr lang="en-AU"/>
@@ -288,7 +827,7 @@
           <a:p>
             <a:fld id="{14CDC599-242F-4322-8E47-23EEA780AE50}" type="datetimeFigureOut">
               <a:rPr lang="en-AU" smtClean="0"/>
-              <a:t>8/05/2018</a:t>
+              <a:t>20/05/2018</a:t>
             </a:fld>
             <a:endParaRPr lang="en-AU"/>
           </a:p>
@@ -382,7 +921,7 @@
           <a:lstStyle/>
           <a:p>
             <a:r>
-              <a:rPr lang="en-US" smtClean="0"/>
+              <a:rPr lang="en-US"/>
               <a:t>Click to edit Master title style</a:t>
             </a:r>
             <a:endParaRPr lang="en-AU"/>
@@ -406,35 +945,35 @@
           <a:p>
             <a:pPr lvl="0"/>
             <a:r>
-              <a:rPr lang="en-US" smtClean="0"/>
+              <a:rPr lang="en-US"/>
               <a:t>Click to edit Master text styles</a:t>
             </a:r>
           </a:p>
           <a:p>
             <a:pPr lvl="1"/>
             <a:r>
-              <a:rPr lang="en-US" smtClean="0"/>
+              <a:rPr lang="en-US"/>
               <a:t>Second level</a:t>
             </a:r>
           </a:p>
           <a:p>
             <a:pPr lvl="2"/>
             <a:r>
-              <a:rPr lang="en-US" smtClean="0"/>
+              <a:rPr lang="en-US"/>
               <a:t>Third level</a:t>
             </a:r>
           </a:p>
           <a:p>
             <a:pPr lvl="3"/>
             <a:r>
-              <a:rPr lang="en-US" smtClean="0"/>
+              <a:rPr lang="en-US"/>
               <a:t>Fourth level</a:t>
             </a:r>
           </a:p>
           <a:p>
             <a:pPr lvl="4"/>
             <a:r>
-              <a:rPr lang="en-US" smtClean="0"/>
+              <a:rPr lang="en-US"/>
               <a:t>Fifth level</a:t>
             </a:r>
             <a:endParaRPr lang="en-AU"/>
@@ -458,7 +997,7 @@
           <a:p>
             <a:fld id="{14CDC599-242F-4322-8E47-23EEA780AE50}" type="datetimeFigureOut">
               <a:rPr lang="en-AU" smtClean="0"/>
-              <a:t>8/05/2018</a:t>
+              <a:t>20/05/2018</a:t>
             </a:fld>
             <a:endParaRPr lang="en-AU"/>
           </a:p>
@@ -557,7 +1096,7 @@
           <a:lstStyle/>
           <a:p>
             <a:r>
-              <a:rPr lang="en-US" smtClean="0"/>
+              <a:rPr lang="en-US"/>
               <a:t>Click to edit Master title style</a:t>
             </a:r>
             <a:endParaRPr lang="en-AU"/>
@@ -586,35 +1125,35 @@
           <a:p>
             <a:pPr lvl="0"/>
             <a:r>
-              <a:rPr lang="en-US" smtClean="0"/>
+              <a:rPr lang="en-US"/>
               <a:t>Click to edit Master text styles</a:t>
             </a:r>
           </a:p>
           <a:p>
             <a:pPr lvl="1"/>
             <a:r>
-              <a:rPr lang="en-US" smtClean="0"/>
+              <a:rPr lang="en-US"/>
               <a:t>Second level</a:t>
             </a:r>
           </a:p>
           <a:p>
             <a:pPr lvl="2"/>
             <a:r>
-              <a:rPr lang="en-US" smtClean="0"/>
+              <a:rPr lang="en-US"/>
               <a:t>Third level</a:t>
             </a:r>
           </a:p>
           <a:p>
             <a:pPr lvl="3"/>
             <a:r>
-              <a:rPr lang="en-US" smtClean="0"/>
+              <a:rPr lang="en-US"/>
               <a:t>Fourth level</a:t>
             </a:r>
           </a:p>
           <a:p>
             <a:pPr lvl="4"/>
             <a:r>
-              <a:rPr lang="en-US" smtClean="0"/>
+              <a:rPr lang="en-US"/>
               <a:t>Fifth level</a:t>
             </a:r>
             <a:endParaRPr lang="en-AU"/>
@@ -638,7 +1177,7 @@
           <a:p>
             <a:fld id="{14CDC599-242F-4322-8E47-23EEA780AE50}" type="datetimeFigureOut">
               <a:rPr lang="en-AU" smtClean="0"/>
-              <a:t>8/05/2018</a:t>
+              <a:t>20/05/2018</a:t>
             </a:fld>
             <a:endParaRPr lang="en-AU"/>
           </a:p>
@@ -732,7 +1271,7 @@
           <a:lstStyle/>
           <a:p>
             <a:r>
-              <a:rPr lang="en-US" smtClean="0"/>
+              <a:rPr lang="en-US"/>
               <a:t>Click to edit Master title style</a:t>
             </a:r>
             <a:endParaRPr lang="en-AU"/>
@@ -756,35 +1295,35 @@
           <a:p>
             <a:pPr lvl="0"/>
             <a:r>
-              <a:rPr lang="en-US" smtClean="0"/>
+              <a:rPr lang="en-US"/>
               <a:t>Click to edit Master text styles</a:t>
             </a:r>
           </a:p>
           <a:p>
             <a:pPr lvl="1"/>
             <a:r>
-              <a:rPr lang="en-US" smtClean="0"/>
+              <a:rPr lang="en-US"/>
               <a:t>Second level</a:t>
             </a:r>
           </a:p>
           <a:p>
             <a:pPr lvl="2"/>
             <a:r>
-              <a:rPr lang="en-US" smtClean="0"/>
+              <a:rPr lang="en-US"/>
               <a:t>Third level</a:t>
             </a:r>
           </a:p>
           <a:p>
             <a:pPr lvl="3"/>
             <a:r>
-              <a:rPr lang="en-US" smtClean="0"/>
+              <a:rPr lang="en-US"/>
               <a:t>Fourth level</a:t>
             </a:r>
           </a:p>
           <a:p>
             <a:pPr lvl="4"/>
             <a:r>
-              <a:rPr lang="en-US" smtClean="0"/>
+              <a:rPr lang="en-US"/>
               <a:t>Fifth level</a:t>
             </a:r>
             <a:endParaRPr lang="en-AU"/>
@@ -808,7 +1347,7 @@
           <a:p>
             <a:fld id="{14CDC599-242F-4322-8E47-23EEA780AE50}" type="datetimeFigureOut">
               <a:rPr lang="en-AU" smtClean="0"/>
-              <a:t>8/05/2018</a:t>
+              <a:t>20/05/2018</a:t>
             </a:fld>
             <a:endParaRPr lang="en-AU"/>
           </a:p>
@@ -911,7 +1450,7 @@
           </a:lstStyle>
           <a:p>
             <a:r>
-              <a:rPr lang="en-US" smtClean="0"/>
+              <a:rPr lang="en-US"/>
               <a:t>Click to edit Master title style</a:t>
             </a:r>
             <a:endParaRPr lang="en-AU"/>
@@ -1031,7 +1570,7 @@
           <a:p>
             <a:pPr lvl="0"/>
             <a:r>
-              <a:rPr lang="en-US" smtClean="0"/>
+              <a:rPr lang="en-US"/>
               <a:t>Click to edit Master text styles</a:t>
             </a:r>
           </a:p>
@@ -1054,7 +1593,7 @@
           <a:p>
             <a:fld id="{14CDC599-242F-4322-8E47-23EEA780AE50}" type="datetimeFigureOut">
               <a:rPr lang="en-AU" smtClean="0"/>
-              <a:t>8/05/2018</a:t>
+              <a:t>20/05/2018</a:t>
             </a:fld>
             <a:endParaRPr lang="en-AU"/>
           </a:p>
@@ -1148,7 +1687,7 @@
           <a:lstStyle/>
           <a:p>
             <a:r>
-              <a:rPr lang="en-US" smtClean="0"/>
+              <a:rPr lang="en-US"/>
               <a:t>Click to edit Master title style</a:t>
             </a:r>
             <a:endParaRPr lang="en-AU"/>
@@ -1205,35 +1744,35 @@
           <a:p>
             <a:pPr lvl="0"/>
             <a:r>
-              <a:rPr lang="en-US" smtClean="0"/>
+              <a:rPr lang="en-US"/>
               <a:t>Click to edit Master text styles</a:t>
             </a:r>
           </a:p>
           <a:p>
             <a:pPr lvl="1"/>
             <a:r>
-              <a:rPr lang="en-US" smtClean="0"/>
+              <a:rPr lang="en-US"/>
               <a:t>Second level</a:t>
             </a:r>
           </a:p>
           <a:p>
             <a:pPr lvl="2"/>
             <a:r>
-              <a:rPr lang="en-US" smtClean="0"/>
+              <a:rPr lang="en-US"/>
               <a:t>Third level</a:t>
             </a:r>
           </a:p>
           <a:p>
             <a:pPr lvl="3"/>
             <a:r>
-              <a:rPr lang="en-US" smtClean="0"/>
+              <a:rPr lang="en-US"/>
               <a:t>Fourth level</a:t>
             </a:r>
           </a:p>
           <a:p>
             <a:pPr lvl="4"/>
             <a:r>
-              <a:rPr lang="en-US" smtClean="0"/>
+              <a:rPr lang="en-US"/>
               <a:t>Fifth level</a:t>
             </a:r>
             <a:endParaRPr lang="en-AU"/>
@@ -1290,35 +1829,35 @@
           <a:p>
             <a:pPr lvl="0"/>
             <a:r>
-              <a:rPr lang="en-US" smtClean="0"/>
+              <a:rPr lang="en-US"/>
               <a:t>Click to edit Master text styles</a:t>
             </a:r>
           </a:p>
           <a:p>
             <a:pPr lvl="1"/>
             <a:r>
-              <a:rPr lang="en-US" smtClean="0"/>
+              <a:rPr lang="en-US"/>
               <a:t>Second level</a:t>
             </a:r>
           </a:p>
           <a:p>
             <a:pPr lvl="2"/>
             <a:r>
-              <a:rPr lang="en-US" smtClean="0"/>
+              <a:rPr lang="en-US"/>
               <a:t>Third level</a:t>
             </a:r>
           </a:p>
           <a:p>
             <a:pPr lvl="3"/>
             <a:r>
-              <a:rPr lang="en-US" smtClean="0"/>
+              <a:rPr lang="en-US"/>
               <a:t>Fourth level</a:t>
             </a:r>
           </a:p>
           <a:p>
             <a:pPr lvl="4"/>
             <a:r>
-              <a:rPr lang="en-US" smtClean="0"/>
+              <a:rPr lang="en-US"/>
               <a:t>Fifth level</a:t>
             </a:r>
             <a:endParaRPr lang="en-AU"/>
@@ -1342,7 +1881,7 @@
           <a:p>
             <a:fld id="{14CDC599-242F-4322-8E47-23EEA780AE50}" type="datetimeFigureOut">
               <a:rPr lang="en-AU" smtClean="0"/>
-              <a:t>8/05/2018</a:t>
+              <a:t>20/05/2018</a:t>
             </a:fld>
             <a:endParaRPr lang="en-AU"/>
           </a:p>
@@ -1440,7 +1979,7 @@
           </a:lstStyle>
           <a:p>
             <a:r>
-              <a:rPr lang="en-US" smtClean="0"/>
+              <a:rPr lang="en-US"/>
               <a:t>Click to edit Master title style</a:t>
             </a:r>
             <a:endParaRPr lang="en-AU"/>
@@ -1506,7 +2045,7 @@
           <a:p>
             <a:pPr lvl="0"/>
             <a:r>
-              <a:rPr lang="en-US" smtClean="0"/>
+              <a:rPr lang="en-US"/>
               <a:t>Click to edit Master text styles</a:t>
             </a:r>
           </a:p>
@@ -1562,35 +2101,35 @@
           <a:p>
             <a:pPr lvl="0"/>
             <a:r>
-              <a:rPr lang="en-US" smtClean="0"/>
+              <a:rPr lang="en-US"/>
               <a:t>Click to edit Master text styles</a:t>
             </a:r>
           </a:p>
           <a:p>
             <a:pPr lvl="1"/>
             <a:r>
-              <a:rPr lang="en-US" smtClean="0"/>
+              <a:rPr lang="en-US"/>
               <a:t>Second level</a:t>
             </a:r>
           </a:p>
           <a:p>
             <a:pPr lvl="2"/>
             <a:r>
-              <a:rPr lang="en-US" smtClean="0"/>
+              <a:rPr lang="en-US"/>
               <a:t>Third level</a:t>
             </a:r>
           </a:p>
           <a:p>
             <a:pPr lvl="3"/>
             <a:r>
-              <a:rPr lang="en-US" smtClean="0"/>
+              <a:rPr lang="en-US"/>
               <a:t>Fourth level</a:t>
             </a:r>
           </a:p>
           <a:p>
             <a:pPr lvl="4"/>
             <a:r>
-              <a:rPr lang="en-US" smtClean="0"/>
+              <a:rPr lang="en-US"/>
               <a:t>Fifth level</a:t>
             </a:r>
             <a:endParaRPr lang="en-AU"/>
@@ -1656,7 +2195,7 @@
           <a:p>
             <a:pPr lvl="0"/>
             <a:r>
-              <a:rPr lang="en-US" smtClean="0"/>
+              <a:rPr lang="en-US"/>
               <a:t>Click to edit Master text styles</a:t>
             </a:r>
           </a:p>
@@ -1712,35 +2251,35 @@
           <a:p>
             <a:pPr lvl="0"/>
             <a:r>
-              <a:rPr lang="en-US" smtClean="0"/>
+              <a:rPr lang="en-US"/>
               <a:t>Click to edit Master text styles</a:t>
             </a:r>
           </a:p>
           <a:p>
             <a:pPr lvl="1"/>
             <a:r>
-              <a:rPr lang="en-US" smtClean="0"/>
+              <a:rPr lang="en-US"/>
               <a:t>Second level</a:t>
             </a:r>
           </a:p>
           <a:p>
             <a:pPr lvl="2"/>
             <a:r>
-              <a:rPr lang="en-US" smtClean="0"/>
+              <a:rPr lang="en-US"/>
               <a:t>Third level</a:t>
             </a:r>
           </a:p>
           <a:p>
             <a:pPr lvl="3"/>
             <a:r>
-              <a:rPr lang="en-US" smtClean="0"/>
+              <a:rPr lang="en-US"/>
               <a:t>Fourth level</a:t>
             </a:r>
           </a:p>
           <a:p>
             <a:pPr lvl="4"/>
             <a:r>
-              <a:rPr lang="en-US" smtClean="0"/>
+              <a:rPr lang="en-US"/>
               <a:t>Fifth level</a:t>
             </a:r>
             <a:endParaRPr lang="en-AU"/>
@@ -1764,7 +2303,7 @@
           <a:p>
             <a:fld id="{14CDC599-242F-4322-8E47-23EEA780AE50}" type="datetimeFigureOut">
               <a:rPr lang="en-AU" smtClean="0"/>
-              <a:t>8/05/2018</a:t>
+              <a:t>20/05/2018</a:t>
             </a:fld>
             <a:endParaRPr lang="en-AU"/>
           </a:p>
@@ -1858,7 +2397,7 @@
           <a:lstStyle/>
           <a:p>
             <a:r>
-              <a:rPr lang="en-US" smtClean="0"/>
+              <a:rPr lang="en-US"/>
               <a:t>Click to edit Master title style</a:t>
             </a:r>
             <a:endParaRPr lang="en-AU"/>
@@ -1882,7 +2421,7 @@
           <a:p>
             <a:fld id="{14CDC599-242F-4322-8E47-23EEA780AE50}" type="datetimeFigureOut">
               <a:rPr lang="en-AU" smtClean="0"/>
-              <a:t>8/05/2018</a:t>
+              <a:t>20/05/2018</a:t>
             </a:fld>
             <a:endParaRPr lang="en-AU"/>
           </a:p>
@@ -1977,7 +2516,7 @@
           <a:p>
             <a:fld id="{14CDC599-242F-4322-8E47-23EEA780AE50}" type="datetimeFigureOut">
               <a:rPr lang="en-AU" smtClean="0"/>
-              <a:t>8/05/2018</a:t>
+              <a:t>20/05/2018</a:t>
             </a:fld>
             <a:endParaRPr lang="en-AU"/>
           </a:p>
@@ -2080,7 +2619,7 @@
           </a:lstStyle>
           <a:p>
             <a:r>
-              <a:rPr lang="en-US" smtClean="0"/>
+              <a:rPr lang="en-US"/>
               <a:t>Click to edit Master title style</a:t>
             </a:r>
             <a:endParaRPr lang="en-AU"/>
@@ -2137,35 +2676,35 @@
           <a:p>
             <a:pPr lvl="0"/>
             <a:r>
-              <a:rPr lang="en-US" smtClean="0"/>
+              <a:rPr lang="en-US"/>
               <a:t>Click to edit Master text styles</a:t>
             </a:r>
           </a:p>
           <a:p>
             <a:pPr lvl="1"/>
             <a:r>
-              <a:rPr lang="en-US" smtClean="0"/>
+              <a:rPr lang="en-US"/>
               <a:t>Second level</a:t>
             </a:r>
           </a:p>
           <a:p>
             <a:pPr lvl="2"/>
             <a:r>
-              <a:rPr lang="en-US" smtClean="0"/>
+              <a:rPr lang="en-US"/>
               <a:t>Third level</a:t>
             </a:r>
           </a:p>
           <a:p>
             <a:pPr lvl="3"/>
             <a:r>
-              <a:rPr lang="en-US" smtClean="0"/>
+              <a:rPr lang="en-US"/>
               <a:t>Fourth level</a:t>
             </a:r>
           </a:p>
           <a:p>
             <a:pPr lvl="4"/>
             <a:r>
-              <a:rPr lang="en-US" smtClean="0"/>
+              <a:rPr lang="en-US"/>
               <a:t>Fifth level</a:t>
             </a:r>
             <a:endParaRPr lang="en-AU"/>
@@ -2231,7 +2770,7 @@
           <a:p>
             <a:pPr lvl="0"/>
             <a:r>
-              <a:rPr lang="en-US" smtClean="0"/>
+              <a:rPr lang="en-US"/>
               <a:t>Click to edit Master text styles</a:t>
             </a:r>
           </a:p>
@@ -2254,7 +2793,7 @@
           <a:p>
             <a:fld id="{14CDC599-242F-4322-8E47-23EEA780AE50}" type="datetimeFigureOut">
               <a:rPr lang="en-AU" smtClean="0"/>
-              <a:t>8/05/2018</a:t>
+              <a:t>20/05/2018</a:t>
             </a:fld>
             <a:endParaRPr lang="en-AU"/>
           </a:p>
@@ -2357,7 +2896,7 @@
           </a:lstStyle>
           <a:p>
             <a:r>
-              <a:rPr lang="en-US" smtClean="0"/>
+              <a:rPr lang="en-US"/>
               <a:t>Click to edit Master title style</a:t>
             </a:r>
             <a:endParaRPr lang="en-AU"/>
@@ -2484,7 +3023,7 @@
           <a:p>
             <a:pPr lvl="0"/>
             <a:r>
-              <a:rPr lang="en-US" smtClean="0"/>
+              <a:rPr lang="en-US"/>
               <a:t>Click to edit Master text styles</a:t>
             </a:r>
           </a:p>
@@ -2507,7 +3046,7 @@
           <a:p>
             <a:fld id="{14CDC599-242F-4322-8E47-23EEA780AE50}" type="datetimeFigureOut">
               <a:rPr lang="en-AU" smtClean="0"/>
-              <a:t>8/05/2018</a:t>
+              <a:t>20/05/2018</a:t>
             </a:fld>
             <a:endParaRPr lang="en-AU"/>
           </a:p>
@@ -2616,7 +3155,7 @@
           <a:lstStyle/>
           <a:p>
             <a:r>
-              <a:rPr lang="en-US" smtClean="0"/>
+              <a:rPr lang="en-US"/>
               <a:t>Click to edit Master title style</a:t>
             </a:r>
             <a:endParaRPr lang="en-AU"/>
@@ -2650,35 +3189,35 @@
           <a:p>
             <a:pPr lvl="0"/>
             <a:r>
-              <a:rPr lang="en-US" smtClean="0"/>
+              <a:rPr lang="en-US"/>
               <a:t>Click to edit Master text styles</a:t>
             </a:r>
           </a:p>
           <a:p>
             <a:pPr lvl="1"/>
             <a:r>
-              <a:rPr lang="en-US" smtClean="0"/>
+              <a:rPr lang="en-US"/>
               <a:t>Second level</a:t>
             </a:r>
           </a:p>
           <a:p>
             <a:pPr lvl="2"/>
             <a:r>
-              <a:rPr lang="en-US" smtClean="0"/>
+              <a:rPr lang="en-US"/>
               <a:t>Third level</a:t>
             </a:r>
           </a:p>
           <a:p>
             <a:pPr lvl="3"/>
             <a:r>
-              <a:rPr lang="en-US" smtClean="0"/>
+              <a:rPr lang="en-US"/>
               <a:t>Fourth level</a:t>
             </a:r>
           </a:p>
           <a:p>
             <a:pPr lvl="4"/>
             <a:r>
-              <a:rPr lang="en-US" smtClean="0"/>
+              <a:rPr lang="en-US"/>
               <a:t>Fifth level</a:t>
             </a:r>
             <a:endParaRPr lang="en-AU"/>
@@ -2720,7 +3259,7 @@
           <a:p>
             <a:fld id="{14CDC599-242F-4322-8E47-23EEA780AE50}" type="datetimeFigureOut">
               <a:rPr lang="en-AU" smtClean="0"/>
-              <a:t>8/05/2018</a:t>
+              <a:t>20/05/2018</a:t>
             </a:fld>
             <a:endParaRPr lang="en-AU"/>
           </a:p>
@@ -3181,7 +3720,7 @@
             <a:lstStyle/>
             <a:p>
               <a:r>
-                <a:rPr lang="el-GR" dirty="0" smtClean="0">
+                <a:rPr lang="el-GR" dirty="0">
                   <a:latin typeface="Times New Roman" panose="02020603050405020304" pitchFamily="18" charset="0"/>
                   <a:cs typeface="Times New Roman" panose="02020603050405020304" pitchFamily="18" charset="0"/>
                 </a:rPr>
@@ -3281,14 +3820,14 @@
             <a:lstStyle/>
             <a:p>
               <a:r>
-                <a:rPr lang="en-AU" dirty="0" err="1" smtClean="0">
+                <a:rPr lang="en-AU" dirty="0" err="1">
                   <a:latin typeface="Times New Roman" panose="02020603050405020304" pitchFamily="18" charset="0"/>
                   <a:cs typeface="Times New Roman" panose="02020603050405020304" pitchFamily="18" charset="0"/>
                 </a:rPr>
                 <a:t>O</a:t>
               </a:r>
               <a:r>
-                <a:rPr lang="en-AU" baseline="-25000" dirty="0" err="1" smtClean="0">
+                <a:rPr lang="en-AU" baseline="-25000" dirty="0" err="1">
                   <a:latin typeface="Times New Roman" panose="02020603050405020304" pitchFamily="18" charset="0"/>
                   <a:cs typeface="Times New Roman" panose="02020603050405020304" pitchFamily="18" charset="0"/>
                 </a:rPr>
@@ -3388,23 +3927,19 @@
             <a:lstStyle/>
             <a:p>
               <a:r>
-                <a:rPr lang="en-AU" dirty="0" smtClean="0">
+                <a:rPr lang="en-AU" dirty="0">
                   <a:latin typeface="Times New Roman" panose="02020603050405020304" pitchFamily="18" charset="0"/>
                   <a:cs typeface="Times New Roman" panose="02020603050405020304" pitchFamily="18" charset="0"/>
                 </a:rPr>
                 <a:t>µ</a:t>
               </a:r>
               <a:r>
-                <a:rPr lang="en-AU" baseline="-25000" dirty="0" smtClean="0">
+                <a:rPr lang="en-AU" baseline="-25000" dirty="0">
                   <a:latin typeface="Times New Roman" panose="02020603050405020304" pitchFamily="18" charset="0"/>
                   <a:cs typeface="Times New Roman" panose="02020603050405020304" pitchFamily="18" charset="0"/>
                 </a:rPr>
                 <a:t>l</a:t>
               </a:r>
-              <a:endParaRPr lang="en-AU" baseline="-25000" dirty="0">
-                <a:latin typeface="Times New Roman" panose="02020603050405020304" pitchFamily="18" charset="0"/>
-                <a:cs typeface="Times New Roman" panose="02020603050405020304" pitchFamily="18" charset="0"/>
-              </a:endParaRPr>
             </a:p>
           </p:txBody>
         </p:sp>
@@ -3495,7 +4030,7 @@
             <a:lstStyle/>
             <a:p>
               <a:r>
-                <a:rPr lang="en-AU" dirty="0" smtClean="0">
+                <a:rPr lang="en-AU" dirty="0">
                   <a:latin typeface="Times New Roman" panose="02020603050405020304" pitchFamily="18" charset="0"/>
                   <a:cs typeface="Times New Roman" panose="02020603050405020304" pitchFamily="18" charset="0"/>
                   <a:sym typeface="Symbol"/>
@@ -3503,7 +4038,7 @@
                 <a:t></a:t>
               </a:r>
               <a:r>
-                <a:rPr lang="en-AU" baseline="30000" dirty="0" smtClean="0">
+                <a:rPr lang="en-AU" baseline="30000" dirty="0">
                   <a:latin typeface="Times New Roman" panose="02020603050405020304" pitchFamily="18" charset="0"/>
                   <a:cs typeface="Times New Roman" panose="02020603050405020304" pitchFamily="18" charset="0"/>
                   <a:sym typeface="Symbol"/>
@@ -3511,16 +4046,12 @@
                 <a:t>2</a:t>
               </a:r>
               <a:r>
-                <a:rPr lang="en-AU" baseline="-25000" dirty="0" smtClean="0">
+                <a:rPr lang="en-AU" baseline="-25000" dirty="0">
                   <a:latin typeface="Times New Roman" panose="02020603050405020304" pitchFamily="18" charset="0"/>
                   <a:cs typeface="Times New Roman" panose="02020603050405020304" pitchFamily="18" charset="0"/>
                 </a:rPr>
                 <a:t>l</a:t>
               </a:r>
-              <a:endParaRPr lang="en-AU" baseline="-25000" dirty="0">
-                <a:latin typeface="Times New Roman" panose="02020603050405020304" pitchFamily="18" charset="0"/>
-                <a:cs typeface="Times New Roman" panose="02020603050405020304" pitchFamily="18" charset="0"/>
-              </a:endParaRPr>
             </a:p>
           </p:txBody>
         </p:sp>
@@ -3611,14 +4142,14 @@
             <a:lstStyle/>
             <a:p>
               <a:r>
-                <a:rPr lang="en-AU" dirty="0" err="1" smtClean="0">
+                <a:rPr lang="en-AU" dirty="0" err="1">
                   <a:latin typeface="Times New Roman" panose="02020603050405020304" pitchFamily="18" charset="0"/>
                   <a:cs typeface="Times New Roman" panose="02020603050405020304" pitchFamily="18" charset="0"/>
                 </a:rPr>
                 <a:t>A</a:t>
               </a:r>
               <a:r>
-                <a:rPr lang="en-AU" baseline="-25000" dirty="0" err="1" smtClean="0">
+                <a:rPr lang="en-AU" baseline="-25000" dirty="0" err="1">
                   <a:latin typeface="Times New Roman" panose="02020603050405020304" pitchFamily="18" charset="0"/>
                   <a:cs typeface="Times New Roman" panose="02020603050405020304" pitchFamily="18" charset="0"/>
                 </a:rPr>
@@ -3796,7 +4327,7 @@
             <a:lstStyle/>
             <a:p>
               <a:r>
-                <a:rPr lang="en-AU" dirty="0" smtClean="0">
+                <a:rPr lang="en-AU" dirty="0">
                   <a:latin typeface="Times New Roman" panose="02020603050405020304" pitchFamily="18" charset="0"/>
                   <a:cs typeface="Times New Roman" panose="02020603050405020304" pitchFamily="18" charset="0"/>
                   <a:sym typeface="Symbol"/>
@@ -3804,16 +4335,12 @@
                 <a:t></a:t>
               </a:r>
               <a:r>
-                <a:rPr lang="en-AU" baseline="-25000" dirty="0" smtClean="0">
+                <a:rPr lang="en-AU" baseline="-25000" dirty="0">
                   <a:latin typeface="Times New Roman" panose="02020603050405020304" pitchFamily="18" charset="0"/>
                   <a:cs typeface="Times New Roman" panose="02020603050405020304" pitchFamily="18" charset="0"/>
                 </a:rPr>
                 <a:t>f</a:t>
               </a:r>
-              <a:endParaRPr lang="en-AU" baseline="-25000" dirty="0">
-                <a:latin typeface="Times New Roman" panose="02020603050405020304" pitchFamily="18" charset="0"/>
-                <a:cs typeface="Times New Roman" panose="02020603050405020304" pitchFamily="18" charset="0"/>
-              </a:endParaRPr>
             </a:p>
           </p:txBody>
         </p:sp>
@@ -3904,7 +4431,7 @@
             <a:lstStyle/>
             <a:p>
               <a:r>
-                <a:rPr lang="en-AU" dirty="0" smtClean="0">
+                <a:rPr lang="en-AU" dirty="0">
                   <a:latin typeface="Times New Roman" panose="02020603050405020304" pitchFamily="18" charset="0"/>
                   <a:cs typeface="Times New Roman" panose="02020603050405020304" pitchFamily="18" charset="0"/>
                   <a:sym typeface="Symbol"/>
@@ -3912,7 +4439,7 @@
                 <a:t>s</a:t>
               </a:r>
               <a:r>
-                <a:rPr lang="en-AU" baseline="30000" dirty="0" smtClean="0">
+                <a:rPr lang="en-AU" baseline="30000" dirty="0">
                   <a:latin typeface="Times New Roman" panose="02020603050405020304" pitchFamily="18" charset="0"/>
                   <a:cs typeface="Times New Roman" panose="02020603050405020304" pitchFamily="18" charset="0"/>
                   <a:sym typeface="Symbol"/>
@@ -3920,16 +4447,12 @@
                 <a:t>2</a:t>
               </a:r>
               <a:r>
-                <a:rPr lang="en-AU" baseline="-25000" dirty="0" smtClean="0">
+                <a:rPr lang="en-AU" baseline="-25000" dirty="0">
                   <a:latin typeface="Times New Roman" panose="02020603050405020304" pitchFamily="18" charset="0"/>
                   <a:cs typeface="Times New Roman" panose="02020603050405020304" pitchFamily="18" charset="0"/>
                 </a:rPr>
                 <a:t>f</a:t>
               </a:r>
-              <a:endParaRPr lang="en-AU" baseline="-25000" dirty="0">
-                <a:latin typeface="Times New Roman" panose="02020603050405020304" pitchFamily="18" charset="0"/>
-                <a:cs typeface="Times New Roman" panose="02020603050405020304" pitchFamily="18" charset="0"/>
-              </a:endParaRPr>
             </a:p>
           </p:txBody>
         </p:sp>
@@ -4020,14 +4543,14 @@
             <a:lstStyle/>
             <a:p>
               <a:r>
-                <a:rPr lang="en-AU" dirty="0" err="1" smtClean="0">
+                <a:rPr lang="en-AU" dirty="0" err="1">
                   <a:latin typeface="Times New Roman" panose="02020603050405020304" pitchFamily="18" charset="0"/>
                   <a:cs typeface="Times New Roman" panose="02020603050405020304" pitchFamily="18" charset="0"/>
                 </a:rPr>
                 <a:t>D</a:t>
               </a:r>
               <a:r>
-                <a:rPr lang="en-AU" baseline="-25000" dirty="0" err="1" smtClean="0">
+                <a:rPr lang="en-AU" baseline="-25000" dirty="0" err="1">
                   <a:latin typeface="Times New Roman" panose="02020603050405020304" pitchFamily="18" charset="0"/>
                   <a:cs typeface="Times New Roman" panose="02020603050405020304" pitchFamily="18" charset="0"/>
                 </a:rPr>
@@ -4205,23 +4728,19 @@
             <a:lstStyle/>
             <a:p>
               <a:r>
-                <a:rPr lang="en-AU" dirty="0" smtClean="0">
+                <a:rPr lang="en-AU" dirty="0">
                   <a:latin typeface="Times New Roman" panose="02020603050405020304" pitchFamily="18" charset="0"/>
                   <a:cs typeface="Times New Roman" panose="02020603050405020304" pitchFamily="18" charset="0"/>
                 </a:rPr>
                 <a:t>T</a:t>
               </a:r>
               <a:r>
-                <a:rPr lang="en-AU" baseline="-25000" dirty="0" smtClean="0">
+                <a:rPr lang="en-AU" baseline="-25000" dirty="0">
                   <a:latin typeface="Times New Roman" panose="02020603050405020304" pitchFamily="18" charset="0"/>
                   <a:cs typeface="Times New Roman" panose="02020603050405020304" pitchFamily="18" charset="0"/>
                 </a:rPr>
                 <a:t>c</a:t>
               </a:r>
-              <a:endParaRPr lang="en-AU" baseline="-25000" dirty="0">
-                <a:latin typeface="Times New Roman" panose="02020603050405020304" pitchFamily="18" charset="0"/>
-                <a:cs typeface="Times New Roman" panose="02020603050405020304" pitchFamily="18" charset="0"/>
-              </a:endParaRPr>
             </a:p>
           </p:txBody>
         </p:sp>
@@ -4468,16 +4987,12 @@
             <a:lstStyle/>
             <a:p>
               <a:r>
-                <a:rPr lang="en-AU" dirty="0" smtClean="0">
+                <a:rPr lang="en-AU" dirty="0">
                   <a:latin typeface="Times New Roman" panose="02020603050405020304" pitchFamily="18" charset="0"/>
                   <a:cs typeface="Times New Roman" panose="02020603050405020304" pitchFamily="18" charset="0"/>
                 </a:rPr>
                 <a:t>S</a:t>
               </a:r>
-              <a:endParaRPr lang="en-AU" dirty="0">
-                <a:latin typeface="Times New Roman" panose="02020603050405020304" pitchFamily="18" charset="0"/>
-                <a:cs typeface="Times New Roman" panose="02020603050405020304" pitchFamily="18" charset="0"/>
-              </a:endParaRPr>
             </a:p>
           </p:txBody>
         </p:sp>
@@ -4590,7 +5105,7 @@
           <a:lstStyle/>
           <a:p>
             <a:r>
-              <a:rPr lang="en-AU" dirty="0" smtClean="0">
+              <a:rPr lang="en-AU" dirty="0">
                 <a:latin typeface="Times New Roman" panose="02020603050405020304" pitchFamily="18" charset="0"/>
                 <a:cs typeface="Times New Roman" panose="02020603050405020304" pitchFamily="18" charset="0"/>
               </a:rPr>
@@ -4672,7 +5187,7 @@
           <a:lstStyle/>
           <a:p>
             <a:r>
-              <a:rPr lang="en-AU" dirty="0" smtClean="0">
+              <a:rPr lang="en-AU" dirty="0">
                 <a:latin typeface="Times New Roman" panose="02020603050405020304" pitchFamily="18" charset="0"/>
                 <a:cs typeface="Times New Roman" panose="02020603050405020304" pitchFamily="18" charset="0"/>
               </a:rPr>
@@ -4771,14 +5286,14 @@
             <a:lstStyle/>
             <a:p>
               <a:r>
-                <a:rPr lang="en-AU" dirty="0" err="1" smtClean="0">
+                <a:rPr lang="en-AU" dirty="0" err="1">
                   <a:latin typeface="Times New Roman" panose="02020603050405020304" pitchFamily="18" charset="0"/>
                   <a:cs typeface="Times New Roman" panose="02020603050405020304" pitchFamily="18" charset="0"/>
                 </a:rPr>
                 <a:t>X</a:t>
               </a:r>
               <a:r>
-                <a:rPr lang="en-AU" baseline="-25000" dirty="0" err="1" smtClean="0">
+                <a:rPr lang="en-AU" baseline="-25000" dirty="0" err="1">
                   <a:latin typeface="Times New Roman" panose="02020603050405020304" pitchFamily="18" charset="0"/>
                   <a:cs typeface="Times New Roman" panose="02020603050405020304" pitchFamily="18" charset="0"/>
                 </a:rPr>
@@ -4878,14 +5393,14 @@
             <a:lstStyle/>
             <a:p>
               <a:r>
-                <a:rPr lang="en-AU" dirty="0" err="1" smtClean="0">
+                <a:rPr lang="en-AU" dirty="0" err="1">
                   <a:latin typeface="Times New Roman" panose="02020603050405020304" pitchFamily="18" charset="0"/>
                   <a:cs typeface="Times New Roman" panose="02020603050405020304" pitchFamily="18" charset="0"/>
                 </a:rPr>
                 <a:t>G</a:t>
               </a:r>
               <a:r>
-                <a:rPr lang="en-AU" baseline="-25000" dirty="0" err="1" smtClean="0">
+                <a:rPr lang="en-AU" baseline="-25000" dirty="0" err="1">
                   <a:latin typeface="Times New Roman" panose="02020603050405020304" pitchFamily="18" charset="0"/>
                   <a:cs typeface="Times New Roman" panose="02020603050405020304" pitchFamily="18" charset="0"/>
                 </a:rPr>
@@ -5007,7 +5522,7 @@
           <a:lstStyle/>
           <a:p>
             <a:r>
-              <a:rPr lang="en-AU" dirty="0" smtClean="0">
+              <a:rPr lang="en-AU" dirty="0">
                 <a:latin typeface="Times New Roman" panose="02020603050405020304" pitchFamily="18" charset="0"/>
                 <a:cs typeface="Times New Roman" panose="02020603050405020304" pitchFamily="18" charset="0"/>
               </a:rPr>
@@ -5089,7 +5604,7 @@
           <a:lstStyle/>
           <a:p>
             <a:r>
-              <a:rPr lang="en-AU" dirty="0" smtClean="0">
+              <a:rPr lang="en-AU" dirty="0">
                 <a:latin typeface="Times New Roman" panose="02020603050405020304" pitchFamily="18" charset="0"/>
                 <a:cs typeface="Times New Roman" panose="02020603050405020304" pitchFamily="18" charset="0"/>
               </a:rPr>
@@ -5171,7 +5686,7 @@
           <a:lstStyle/>
           <a:p>
             <a:r>
-              <a:rPr lang="en-AU" dirty="0" smtClean="0">
+              <a:rPr lang="en-AU" dirty="0">
                 <a:latin typeface="Times New Roman" panose="02020603050405020304" pitchFamily="18" charset="0"/>
                 <a:cs typeface="Times New Roman" panose="02020603050405020304" pitchFamily="18" charset="0"/>
               </a:rPr>
@@ -5296,14 +5811,7 @@
                 <a:latin typeface="Times New Roman" panose="02020603050405020304" pitchFamily="18" charset="0"/>
                 <a:cs typeface="Times New Roman" panose="02020603050405020304" pitchFamily="18" charset="0"/>
               </a:rPr>
-              <a:t>c = 1, … , </a:t>
-            </a:r>
-            <a:r>
-              <a:rPr lang="en-AU" dirty="0" smtClean="0">
-                <a:latin typeface="Times New Roman" panose="02020603050405020304" pitchFamily="18" charset="0"/>
-                <a:cs typeface="Times New Roman" panose="02020603050405020304" pitchFamily="18" charset="0"/>
-              </a:rPr>
-              <a:t>C</a:t>
+              <a:t>c = 1, … , C</a:t>
             </a:r>
           </a:p>
           <a:p>
@@ -5312,14 +5820,7 @@
                 <a:latin typeface="Times New Roman" panose="02020603050405020304" pitchFamily="18" charset="0"/>
                 <a:cs typeface="Times New Roman" panose="02020603050405020304" pitchFamily="18" charset="0"/>
               </a:rPr>
-              <a:t>l = 1, … , </a:t>
-            </a:r>
-            <a:r>
-              <a:rPr lang="en-AU" dirty="0" smtClean="0">
-                <a:latin typeface="Times New Roman" panose="02020603050405020304" pitchFamily="18" charset="0"/>
-                <a:cs typeface="Times New Roman" panose="02020603050405020304" pitchFamily="18" charset="0"/>
-              </a:rPr>
-              <a:t>L</a:t>
+              <a:t>l = 1, … , L</a:t>
             </a:r>
             <a:endParaRPr lang="en-AU" baseline="-25000" dirty="0">
               <a:latin typeface="Times New Roman" panose="02020603050405020304" pitchFamily="18" charset="0"/>
@@ -5328,7 +5829,7 @@
           </a:p>
           <a:p>
             <a:r>
-              <a:rPr lang="en-AU" dirty="0" smtClean="0">
+              <a:rPr lang="en-AU" dirty="0">
                 <a:latin typeface="Times New Roman" panose="02020603050405020304" pitchFamily="18" charset="0"/>
                 <a:cs typeface="Times New Roman" panose="02020603050405020304" pitchFamily="18" charset="0"/>
               </a:rPr>
@@ -5363,7 +5864,7 @@
           <a:lstStyle/>
           <a:p>
             <a:r>
-              <a:rPr lang="en-AU" dirty="0" smtClean="0">
+              <a:rPr lang="en-AU" dirty="0">
                 <a:latin typeface="Times New Roman" panose="02020603050405020304" pitchFamily="18" charset="0"/>
                 <a:cs typeface="Times New Roman" panose="02020603050405020304" pitchFamily="18" charset="0"/>
               </a:rPr>
@@ -5372,7 +5873,7 @@
           </a:p>
           <a:p>
             <a:r>
-              <a:rPr lang="en-AU" dirty="0" smtClean="0">
+              <a:rPr lang="en-AU" dirty="0">
                 <a:latin typeface="Times New Roman" panose="02020603050405020304" pitchFamily="18" charset="0"/>
                 <a:cs typeface="Times New Roman" panose="02020603050405020304" pitchFamily="18" charset="0"/>
               </a:rPr>
@@ -5381,16 +5882,12 @@
           </a:p>
           <a:p>
             <a:r>
-              <a:rPr lang="en-AU" dirty="0" smtClean="0">
+              <a:rPr lang="en-AU" dirty="0">
                 <a:latin typeface="Times New Roman" panose="02020603050405020304" pitchFamily="18" charset="0"/>
                 <a:cs typeface="Times New Roman" panose="02020603050405020304" pitchFamily="18" charset="0"/>
               </a:rPr>
               <a:t>C is the profile</a:t>
             </a:r>
-            <a:endParaRPr lang="en-AU" dirty="0">
-              <a:latin typeface="Times New Roman" panose="02020603050405020304" pitchFamily="18" charset="0"/>
-              <a:cs typeface="Times New Roman" panose="02020603050405020304" pitchFamily="18" charset="0"/>
-            </a:endParaRPr>
           </a:p>
         </p:txBody>
       </p:sp>
@@ -5398,6 +5895,4864 @@
     <p:extLst>
       <p:ext uri="{BB962C8B-B14F-4D97-AF65-F5344CB8AC3E}">
         <p14:creationId xmlns:p14="http://schemas.microsoft.com/office/powerpoint/2010/main" val="3175719891"/>
+      </p:ext>
+    </p:extLst>
+  </p:cSld>
+  <p:clrMapOvr>
+    <a:masterClrMapping/>
+  </p:clrMapOvr>
+</p:sld>
+</file>
+
+<file path=ppt/slides/slide2.xml><?xml version="1.0" encoding="utf-8"?>
+<p:sld xmlns:a="http://schemas.openxmlformats.org/drawingml/2006/main" xmlns:r="http://schemas.openxmlformats.org/officeDocument/2006/relationships" xmlns:p="http://schemas.openxmlformats.org/presentationml/2006/main">
+  <p:cSld>
+    <p:spTree>
+      <p:nvGrpSpPr>
+        <p:cNvPr id="1" name=""/>
+        <p:cNvGrpSpPr/>
+        <p:nvPr/>
+      </p:nvGrpSpPr>
+      <p:grpSpPr>
+        <a:xfrm>
+          <a:off x="0" y="0"/>
+          <a:ext cx="0" cy="0"/>
+          <a:chOff x="0" y="0"/>
+          <a:chExt cx="0" cy="0"/>
+        </a:xfrm>
+      </p:grpSpPr>
+      <p:grpSp>
+        <p:nvGrpSpPr>
+          <p:cNvPr id="34" name="Group 33"/>
+          <p:cNvGrpSpPr/>
+          <p:nvPr/>
+        </p:nvGrpSpPr>
+        <p:grpSpPr>
+          <a:xfrm>
+            <a:off x="7812360" y="764704"/>
+            <a:ext cx="792088" cy="792088"/>
+            <a:chOff x="1187637" y="1772816"/>
+            <a:chExt cx="792088" cy="792088"/>
+          </a:xfrm>
+        </p:grpSpPr>
+        <p:sp>
+          <p:nvSpPr>
+            <p:cNvPr id="35" name="Oval 34"/>
+            <p:cNvSpPr/>
+            <p:nvPr/>
+          </p:nvSpPr>
+          <p:spPr>
+            <a:xfrm>
+              <a:off x="1187637" y="1772816"/>
+              <a:ext cx="792088" cy="792088"/>
+            </a:xfrm>
+            <a:prstGeom prst="ellipse">
+              <a:avLst/>
+            </a:prstGeom>
+            <a:noFill/>
+            <a:ln>
+              <a:solidFill>
+                <a:schemeClr val="tx1"/>
+              </a:solidFill>
+            </a:ln>
+          </p:spPr>
+          <p:style>
+            <a:lnRef idx="2">
+              <a:schemeClr val="accent1">
+                <a:shade val="50000"/>
+              </a:schemeClr>
+            </a:lnRef>
+            <a:fillRef idx="1">
+              <a:schemeClr val="accent1"/>
+            </a:fillRef>
+            <a:effectRef idx="0">
+              <a:schemeClr val="accent1"/>
+            </a:effectRef>
+            <a:fontRef idx="minor">
+              <a:schemeClr val="lt1"/>
+            </a:fontRef>
+          </p:style>
+          <p:txBody>
+            <a:bodyPr rtlCol="0" anchor="ctr"/>
+            <a:lstStyle/>
+            <a:p>
+              <a:pPr algn="ctr"/>
+              <a:endParaRPr lang="en-AU">
+                <a:latin typeface="Times New Roman" panose="02020603050405020304" pitchFamily="18" charset="0"/>
+                <a:cs typeface="Times New Roman" panose="02020603050405020304" pitchFamily="18" charset="0"/>
+              </a:endParaRPr>
+            </a:p>
+          </p:txBody>
+        </p:sp>
+        <p:sp>
+          <p:nvSpPr>
+            <p:cNvPr id="36" name="TextBox 35"/>
+            <p:cNvSpPr txBox="1"/>
+            <p:nvPr/>
+          </p:nvSpPr>
+          <p:spPr>
+            <a:xfrm>
+              <a:off x="1410396" y="1984194"/>
+              <a:ext cx="296876" cy="369332"/>
+            </a:xfrm>
+            <a:prstGeom prst="rect">
+              <a:avLst/>
+            </a:prstGeom>
+            <a:noFill/>
+          </p:spPr>
+          <p:txBody>
+            <a:bodyPr wrap="none" rtlCol="0">
+              <a:spAutoFit/>
+            </a:bodyPr>
+            <a:lstStyle/>
+            <a:p>
+              <a:r>
+                <a:rPr lang="el-GR" dirty="0">
+                  <a:latin typeface="Times New Roman" panose="02020603050405020304" pitchFamily="18" charset="0"/>
+                  <a:cs typeface="Times New Roman" panose="02020603050405020304" pitchFamily="18" charset="0"/>
+                </a:rPr>
+                <a:t>λ</a:t>
+              </a:r>
+              <a:endParaRPr lang="en-AU" baseline="-25000" dirty="0">
+                <a:latin typeface="Times New Roman" panose="02020603050405020304" pitchFamily="18" charset="0"/>
+                <a:cs typeface="Times New Roman" panose="02020603050405020304" pitchFamily="18" charset="0"/>
+              </a:endParaRPr>
+            </a:p>
+          </p:txBody>
+        </p:sp>
+      </p:grpSp>
+      <p:grpSp>
+        <p:nvGrpSpPr>
+          <p:cNvPr id="75" name="Group 74"/>
+          <p:cNvGrpSpPr/>
+          <p:nvPr/>
+        </p:nvGrpSpPr>
+        <p:grpSpPr>
+          <a:xfrm>
+            <a:off x="7787513" y="5733256"/>
+            <a:ext cx="792088" cy="792088"/>
+            <a:chOff x="1921388" y="2924944"/>
+            <a:chExt cx="792088" cy="792088"/>
+          </a:xfrm>
+        </p:grpSpPr>
+        <p:sp>
+          <p:nvSpPr>
+            <p:cNvPr id="76" name="Oval 75"/>
+            <p:cNvSpPr/>
+            <p:nvPr/>
+          </p:nvSpPr>
+          <p:spPr>
+            <a:xfrm>
+              <a:off x="1921388" y="2924944"/>
+              <a:ext cx="792088" cy="792088"/>
+            </a:xfrm>
+            <a:prstGeom prst="ellipse">
+              <a:avLst/>
+            </a:prstGeom>
+            <a:noFill/>
+            <a:ln>
+              <a:solidFill>
+                <a:schemeClr val="tx1"/>
+              </a:solidFill>
+            </a:ln>
+          </p:spPr>
+          <p:style>
+            <a:lnRef idx="2">
+              <a:schemeClr val="accent1">
+                <a:shade val="50000"/>
+              </a:schemeClr>
+            </a:lnRef>
+            <a:fillRef idx="1">
+              <a:schemeClr val="accent1"/>
+            </a:fillRef>
+            <a:effectRef idx="0">
+              <a:schemeClr val="accent1"/>
+            </a:effectRef>
+            <a:fontRef idx="minor">
+              <a:schemeClr val="lt1"/>
+            </a:fontRef>
+          </p:style>
+          <p:txBody>
+            <a:bodyPr rtlCol="0" anchor="ctr"/>
+            <a:lstStyle/>
+            <a:p>
+              <a:pPr algn="ctr"/>
+              <a:endParaRPr lang="en-AU">
+                <a:latin typeface="Times New Roman" panose="02020603050405020304" pitchFamily="18" charset="0"/>
+                <a:cs typeface="Times New Roman" panose="02020603050405020304" pitchFamily="18" charset="0"/>
+              </a:endParaRPr>
+            </a:p>
+          </p:txBody>
+        </p:sp>
+        <p:sp>
+          <p:nvSpPr>
+            <p:cNvPr id="77" name="TextBox 76"/>
+            <p:cNvSpPr txBox="1"/>
+            <p:nvPr/>
+          </p:nvSpPr>
+          <p:spPr>
+            <a:xfrm>
+              <a:off x="2065404" y="3131676"/>
+              <a:ext cx="609462" cy="369332"/>
+            </a:xfrm>
+            <a:prstGeom prst="rect">
+              <a:avLst/>
+            </a:prstGeom>
+            <a:noFill/>
+          </p:spPr>
+          <p:txBody>
+            <a:bodyPr wrap="none" rtlCol="0">
+              <a:spAutoFit/>
+            </a:bodyPr>
+            <a:lstStyle/>
+            <a:p>
+              <a:r>
+                <a:rPr lang="en-AU" dirty="0" err="1">
+                  <a:latin typeface="Times New Roman" panose="02020603050405020304" pitchFamily="18" charset="0"/>
+                  <a:cs typeface="Times New Roman" panose="02020603050405020304" pitchFamily="18" charset="0"/>
+                </a:rPr>
+                <a:t>O</a:t>
+              </a:r>
+              <a:r>
+                <a:rPr lang="en-AU" baseline="-25000" dirty="0" err="1">
+                  <a:latin typeface="Times New Roman" panose="02020603050405020304" pitchFamily="18" charset="0"/>
+                  <a:cs typeface="Times New Roman" panose="02020603050405020304" pitchFamily="18" charset="0"/>
+                </a:rPr>
+                <a:t>c,l,a</a:t>
+              </a:r>
+              <a:endParaRPr lang="en-AU" baseline="-25000" dirty="0">
+                <a:latin typeface="Times New Roman" panose="02020603050405020304" pitchFamily="18" charset="0"/>
+                <a:cs typeface="Times New Roman" panose="02020603050405020304" pitchFamily="18" charset="0"/>
+              </a:endParaRPr>
+            </a:p>
+          </p:txBody>
+        </p:sp>
+      </p:grpSp>
+      <p:grpSp>
+        <p:nvGrpSpPr>
+          <p:cNvPr id="16" name="Group 15"/>
+          <p:cNvGrpSpPr/>
+          <p:nvPr/>
+        </p:nvGrpSpPr>
+        <p:grpSpPr>
+          <a:xfrm>
+            <a:off x="1548644" y="691709"/>
+            <a:ext cx="792088" cy="792088"/>
+            <a:chOff x="1187637" y="1772816"/>
+            <a:chExt cx="792088" cy="792088"/>
+          </a:xfrm>
+        </p:grpSpPr>
+        <p:sp>
+          <p:nvSpPr>
+            <p:cNvPr id="4" name="Oval 3"/>
+            <p:cNvSpPr/>
+            <p:nvPr/>
+          </p:nvSpPr>
+          <p:spPr>
+            <a:xfrm>
+              <a:off x="1187637" y="1772816"/>
+              <a:ext cx="792088" cy="792088"/>
+            </a:xfrm>
+            <a:prstGeom prst="ellipse">
+              <a:avLst/>
+            </a:prstGeom>
+            <a:noFill/>
+            <a:ln>
+              <a:solidFill>
+                <a:schemeClr val="tx1"/>
+              </a:solidFill>
+            </a:ln>
+          </p:spPr>
+          <p:style>
+            <a:lnRef idx="2">
+              <a:schemeClr val="accent1">
+                <a:shade val="50000"/>
+              </a:schemeClr>
+            </a:lnRef>
+            <a:fillRef idx="1">
+              <a:schemeClr val="accent1"/>
+            </a:fillRef>
+            <a:effectRef idx="0">
+              <a:schemeClr val="accent1"/>
+            </a:effectRef>
+            <a:fontRef idx="minor">
+              <a:schemeClr val="lt1"/>
+            </a:fontRef>
+          </p:style>
+          <p:txBody>
+            <a:bodyPr rtlCol="0" anchor="ctr"/>
+            <a:lstStyle/>
+            <a:p>
+              <a:pPr algn="ctr"/>
+              <a:endParaRPr lang="en-AU">
+                <a:latin typeface="Times New Roman" panose="02020603050405020304" pitchFamily="18" charset="0"/>
+                <a:cs typeface="Times New Roman" panose="02020603050405020304" pitchFamily="18" charset="0"/>
+              </a:endParaRPr>
+            </a:p>
+          </p:txBody>
+        </p:sp>
+        <p:sp>
+          <p:nvSpPr>
+            <p:cNvPr id="5" name="TextBox 4"/>
+            <p:cNvSpPr txBox="1"/>
+            <p:nvPr/>
+          </p:nvSpPr>
+          <p:spPr>
+            <a:xfrm>
+              <a:off x="1410396" y="1984194"/>
+              <a:ext cx="360996" cy="369332"/>
+            </a:xfrm>
+            <a:prstGeom prst="rect">
+              <a:avLst/>
+            </a:prstGeom>
+            <a:noFill/>
+          </p:spPr>
+          <p:txBody>
+            <a:bodyPr wrap="none" rtlCol="0">
+              <a:spAutoFit/>
+            </a:bodyPr>
+            <a:lstStyle/>
+            <a:p>
+              <a:r>
+                <a:rPr lang="en-AU" dirty="0">
+                  <a:latin typeface="Times New Roman" panose="02020603050405020304" pitchFamily="18" charset="0"/>
+                  <a:cs typeface="Times New Roman" panose="02020603050405020304" pitchFamily="18" charset="0"/>
+                </a:rPr>
+                <a:t>µ</a:t>
+              </a:r>
+              <a:r>
+                <a:rPr lang="en-AU" baseline="-25000" dirty="0">
+                  <a:latin typeface="Times New Roman" panose="02020603050405020304" pitchFamily="18" charset="0"/>
+                  <a:cs typeface="Times New Roman" panose="02020603050405020304" pitchFamily="18" charset="0"/>
+                </a:rPr>
+                <a:t>l</a:t>
+              </a:r>
+            </a:p>
+          </p:txBody>
+        </p:sp>
+      </p:grpSp>
+      <p:grpSp>
+        <p:nvGrpSpPr>
+          <p:cNvPr id="17" name="Group 16"/>
+          <p:cNvGrpSpPr/>
+          <p:nvPr/>
+        </p:nvGrpSpPr>
+        <p:grpSpPr>
+          <a:xfrm>
+            <a:off x="2988804" y="717258"/>
+            <a:ext cx="792088" cy="792088"/>
+            <a:chOff x="2627797" y="1798365"/>
+            <a:chExt cx="792088" cy="792088"/>
+          </a:xfrm>
+        </p:grpSpPr>
+        <p:sp>
+          <p:nvSpPr>
+            <p:cNvPr id="6" name="Oval 5"/>
+            <p:cNvSpPr/>
+            <p:nvPr/>
+          </p:nvSpPr>
+          <p:spPr>
+            <a:xfrm>
+              <a:off x="2627797" y="1798365"/>
+              <a:ext cx="792088" cy="792088"/>
+            </a:xfrm>
+            <a:prstGeom prst="ellipse">
+              <a:avLst/>
+            </a:prstGeom>
+            <a:noFill/>
+            <a:ln>
+              <a:solidFill>
+                <a:schemeClr val="tx1"/>
+              </a:solidFill>
+            </a:ln>
+          </p:spPr>
+          <p:style>
+            <a:lnRef idx="2">
+              <a:schemeClr val="accent1">
+                <a:shade val="50000"/>
+              </a:schemeClr>
+            </a:lnRef>
+            <a:fillRef idx="1">
+              <a:schemeClr val="accent1"/>
+            </a:fillRef>
+            <a:effectRef idx="0">
+              <a:schemeClr val="accent1"/>
+            </a:effectRef>
+            <a:fontRef idx="minor">
+              <a:schemeClr val="lt1"/>
+            </a:fontRef>
+          </p:style>
+          <p:txBody>
+            <a:bodyPr rtlCol="0" anchor="ctr"/>
+            <a:lstStyle/>
+            <a:p>
+              <a:pPr algn="ctr"/>
+              <a:endParaRPr lang="en-AU">
+                <a:latin typeface="Times New Roman" panose="02020603050405020304" pitchFamily="18" charset="0"/>
+                <a:cs typeface="Times New Roman" panose="02020603050405020304" pitchFamily="18" charset="0"/>
+              </a:endParaRPr>
+            </a:p>
+          </p:txBody>
+        </p:sp>
+        <p:sp>
+          <p:nvSpPr>
+            <p:cNvPr id="7" name="TextBox 6"/>
+            <p:cNvSpPr txBox="1"/>
+            <p:nvPr/>
+          </p:nvSpPr>
+          <p:spPr>
+            <a:xfrm>
+              <a:off x="2804871" y="1984194"/>
+              <a:ext cx="444352" cy="369332"/>
+            </a:xfrm>
+            <a:prstGeom prst="rect">
+              <a:avLst/>
+            </a:prstGeom>
+            <a:noFill/>
+          </p:spPr>
+          <p:txBody>
+            <a:bodyPr wrap="none" rtlCol="0">
+              <a:spAutoFit/>
+            </a:bodyPr>
+            <a:lstStyle/>
+            <a:p>
+              <a:r>
+                <a:rPr lang="en-AU" dirty="0">
+                  <a:latin typeface="Times New Roman" panose="02020603050405020304" pitchFamily="18" charset="0"/>
+                  <a:cs typeface="Times New Roman" panose="02020603050405020304" pitchFamily="18" charset="0"/>
+                  <a:sym typeface="Symbol"/>
+                </a:rPr>
+                <a:t></a:t>
+              </a:r>
+              <a:r>
+                <a:rPr lang="en-AU" baseline="30000" dirty="0">
+                  <a:latin typeface="Times New Roman" panose="02020603050405020304" pitchFamily="18" charset="0"/>
+                  <a:cs typeface="Times New Roman" panose="02020603050405020304" pitchFamily="18" charset="0"/>
+                  <a:sym typeface="Symbol"/>
+                </a:rPr>
+                <a:t>2</a:t>
+              </a:r>
+              <a:r>
+                <a:rPr lang="en-AU" baseline="-25000" dirty="0">
+                  <a:latin typeface="Times New Roman" panose="02020603050405020304" pitchFamily="18" charset="0"/>
+                  <a:cs typeface="Times New Roman" panose="02020603050405020304" pitchFamily="18" charset="0"/>
+                </a:rPr>
+                <a:t>l</a:t>
+              </a:r>
+            </a:p>
+          </p:txBody>
+        </p:sp>
+      </p:grpSp>
+      <p:grpSp>
+        <p:nvGrpSpPr>
+          <p:cNvPr id="18" name="Group 17"/>
+          <p:cNvGrpSpPr/>
+          <p:nvPr/>
+        </p:nvGrpSpPr>
+        <p:grpSpPr>
+          <a:xfrm>
+            <a:off x="2235157" y="2852936"/>
+            <a:ext cx="792088" cy="792088"/>
+            <a:chOff x="1921388" y="2924944"/>
+            <a:chExt cx="792088" cy="792088"/>
+          </a:xfrm>
+        </p:grpSpPr>
+        <p:sp>
+          <p:nvSpPr>
+            <p:cNvPr id="8" name="Oval 7"/>
+            <p:cNvSpPr/>
+            <p:nvPr/>
+          </p:nvSpPr>
+          <p:spPr>
+            <a:xfrm>
+              <a:off x="1921388" y="2924944"/>
+              <a:ext cx="792088" cy="792088"/>
+            </a:xfrm>
+            <a:prstGeom prst="ellipse">
+              <a:avLst/>
+            </a:prstGeom>
+            <a:noFill/>
+            <a:ln>
+              <a:solidFill>
+                <a:schemeClr val="tx1"/>
+              </a:solidFill>
+            </a:ln>
+          </p:spPr>
+          <p:style>
+            <a:lnRef idx="2">
+              <a:schemeClr val="accent1">
+                <a:shade val="50000"/>
+              </a:schemeClr>
+            </a:lnRef>
+            <a:fillRef idx="1">
+              <a:schemeClr val="accent1"/>
+            </a:fillRef>
+            <a:effectRef idx="0">
+              <a:schemeClr val="accent1"/>
+            </a:effectRef>
+            <a:fontRef idx="minor">
+              <a:schemeClr val="lt1"/>
+            </a:fontRef>
+          </p:style>
+          <p:txBody>
+            <a:bodyPr rtlCol="0" anchor="ctr"/>
+            <a:lstStyle/>
+            <a:p>
+              <a:pPr algn="ctr"/>
+              <a:endParaRPr lang="en-AU">
+                <a:latin typeface="Times New Roman" panose="02020603050405020304" pitchFamily="18" charset="0"/>
+                <a:cs typeface="Times New Roman" panose="02020603050405020304" pitchFamily="18" charset="0"/>
+              </a:endParaRPr>
+            </a:p>
+          </p:txBody>
+        </p:sp>
+        <p:sp>
+          <p:nvSpPr>
+            <p:cNvPr id="9" name="TextBox 8"/>
+            <p:cNvSpPr txBox="1"/>
+            <p:nvPr/>
+          </p:nvSpPr>
+          <p:spPr>
+            <a:xfrm>
+              <a:off x="2140941" y="3136322"/>
+              <a:ext cx="502061" cy="369332"/>
+            </a:xfrm>
+            <a:prstGeom prst="rect">
+              <a:avLst/>
+            </a:prstGeom>
+            <a:noFill/>
+          </p:spPr>
+          <p:txBody>
+            <a:bodyPr wrap="none" rtlCol="0">
+              <a:spAutoFit/>
+            </a:bodyPr>
+            <a:lstStyle/>
+            <a:p>
+              <a:r>
+                <a:rPr lang="en-AU" dirty="0" err="1">
+                  <a:latin typeface="Times New Roman" panose="02020603050405020304" pitchFamily="18" charset="0"/>
+                  <a:cs typeface="Times New Roman" panose="02020603050405020304" pitchFamily="18" charset="0"/>
+                </a:rPr>
+                <a:t>A</a:t>
+              </a:r>
+              <a:r>
+                <a:rPr lang="en-AU" baseline="-25000" dirty="0" err="1">
+                  <a:latin typeface="Times New Roman" panose="02020603050405020304" pitchFamily="18" charset="0"/>
+                  <a:cs typeface="Times New Roman" panose="02020603050405020304" pitchFamily="18" charset="0"/>
+                </a:rPr>
+                <a:t>c,l</a:t>
+              </a:r>
+              <a:endParaRPr lang="en-AU" baseline="-25000" dirty="0">
+                <a:latin typeface="Times New Roman" panose="02020603050405020304" pitchFamily="18" charset="0"/>
+                <a:cs typeface="Times New Roman" panose="02020603050405020304" pitchFamily="18" charset="0"/>
+              </a:endParaRPr>
+            </a:p>
+          </p:txBody>
+        </p:sp>
+      </p:grpSp>
+      <p:cxnSp>
+        <p:nvCxnSpPr>
+          <p:cNvPr id="51" name="Straight Arrow Connector 50"/>
+          <p:cNvCxnSpPr>
+            <a:stCxn id="4" idx="4"/>
+            <a:endCxn id="8" idx="0"/>
+          </p:cNvCxnSpPr>
+          <p:nvPr/>
+        </p:nvCxnSpPr>
+        <p:spPr>
+          <a:xfrm>
+            <a:off x="1944688" y="1483797"/>
+            <a:ext cx="686513" cy="1369139"/>
+          </a:xfrm>
+          <a:prstGeom prst="straightConnector1">
+            <a:avLst/>
+          </a:prstGeom>
+          <a:ln w="28575">
+            <a:solidFill>
+              <a:schemeClr val="tx1"/>
+            </a:solidFill>
+            <a:tailEnd type="arrow"/>
+          </a:ln>
+        </p:spPr>
+        <p:style>
+          <a:lnRef idx="1">
+            <a:schemeClr val="accent1"/>
+          </a:lnRef>
+          <a:fillRef idx="0">
+            <a:schemeClr val="accent1"/>
+          </a:fillRef>
+          <a:effectRef idx="0">
+            <a:schemeClr val="accent1"/>
+          </a:effectRef>
+          <a:fontRef idx="minor">
+            <a:schemeClr val="tx1"/>
+          </a:fontRef>
+        </p:style>
+      </p:cxnSp>
+      <p:cxnSp>
+        <p:nvCxnSpPr>
+          <p:cNvPr id="54" name="Straight Arrow Connector 53"/>
+          <p:cNvCxnSpPr>
+            <a:stCxn id="6" idx="4"/>
+            <a:endCxn id="8" idx="0"/>
+          </p:cNvCxnSpPr>
+          <p:nvPr/>
+        </p:nvCxnSpPr>
+        <p:spPr>
+          <a:xfrm flipH="1">
+            <a:off x="2631201" y="1509346"/>
+            <a:ext cx="753647" cy="1343590"/>
+          </a:xfrm>
+          <a:prstGeom prst="straightConnector1">
+            <a:avLst/>
+          </a:prstGeom>
+          <a:ln w="28575">
+            <a:solidFill>
+              <a:schemeClr val="tx1"/>
+            </a:solidFill>
+            <a:tailEnd type="arrow"/>
+          </a:ln>
+        </p:spPr>
+        <p:style>
+          <a:lnRef idx="1">
+            <a:schemeClr val="accent1"/>
+          </a:lnRef>
+          <a:fillRef idx="0">
+            <a:schemeClr val="accent1"/>
+          </a:fillRef>
+          <a:effectRef idx="0">
+            <a:schemeClr val="accent1"/>
+          </a:effectRef>
+          <a:fontRef idx="minor">
+            <a:schemeClr val="tx1"/>
+          </a:fontRef>
+        </p:style>
+      </p:cxnSp>
+      <p:grpSp>
+        <p:nvGrpSpPr>
+          <p:cNvPr id="19" name="Group 18"/>
+          <p:cNvGrpSpPr/>
+          <p:nvPr/>
+        </p:nvGrpSpPr>
+        <p:grpSpPr>
+          <a:xfrm>
+            <a:off x="4371555" y="764704"/>
+            <a:ext cx="792088" cy="792088"/>
+            <a:chOff x="1187637" y="1772816"/>
+            <a:chExt cx="792088" cy="792088"/>
+          </a:xfrm>
+        </p:grpSpPr>
+        <p:sp>
+          <p:nvSpPr>
+            <p:cNvPr id="20" name="Oval 19"/>
+            <p:cNvSpPr/>
+            <p:nvPr/>
+          </p:nvSpPr>
+          <p:spPr>
+            <a:xfrm>
+              <a:off x="1187637" y="1772816"/>
+              <a:ext cx="792088" cy="792088"/>
+            </a:xfrm>
+            <a:prstGeom prst="ellipse">
+              <a:avLst/>
+            </a:prstGeom>
+            <a:noFill/>
+            <a:ln>
+              <a:solidFill>
+                <a:schemeClr val="tx1"/>
+              </a:solidFill>
+            </a:ln>
+          </p:spPr>
+          <p:style>
+            <a:lnRef idx="2">
+              <a:schemeClr val="accent1">
+                <a:shade val="50000"/>
+              </a:schemeClr>
+            </a:lnRef>
+            <a:fillRef idx="1">
+              <a:schemeClr val="accent1"/>
+            </a:fillRef>
+            <a:effectRef idx="0">
+              <a:schemeClr val="accent1"/>
+            </a:effectRef>
+            <a:fontRef idx="minor">
+              <a:schemeClr val="lt1"/>
+            </a:fontRef>
+          </p:style>
+          <p:txBody>
+            <a:bodyPr rtlCol="0" anchor="ctr"/>
+            <a:lstStyle/>
+            <a:p>
+              <a:pPr algn="ctr"/>
+              <a:endParaRPr lang="en-AU">
+                <a:latin typeface="Times New Roman" panose="02020603050405020304" pitchFamily="18" charset="0"/>
+                <a:cs typeface="Times New Roman" panose="02020603050405020304" pitchFamily="18" charset="0"/>
+              </a:endParaRPr>
+            </a:p>
+          </p:txBody>
+        </p:sp>
+        <p:sp>
+          <p:nvSpPr>
+            <p:cNvPr id="21" name="TextBox 20"/>
+            <p:cNvSpPr txBox="1"/>
+            <p:nvPr/>
+          </p:nvSpPr>
+          <p:spPr>
+            <a:xfrm>
+              <a:off x="1410396" y="1984194"/>
+              <a:ext cx="336952" cy="369332"/>
+            </a:xfrm>
+            <a:prstGeom prst="rect">
+              <a:avLst/>
+            </a:prstGeom>
+            <a:noFill/>
+          </p:spPr>
+          <p:txBody>
+            <a:bodyPr wrap="none" rtlCol="0">
+              <a:spAutoFit/>
+            </a:bodyPr>
+            <a:lstStyle/>
+            <a:p>
+              <a:r>
+                <a:rPr lang="en-AU" dirty="0">
+                  <a:latin typeface="Times New Roman" panose="02020603050405020304" pitchFamily="18" charset="0"/>
+                  <a:cs typeface="Times New Roman" panose="02020603050405020304" pitchFamily="18" charset="0"/>
+                  <a:sym typeface="Symbol"/>
+                </a:rPr>
+                <a:t></a:t>
+              </a:r>
+              <a:r>
+                <a:rPr lang="en-AU" baseline="-25000" dirty="0">
+                  <a:latin typeface="Times New Roman" panose="02020603050405020304" pitchFamily="18" charset="0"/>
+                  <a:cs typeface="Times New Roman" panose="02020603050405020304" pitchFamily="18" charset="0"/>
+                </a:rPr>
+                <a:t>f</a:t>
+              </a:r>
+            </a:p>
+          </p:txBody>
+        </p:sp>
+      </p:grpSp>
+      <p:grpSp>
+        <p:nvGrpSpPr>
+          <p:cNvPr id="22" name="Group 21"/>
+          <p:cNvGrpSpPr/>
+          <p:nvPr/>
+        </p:nvGrpSpPr>
+        <p:grpSpPr>
+          <a:xfrm>
+            <a:off x="5811715" y="790253"/>
+            <a:ext cx="792088" cy="792088"/>
+            <a:chOff x="2627797" y="1798365"/>
+            <a:chExt cx="792088" cy="792088"/>
+          </a:xfrm>
+        </p:grpSpPr>
+        <p:sp>
+          <p:nvSpPr>
+            <p:cNvPr id="23" name="Oval 22"/>
+            <p:cNvSpPr/>
+            <p:nvPr/>
+          </p:nvSpPr>
+          <p:spPr>
+            <a:xfrm>
+              <a:off x="2627797" y="1798365"/>
+              <a:ext cx="792088" cy="792088"/>
+            </a:xfrm>
+            <a:prstGeom prst="ellipse">
+              <a:avLst/>
+            </a:prstGeom>
+            <a:noFill/>
+            <a:ln>
+              <a:solidFill>
+                <a:schemeClr val="tx1"/>
+              </a:solidFill>
+            </a:ln>
+          </p:spPr>
+          <p:style>
+            <a:lnRef idx="2">
+              <a:schemeClr val="accent1">
+                <a:shade val="50000"/>
+              </a:schemeClr>
+            </a:lnRef>
+            <a:fillRef idx="1">
+              <a:schemeClr val="accent1"/>
+            </a:fillRef>
+            <a:effectRef idx="0">
+              <a:schemeClr val="accent1"/>
+            </a:effectRef>
+            <a:fontRef idx="minor">
+              <a:schemeClr val="lt1"/>
+            </a:fontRef>
+          </p:style>
+          <p:txBody>
+            <a:bodyPr rtlCol="0" anchor="ctr"/>
+            <a:lstStyle/>
+            <a:p>
+              <a:pPr algn="ctr"/>
+              <a:endParaRPr lang="en-AU">
+                <a:latin typeface="Times New Roman" panose="02020603050405020304" pitchFamily="18" charset="0"/>
+                <a:cs typeface="Times New Roman" panose="02020603050405020304" pitchFamily="18" charset="0"/>
+              </a:endParaRPr>
+            </a:p>
+          </p:txBody>
+        </p:sp>
+        <p:sp>
+          <p:nvSpPr>
+            <p:cNvPr id="24" name="TextBox 23"/>
+            <p:cNvSpPr txBox="1"/>
+            <p:nvPr/>
+          </p:nvSpPr>
+          <p:spPr>
+            <a:xfrm>
+              <a:off x="2804871" y="1984194"/>
+              <a:ext cx="402674" cy="369332"/>
+            </a:xfrm>
+            <a:prstGeom prst="rect">
+              <a:avLst/>
+            </a:prstGeom>
+            <a:noFill/>
+          </p:spPr>
+          <p:txBody>
+            <a:bodyPr wrap="none" rtlCol="0">
+              <a:spAutoFit/>
+            </a:bodyPr>
+            <a:lstStyle/>
+            <a:p>
+              <a:r>
+                <a:rPr lang="en-AU" dirty="0">
+                  <a:latin typeface="Times New Roman" panose="02020603050405020304" pitchFamily="18" charset="0"/>
+                  <a:cs typeface="Times New Roman" panose="02020603050405020304" pitchFamily="18" charset="0"/>
+                  <a:sym typeface="Symbol"/>
+                </a:rPr>
+                <a:t>s</a:t>
+              </a:r>
+              <a:r>
+                <a:rPr lang="en-AU" baseline="30000" dirty="0">
+                  <a:latin typeface="Times New Roman" panose="02020603050405020304" pitchFamily="18" charset="0"/>
+                  <a:cs typeface="Times New Roman" panose="02020603050405020304" pitchFamily="18" charset="0"/>
+                  <a:sym typeface="Symbol"/>
+                </a:rPr>
+                <a:t>2</a:t>
+              </a:r>
+              <a:r>
+                <a:rPr lang="en-AU" baseline="-25000" dirty="0">
+                  <a:latin typeface="Times New Roman" panose="02020603050405020304" pitchFamily="18" charset="0"/>
+                  <a:cs typeface="Times New Roman" panose="02020603050405020304" pitchFamily="18" charset="0"/>
+                </a:rPr>
+                <a:t>f</a:t>
+              </a:r>
+            </a:p>
+          </p:txBody>
+        </p:sp>
+      </p:grpSp>
+      <p:grpSp>
+        <p:nvGrpSpPr>
+          <p:cNvPr id="25" name="Group 24"/>
+          <p:cNvGrpSpPr/>
+          <p:nvPr/>
+        </p:nvGrpSpPr>
+        <p:grpSpPr>
+          <a:xfrm>
+            <a:off x="5004048" y="2852936"/>
+            <a:ext cx="792088" cy="792088"/>
+            <a:chOff x="1921388" y="2924944"/>
+            <a:chExt cx="792088" cy="792088"/>
+          </a:xfrm>
+        </p:grpSpPr>
+        <p:sp>
+          <p:nvSpPr>
+            <p:cNvPr id="26" name="Oval 25"/>
+            <p:cNvSpPr/>
+            <p:nvPr/>
+          </p:nvSpPr>
+          <p:spPr>
+            <a:xfrm>
+              <a:off x="1921388" y="2924944"/>
+              <a:ext cx="792088" cy="792088"/>
+            </a:xfrm>
+            <a:prstGeom prst="ellipse">
+              <a:avLst/>
+            </a:prstGeom>
+            <a:noFill/>
+            <a:ln>
+              <a:solidFill>
+                <a:schemeClr val="tx1"/>
+              </a:solidFill>
+            </a:ln>
+          </p:spPr>
+          <p:style>
+            <a:lnRef idx="2">
+              <a:schemeClr val="accent1">
+                <a:shade val="50000"/>
+              </a:schemeClr>
+            </a:lnRef>
+            <a:fillRef idx="1">
+              <a:schemeClr val="accent1"/>
+            </a:fillRef>
+            <a:effectRef idx="0">
+              <a:schemeClr val="accent1"/>
+            </a:effectRef>
+            <a:fontRef idx="minor">
+              <a:schemeClr val="lt1"/>
+            </a:fontRef>
+          </p:style>
+          <p:txBody>
+            <a:bodyPr rtlCol="0" anchor="ctr"/>
+            <a:lstStyle/>
+            <a:p>
+              <a:pPr algn="ctr"/>
+              <a:endParaRPr lang="en-AU">
+                <a:latin typeface="Times New Roman" panose="02020603050405020304" pitchFamily="18" charset="0"/>
+                <a:cs typeface="Times New Roman" panose="02020603050405020304" pitchFamily="18" charset="0"/>
+              </a:endParaRPr>
+            </a:p>
+          </p:txBody>
+        </p:sp>
+        <p:sp>
+          <p:nvSpPr>
+            <p:cNvPr id="27" name="TextBox 26"/>
+            <p:cNvSpPr txBox="1"/>
+            <p:nvPr/>
+          </p:nvSpPr>
+          <p:spPr>
+            <a:xfrm>
+              <a:off x="2140941" y="3136322"/>
+              <a:ext cx="510076" cy="369332"/>
+            </a:xfrm>
+            <a:prstGeom prst="rect">
+              <a:avLst/>
+            </a:prstGeom>
+            <a:noFill/>
+          </p:spPr>
+          <p:txBody>
+            <a:bodyPr wrap="none" rtlCol="0">
+              <a:spAutoFit/>
+            </a:bodyPr>
+            <a:lstStyle/>
+            <a:p>
+              <a:r>
+                <a:rPr lang="en-AU" dirty="0" err="1">
+                  <a:latin typeface="Times New Roman" panose="02020603050405020304" pitchFamily="18" charset="0"/>
+                  <a:cs typeface="Times New Roman" panose="02020603050405020304" pitchFamily="18" charset="0"/>
+                </a:rPr>
+                <a:t>D</a:t>
+              </a:r>
+              <a:r>
+                <a:rPr lang="en-AU" baseline="-25000" dirty="0" err="1">
+                  <a:latin typeface="Times New Roman" panose="02020603050405020304" pitchFamily="18" charset="0"/>
+                  <a:cs typeface="Times New Roman" panose="02020603050405020304" pitchFamily="18" charset="0"/>
+                </a:rPr>
+                <a:t>c,f</a:t>
+              </a:r>
+              <a:endParaRPr lang="en-AU" baseline="-25000" dirty="0">
+                <a:latin typeface="Times New Roman" panose="02020603050405020304" pitchFamily="18" charset="0"/>
+                <a:cs typeface="Times New Roman" panose="02020603050405020304" pitchFamily="18" charset="0"/>
+              </a:endParaRPr>
+            </a:p>
+          </p:txBody>
+        </p:sp>
+      </p:grpSp>
+      <p:cxnSp>
+        <p:nvCxnSpPr>
+          <p:cNvPr id="63" name="Straight Arrow Connector 62"/>
+          <p:cNvCxnSpPr>
+            <a:stCxn id="20" idx="4"/>
+            <a:endCxn id="26" idx="0"/>
+          </p:cNvCxnSpPr>
+          <p:nvPr/>
+        </p:nvCxnSpPr>
+        <p:spPr>
+          <a:xfrm>
+            <a:off x="4767599" y="1556792"/>
+            <a:ext cx="632493" cy="1296144"/>
+          </a:xfrm>
+          <a:prstGeom prst="straightConnector1">
+            <a:avLst/>
+          </a:prstGeom>
+          <a:ln w="28575">
+            <a:solidFill>
+              <a:schemeClr val="tx1"/>
+            </a:solidFill>
+            <a:tailEnd type="arrow"/>
+          </a:ln>
+        </p:spPr>
+        <p:style>
+          <a:lnRef idx="1">
+            <a:schemeClr val="accent1"/>
+          </a:lnRef>
+          <a:fillRef idx="0">
+            <a:schemeClr val="accent1"/>
+          </a:fillRef>
+          <a:effectRef idx="0">
+            <a:schemeClr val="accent1"/>
+          </a:effectRef>
+          <a:fontRef idx="minor">
+            <a:schemeClr val="tx1"/>
+          </a:fontRef>
+        </p:style>
+      </p:cxnSp>
+      <p:cxnSp>
+        <p:nvCxnSpPr>
+          <p:cNvPr id="66" name="Straight Arrow Connector 65"/>
+          <p:cNvCxnSpPr>
+            <a:stCxn id="23" idx="4"/>
+            <a:endCxn id="26" idx="0"/>
+          </p:cNvCxnSpPr>
+          <p:nvPr/>
+        </p:nvCxnSpPr>
+        <p:spPr>
+          <a:xfrm flipH="1">
+            <a:off x="5400092" y="1582341"/>
+            <a:ext cx="807667" cy="1270595"/>
+          </a:xfrm>
+          <a:prstGeom prst="straightConnector1">
+            <a:avLst/>
+          </a:prstGeom>
+          <a:ln w="28575">
+            <a:solidFill>
+              <a:schemeClr val="tx1"/>
+            </a:solidFill>
+            <a:tailEnd type="arrow"/>
+          </a:ln>
+        </p:spPr>
+        <p:style>
+          <a:lnRef idx="1">
+            <a:schemeClr val="accent1"/>
+          </a:lnRef>
+          <a:fillRef idx="0">
+            <a:schemeClr val="accent1"/>
+          </a:fillRef>
+          <a:effectRef idx="0">
+            <a:schemeClr val="accent1"/>
+          </a:effectRef>
+          <a:fontRef idx="minor">
+            <a:schemeClr val="tx1"/>
+          </a:fontRef>
+        </p:style>
+      </p:cxnSp>
+      <p:grpSp>
+        <p:nvGrpSpPr>
+          <p:cNvPr id="100" name="Group 99"/>
+          <p:cNvGrpSpPr/>
+          <p:nvPr/>
+        </p:nvGrpSpPr>
+        <p:grpSpPr>
+          <a:xfrm>
+            <a:off x="107504" y="2780928"/>
+            <a:ext cx="792088" cy="792088"/>
+            <a:chOff x="1901046" y="2924944"/>
+            <a:chExt cx="792088" cy="792088"/>
+          </a:xfrm>
+        </p:grpSpPr>
+        <p:sp>
+          <p:nvSpPr>
+            <p:cNvPr id="101" name="Oval 100"/>
+            <p:cNvSpPr/>
+            <p:nvPr/>
+          </p:nvSpPr>
+          <p:spPr>
+            <a:xfrm>
+              <a:off x="1901046" y="2924944"/>
+              <a:ext cx="792088" cy="792088"/>
+            </a:xfrm>
+            <a:prstGeom prst="ellipse">
+              <a:avLst/>
+            </a:prstGeom>
+            <a:noFill/>
+            <a:ln>
+              <a:solidFill>
+                <a:schemeClr val="tx1"/>
+              </a:solidFill>
+            </a:ln>
+          </p:spPr>
+          <p:style>
+            <a:lnRef idx="2">
+              <a:schemeClr val="accent1">
+                <a:shade val="50000"/>
+              </a:schemeClr>
+            </a:lnRef>
+            <a:fillRef idx="1">
+              <a:schemeClr val="accent1"/>
+            </a:fillRef>
+            <a:effectRef idx="0">
+              <a:schemeClr val="accent1"/>
+            </a:effectRef>
+            <a:fontRef idx="minor">
+              <a:schemeClr val="lt1"/>
+            </a:fontRef>
+          </p:style>
+          <p:txBody>
+            <a:bodyPr rtlCol="0" anchor="ctr"/>
+            <a:lstStyle/>
+            <a:p>
+              <a:pPr algn="ctr"/>
+              <a:endParaRPr lang="en-AU">
+                <a:latin typeface="Times New Roman" panose="02020603050405020304" pitchFamily="18" charset="0"/>
+                <a:cs typeface="Times New Roman" panose="02020603050405020304" pitchFamily="18" charset="0"/>
+              </a:endParaRPr>
+            </a:p>
+          </p:txBody>
+        </p:sp>
+        <p:sp>
+          <p:nvSpPr>
+            <p:cNvPr id="102" name="TextBox 101"/>
+            <p:cNvSpPr txBox="1"/>
+            <p:nvPr/>
+          </p:nvSpPr>
+          <p:spPr>
+            <a:xfrm>
+              <a:off x="2140941" y="3136322"/>
+              <a:ext cx="377026" cy="369332"/>
+            </a:xfrm>
+            <a:prstGeom prst="rect">
+              <a:avLst/>
+            </a:prstGeom>
+            <a:noFill/>
+          </p:spPr>
+          <p:txBody>
+            <a:bodyPr wrap="none" rtlCol="0">
+              <a:spAutoFit/>
+            </a:bodyPr>
+            <a:lstStyle/>
+            <a:p>
+              <a:r>
+                <a:rPr lang="en-AU" dirty="0">
+                  <a:latin typeface="Times New Roman" panose="02020603050405020304" pitchFamily="18" charset="0"/>
+                  <a:cs typeface="Times New Roman" panose="02020603050405020304" pitchFamily="18" charset="0"/>
+                </a:rPr>
+                <a:t>T</a:t>
+              </a:r>
+              <a:r>
+                <a:rPr lang="en-AU" baseline="-25000" dirty="0">
+                  <a:latin typeface="Times New Roman" panose="02020603050405020304" pitchFamily="18" charset="0"/>
+                  <a:cs typeface="Times New Roman" panose="02020603050405020304" pitchFamily="18" charset="0"/>
+                </a:rPr>
+                <a:t>c</a:t>
+              </a:r>
+            </a:p>
+          </p:txBody>
+        </p:sp>
+      </p:grpSp>
+      <p:cxnSp>
+        <p:nvCxnSpPr>
+          <p:cNvPr id="112" name="Straight Arrow Connector 111"/>
+          <p:cNvCxnSpPr>
+            <a:cxnSpLocks/>
+            <a:stCxn id="8" idx="4"/>
+            <a:endCxn id="64" idx="0"/>
+          </p:cNvCxnSpPr>
+          <p:nvPr/>
+        </p:nvCxnSpPr>
+        <p:spPr>
+          <a:xfrm>
+            <a:off x="2631201" y="3645024"/>
+            <a:ext cx="2742982" cy="2088232"/>
+          </a:xfrm>
+          <a:prstGeom prst="straightConnector1">
+            <a:avLst/>
+          </a:prstGeom>
+          <a:ln w="28575">
+            <a:solidFill>
+              <a:schemeClr val="tx1"/>
+            </a:solidFill>
+            <a:tailEnd type="arrow"/>
+          </a:ln>
+        </p:spPr>
+        <p:style>
+          <a:lnRef idx="1">
+            <a:schemeClr val="accent1"/>
+          </a:lnRef>
+          <a:fillRef idx="0">
+            <a:schemeClr val="accent1"/>
+          </a:fillRef>
+          <a:effectRef idx="0">
+            <a:schemeClr val="accent1"/>
+          </a:effectRef>
+          <a:fontRef idx="minor">
+            <a:schemeClr val="tx1"/>
+          </a:fontRef>
+        </p:style>
+      </p:cxnSp>
+      <p:cxnSp>
+        <p:nvCxnSpPr>
+          <p:cNvPr id="118" name="Straight Arrow Connector 117"/>
+          <p:cNvCxnSpPr>
+            <a:cxnSpLocks/>
+            <a:stCxn id="26" idx="4"/>
+            <a:endCxn id="64" idx="0"/>
+          </p:cNvCxnSpPr>
+          <p:nvPr/>
+        </p:nvCxnSpPr>
+        <p:spPr>
+          <a:xfrm flipH="1">
+            <a:off x="5374183" y="3645024"/>
+            <a:ext cx="25909" cy="2088232"/>
+          </a:xfrm>
+          <a:prstGeom prst="straightConnector1">
+            <a:avLst/>
+          </a:prstGeom>
+          <a:ln w="28575">
+            <a:solidFill>
+              <a:schemeClr val="tx1"/>
+            </a:solidFill>
+            <a:tailEnd type="arrow"/>
+          </a:ln>
+        </p:spPr>
+        <p:style>
+          <a:lnRef idx="1">
+            <a:schemeClr val="accent1"/>
+          </a:lnRef>
+          <a:fillRef idx="0">
+            <a:schemeClr val="accent1"/>
+          </a:fillRef>
+          <a:effectRef idx="0">
+            <a:schemeClr val="accent1"/>
+          </a:effectRef>
+          <a:fontRef idx="minor">
+            <a:schemeClr val="tx1"/>
+          </a:fontRef>
+        </p:style>
+      </p:cxnSp>
+      <p:cxnSp>
+        <p:nvCxnSpPr>
+          <p:cNvPr id="124" name="Straight Arrow Connector 123"/>
+          <p:cNvCxnSpPr>
+            <a:cxnSpLocks/>
+            <a:stCxn id="35" idx="4"/>
+            <a:endCxn id="76" idx="0"/>
+          </p:cNvCxnSpPr>
+          <p:nvPr/>
+        </p:nvCxnSpPr>
+        <p:spPr>
+          <a:xfrm flipH="1">
+            <a:off x="8183557" y="1556792"/>
+            <a:ext cx="24847" cy="4176464"/>
+          </a:xfrm>
+          <a:prstGeom prst="straightConnector1">
+            <a:avLst/>
+          </a:prstGeom>
+          <a:ln w="28575">
+            <a:solidFill>
+              <a:schemeClr val="tx1"/>
+            </a:solidFill>
+            <a:tailEnd type="arrow"/>
+          </a:ln>
+        </p:spPr>
+        <p:style>
+          <a:lnRef idx="1">
+            <a:schemeClr val="accent1"/>
+          </a:lnRef>
+          <a:fillRef idx="0">
+            <a:schemeClr val="accent1"/>
+          </a:fillRef>
+          <a:effectRef idx="0">
+            <a:schemeClr val="accent1"/>
+          </a:effectRef>
+          <a:fontRef idx="minor">
+            <a:schemeClr val="tx1"/>
+          </a:fontRef>
+        </p:style>
+      </p:cxnSp>
+      <p:cxnSp>
+        <p:nvCxnSpPr>
+          <p:cNvPr id="130" name="Straight Arrow Connector 129"/>
+          <p:cNvCxnSpPr>
+            <a:cxnSpLocks/>
+            <a:stCxn id="101" idx="4"/>
+            <a:endCxn id="64" idx="0"/>
+          </p:cNvCxnSpPr>
+          <p:nvPr/>
+        </p:nvCxnSpPr>
+        <p:spPr>
+          <a:xfrm>
+            <a:off x="503548" y="3573016"/>
+            <a:ext cx="4870635" cy="2160240"/>
+          </a:xfrm>
+          <a:prstGeom prst="straightConnector1">
+            <a:avLst/>
+          </a:prstGeom>
+          <a:ln w="28575">
+            <a:solidFill>
+              <a:schemeClr val="tx1"/>
+            </a:solidFill>
+            <a:tailEnd type="arrow"/>
+          </a:ln>
+        </p:spPr>
+        <p:style>
+          <a:lnRef idx="1">
+            <a:schemeClr val="accent1"/>
+          </a:lnRef>
+          <a:fillRef idx="0">
+            <a:schemeClr val="accent1"/>
+          </a:fillRef>
+          <a:effectRef idx="0">
+            <a:schemeClr val="accent1"/>
+          </a:effectRef>
+          <a:fontRef idx="minor">
+            <a:schemeClr val="tx1"/>
+          </a:fontRef>
+        </p:style>
+      </p:cxnSp>
+      <p:grpSp>
+        <p:nvGrpSpPr>
+          <p:cNvPr id="2" name="Group 1"/>
+          <p:cNvGrpSpPr/>
+          <p:nvPr/>
+        </p:nvGrpSpPr>
+        <p:grpSpPr>
+          <a:xfrm>
+            <a:off x="107504" y="735951"/>
+            <a:ext cx="792088" cy="792088"/>
+            <a:chOff x="7236296" y="1268760"/>
+            <a:chExt cx="792088" cy="792088"/>
+          </a:xfrm>
+        </p:grpSpPr>
+        <p:sp>
+          <p:nvSpPr>
+            <p:cNvPr id="105" name="Rectangle 104"/>
+            <p:cNvSpPr/>
+            <p:nvPr/>
+          </p:nvSpPr>
+          <p:spPr>
+            <a:xfrm>
+              <a:off x="7236296" y="1268760"/>
+              <a:ext cx="792088" cy="792088"/>
+            </a:xfrm>
+            <a:prstGeom prst="rect">
+              <a:avLst/>
+            </a:prstGeom>
+            <a:noFill/>
+            <a:ln>
+              <a:solidFill>
+                <a:schemeClr val="tx1"/>
+              </a:solidFill>
+            </a:ln>
+          </p:spPr>
+          <p:style>
+            <a:lnRef idx="2">
+              <a:schemeClr val="accent1">
+                <a:shade val="50000"/>
+              </a:schemeClr>
+            </a:lnRef>
+            <a:fillRef idx="1">
+              <a:schemeClr val="accent1"/>
+            </a:fillRef>
+            <a:effectRef idx="0">
+              <a:schemeClr val="accent1"/>
+            </a:effectRef>
+            <a:fontRef idx="minor">
+              <a:schemeClr val="lt1"/>
+            </a:fontRef>
+          </p:style>
+          <p:txBody>
+            <a:bodyPr rtlCol="0" anchor="ctr"/>
+            <a:lstStyle/>
+            <a:p>
+              <a:pPr algn="ctr"/>
+              <a:endParaRPr lang="en-AU">
+                <a:latin typeface="Times New Roman" panose="02020603050405020304" pitchFamily="18" charset="0"/>
+                <a:cs typeface="Times New Roman" panose="02020603050405020304" pitchFamily="18" charset="0"/>
+              </a:endParaRPr>
+            </a:p>
+          </p:txBody>
+        </p:sp>
+        <p:sp>
+          <p:nvSpPr>
+            <p:cNvPr id="106" name="TextBox 105"/>
+            <p:cNvSpPr txBox="1"/>
+            <p:nvPr/>
+          </p:nvSpPr>
+          <p:spPr>
+            <a:xfrm>
+              <a:off x="7475887" y="1480138"/>
+              <a:ext cx="312906" cy="369332"/>
+            </a:xfrm>
+            <a:prstGeom prst="rect">
+              <a:avLst/>
+            </a:prstGeom>
+            <a:noFill/>
+          </p:spPr>
+          <p:txBody>
+            <a:bodyPr wrap="none" rtlCol="0">
+              <a:spAutoFit/>
+            </a:bodyPr>
+            <a:lstStyle/>
+            <a:p>
+              <a:r>
+                <a:rPr lang="en-AU" dirty="0">
+                  <a:latin typeface="Times New Roman" panose="02020603050405020304" pitchFamily="18" charset="0"/>
+                  <a:cs typeface="Times New Roman" panose="02020603050405020304" pitchFamily="18" charset="0"/>
+                </a:rPr>
+                <a:t>S</a:t>
+              </a:r>
+            </a:p>
+          </p:txBody>
+        </p:sp>
+      </p:grpSp>
+      <p:cxnSp>
+        <p:nvCxnSpPr>
+          <p:cNvPr id="113" name="Straight Arrow Connector 112"/>
+          <p:cNvCxnSpPr>
+            <a:stCxn id="105" idx="2"/>
+            <a:endCxn id="101" idx="0"/>
+          </p:cNvCxnSpPr>
+          <p:nvPr/>
+        </p:nvCxnSpPr>
+        <p:spPr>
+          <a:xfrm>
+            <a:off x="503548" y="1528039"/>
+            <a:ext cx="0" cy="1252889"/>
+          </a:xfrm>
+          <a:prstGeom prst="straightConnector1">
+            <a:avLst/>
+          </a:prstGeom>
+          <a:ln w="28575">
+            <a:solidFill>
+              <a:schemeClr val="tx1"/>
+            </a:solidFill>
+            <a:tailEnd type="arrow"/>
+          </a:ln>
+        </p:spPr>
+        <p:style>
+          <a:lnRef idx="1">
+            <a:schemeClr val="accent1"/>
+          </a:lnRef>
+          <a:fillRef idx="0">
+            <a:schemeClr val="accent1"/>
+          </a:fillRef>
+          <a:effectRef idx="0">
+            <a:schemeClr val="accent1"/>
+          </a:effectRef>
+          <a:fontRef idx="minor">
+            <a:schemeClr val="tx1"/>
+          </a:fontRef>
+        </p:style>
+      </p:cxnSp>
+      <p:sp>
+        <p:nvSpPr>
+          <p:cNvPr id="53" name="Rectangle 52"/>
+          <p:cNvSpPr/>
+          <p:nvPr/>
+        </p:nvSpPr>
+        <p:spPr>
+          <a:xfrm>
+            <a:off x="1403648" y="188640"/>
+            <a:ext cx="2555168" cy="1655197"/>
+          </a:xfrm>
+          <a:prstGeom prst="rect">
+            <a:avLst/>
+          </a:prstGeom>
+          <a:noFill/>
+          <a:ln>
+            <a:solidFill>
+              <a:schemeClr val="tx1"/>
+            </a:solidFill>
+          </a:ln>
+        </p:spPr>
+        <p:style>
+          <a:lnRef idx="2">
+            <a:schemeClr val="accent1">
+              <a:shade val="50000"/>
+            </a:schemeClr>
+          </a:lnRef>
+          <a:fillRef idx="1">
+            <a:schemeClr val="accent1"/>
+          </a:fillRef>
+          <a:effectRef idx="0">
+            <a:schemeClr val="accent1"/>
+          </a:effectRef>
+          <a:fontRef idx="minor">
+            <a:schemeClr val="lt1"/>
+          </a:fontRef>
+        </p:style>
+        <p:txBody>
+          <a:bodyPr rtlCol="0" anchor="ctr"/>
+          <a:lstStyle/>
+          <a:p>
+            <a:pPr algn="ctr"/>
+            <a:endParaRPr lang="en-AU"/>
+          </a:p>
+        </p:txBody>
+      </p:sp>
+      <p:sp>
+        <p:nvSpPr>
+          <p:cNvPr id="114" name="TextBox 113"/>
+          <p:cNvSpPr txBox="1"/>
+          <p:nvPr/>
+        </p:nvSpPr>
+        <p:spPr>
+          <a:xfrm>
+            <a:off x="1497449" y="245783"/>
+            <a:ext cx="1269899" cy="369332"/>
+          </a:xfrm>
+          <a:prstGeom prst="rect">
+            <a:avLst/>
+          </a:prstGeom>
+          <a:noFill/>
+        </p:spPr>
+        <p:txBody>
+          <a:bodyPr wrap="none" rtlCol="0">
+            <a:spAutoFit/>
+          </a:bodyPr>
+          <a:lstStyle/>
+          <a:p>
+            <a:r>
+              <a:rPr lang="en-AU" dirty="0">
+                <a:latin typeface="Times New Roman" panose="02020603050405020304" pitchFamily="18" charset="0"/>
+                <a:cs typeface="Times New Roman" panose="02020603050405020304" pitchFamily="18" charset="0"/>
+              </a:rPr>
+              <a:t>l = 1, … , L</a:t>
+            </a:r>
+            <a:endParaRPr lang="en-AU" baseline="-25000" dirty="0">
+              <a:latin typeface="Times New Roman" panose="02020603050405020304" pitchFamily="18" charset="0"/>
+              <a:cs typeface="Times New Roman" panose="02020603050405020304" pitchFamily="18" charset="0"/>
+            </a:endParaRPr>
+          </a:p>
+        </p:txBody>
+      </p:sp>
+      <p:sp>
+        <p:nvSpPr>
+          <p:cNvPr id="116" name="Rectangle 115"/>
+          <p:cNvSpPr/>
+          <p:nvPr/>
+        </p:nvSpPr>
+        <p:spPr>
+          <a:xfrm>
+            <a:off x="4211960" y="188640"/>
+            <a:ext cx="2592288" cy="1655197"/>
+          </a:xfrm>
+          <a:prstGeom prst="rect">
+            <a:avLst/>
+          </a:prstGeom>
+          <a:noFill/>
+          <a:ln>
+            <a:solidFill>
+              <a:schemeClr val="tx1"/>
+            </a:solidFill>
+          </a:ln>
+        </p:spPr>
+        <p:style>
+          <a:lnRef idx="2">
+            <a:schemeClr val="accent1">
+              <a:shade val="50000"/>
+            </a:schemeClr>
+          </a:lnRef>
+          <a:fillRef idx="1">
+            <a:schemeClr val="accent1"/>
+          </a:fillRef>
+          <a:effectRef idx="0">
+            <a:schemeClr val="accent1"/>
+          </a:effectRef>
+          <a:fontRef idx="minor">
+            <a:schemeClr val="lt1"/>
+          </a:fontRef>
+        </p:style>
+        <p:txBody>
+          <a:bodyPr rtlCol="0" anchor="ctr"/>
+          <a:lstStyle/>
+          <a:p>
+            <a:pPr algn="ctr"/>
+            <a:endParaRPr lang="en-AU"/>
+          </a:p>
+        </p:txBody>
+      </p:sp>
+      <p:sp>
+        <p:nvSpPr>
+          <p:cNvPr id="117" name="TextBox 116"/>
+          <p:cNvSpPr txBox="1"/>
+          <p:nvPr/>
+        </p:nvSpPr>
+        <p:spPr>
+          <a:xfrm>
+            <a:off x="4347262" y="245783"/>
+            <a:ext cx="1282723" cy="369332"/>
+          </a:xfrm>
+          <a:prstGeom prst="rect">
+            <a:avLst/>
+          </a:prstGeom>
+          <a:noFill/>
+        </p:spPr>
+        <p:txBody>
+          <a:bodyPr wrap="none" rtlCol="0">
+            <a:spAutoFit/>
+          </a:bodyPr>
+          <a:lstStyle/>
+          <a:p>
+            <a:r>
+              <a:rPr lang="en-AU" dirty="0">
+                <a:latin typeface="Times New Roman" panose="02020603050405020304" pitchFamily="18" charset="0"/>
+                <a:cs typeface="Times New Roman" panose="02020603050405020304" pitchFamily="18" charset="0"/>
+              </a:rPr>
+              <a:t>f = 1, … , F</a:t>
+            </a:r>
+            <a:endParaRPr lang="en-AU" baseline="-25000" dirty="0">
+              <a:latin typeface="Times New Roman" panose="02020603050405020304" pitchFamily="18" charset="0"/>
+              <a:cs typeface="Times New Roman" panose="02020603050405020304" pitchFamily="18" charset="0"/>
+            </a:endParaRPr>
+          </a:p>
+        </p:txBody>
+      </p:sp>
+      <p:grpSp>
+        <p:nvGrpSpPr>
+          <p:cNvPr id="120" name="Group 119"/>
+          <p:cNvGrpSpPr/>
+          <p:nvPr/>
+        </p:nvGrpSpPr>
+        <p:grpSpPr>
+          <a:xfrm>
+            <a:off x="6496615" y="4221088"/>
+            <a:ext cx="792088" cy="792088"/>
+            <a:chOff x="7236296" y="1268760"/>
+            <a:chExt cx="792088" cy="792088"/>
+          </a:xfrm>
+        </p:grpSpPr>
+        <p:sp>
+          <p:nvSpPr>
+            <p:cNvPr id="122" name="Rectangle 121"/>
+            <p:cNvSpPr/>
+            <p:nvPr/>
+          </p:nvSpPr>
+          <p:spPr>
+            <a:xfrm>
+              <a:off x="7236296" y="1268760"/>
+              <a:ext cx="792088" cy="792088"/>
+            </a:xfrm>
+            <a:prstGeom prst="rect">
+              <a:avLst/>
+            </a:prstGeom>
+            <a:noFill/>
+            <a:ln>
+              <a:solidFill>
+                <a:schemeClr val="tx1"/>
+              </a:solidFill>
+            </a:ln>
+          </p:spPr>
+          <p:style>
+            <a:lnRef idx="2">
+              <a:schemeClr val="accent1">
+                <a:shade val="50000"/>
+              </a:schemeClr>
+            </a:lnRef>
+            <a:fillRef idx="1">
+              <a:schemeClr val="accent1"/>
+            </a:fillRef>
+            <a:effectRef idx="0">
+              <a:schemeClr val="accent1"/>
+            </a:effectRef>
+            <a:fontRef idx="minor">
+              <a:schemeClr val="lt1"/>
+            </a:fontRef>
+          </p:style>
+          <p:txBody>
+            <a:bodyPr rtlCol="0" anchor="ctr"/>
+            <a:lstStyle/>
+            <a:p>
+              <a:pPr algn="ctr"/>
+              <a:endParaRPr lang="en-AU">
+                <a:latin typeface="Times New Roman" panose="02020603050405020304" pitchFamily="18" charset="0"/>
+                <a:cs typeface="Times New Roman" panose="02020603050405020304" pitchFamily="18" charset="0"/>
+              </a:endParaRPr>
+            </a:p>
+          </p:txBody>
+        </p:sp>
+        <p:sp>
+          <p:nvSpPr>
+            <p:cNvPr id="123" name="TextBox 122"/>
+            <p:cNvSpPr txBox="1"/>
+            <p:nvPr/>
+          </p:nvSpPr>
+          <p:spPr>
+            <a:xfrm>
+              <a:off x="7345924" y="1480138"/>
+              <a:ext cx="609462" cy="369332"/>
+            </a:xfrm>
+            <a:prstGeom prst="rect">
+              <a:avLst/>
+            </a:prstGeom>
+            <a:noFill/>
+          </p:spPr>
+          <p:txBody>
+            <a:bodyPr wrap="none" rtlCol="0">
+              <a:spAutoFit/>
+            </a:bodyPr>
+            <a:lstStyle/>
+            <a:p>
+              <a:r>
+                <a:rPr lang="en-AU" dirty="0" err="1">
+                  <a:latin typeface="Times New Roman" panose="02020603050405020304" pitchFamily="18" charset="0"/>
+                  <a:cs typeface="Times New Roman" panose="02020603050405020304" pitchFamily="18" charset="0"/>
+                </a:rPr>
+                <a:t>X</a:t>
+              </a:r>
+              <a:r>
+                <a:rPr lang="en-AU" baseline="-25000" dirty="0" err="1">
+                  <a:latin typeface="Times New Roman" panose="02020603050405020304" pitchFamily="18" charset="0"/>
+                  <a:cs typeface="Times New Roman" panose="02020603050405020304" pitchFamily="18" charset="0"/>
+                </a:rPr>
+                <a:t>c,l,a</a:t>
+              </a:r>
+              <a:endParaRPr lang="en-AU" baseline="-25000" dirty="0">
+                <a:latin typeface="Times New Roman" panose="02020603050405020304" pitchFamily="18" charset="0"/>
+                <a:cs typeface="Times New Roman" panose="02020603050405020304" pitchFamily="18" charset="0"/>
+              </a:endParaRPr>
+            </a:p>
+          </p:txBody>
+        </p:sp>
+      </p:grpSp>
+      <p:grpSp>
+        <p:nvGrpSpPr>
+          <p:cNvPr id="125" name="Group 124"/>
+          <p:cNvGrpSpPr/>
+          <p:nvPr/>
+        </p:nvGrpSpPr>
+        <p:grpSpPr>
+          <a:xfrm>
+            <a:off x="6516216" y="2924944"/>
+            <a:ext cx="792088" cy="792088"/>
+            <a:chOff x="7236296" y="1268760"/>
+            <a:chExt cx="792088" cy="792088"/>
+          </a:xfrm>
+        </p:grpSpPr>
+        <p:sp>
+          <p:nvSpPr>
+            <p:cNvPr id="126" name="Rectangle 125"/>
+            <p:cNvSpPr/>
+            <p:nvPr/>
+          </p:nvSpPr>
+          <p:spPr>
+            <a:xfrm>
+              <a:off x="7236296" y="1268760"/>
+              <a:ext cx="792088" cy="792088"/>
+            </a:xfrm>
+            <a:prstGeom prst="rect">
+              <a:avLst/>
+            </a:prstGeom>
+            <a:noFill/>
+            <a:ln>
+              <a:solidFill>
+                <a:schemeClr val="tx1"/>
+              </a:solidFill>
+            </a:ln>
+          </p:spPr>
+          <p:style>
+            <a:lnRef idx="2">
+              <a:schemeClr val="accent1">
+                <a:shade val="50000"/>
+              </a:schemeClr>
+            </a:lnRef>
+            <a:fillRef idx="1">
+              <a:schemeClr val="accent1"/>
+            </a:fillRef>
+            <a:effectRef idx="0">
+              <a:schemeClr val="accent1"/>
+            </a:effectRef>
+            <a:fontRef idx="minor">
+              <a:schemeClr val="lt1"/>
+            </a:fontRef>
+          </p:style>
+          <p:txBody>
+            <a:bodyPr rtlCol="0" anchor="ctr"/>
+            <a:lstStyle/>
+            <a:p>
+              <a:pPr algn="ctr"/>
+              <a:endParaRPr lang="en-AU">
+                <a:latin typeface="Times New Roman" panose="02020603050405020304" pitchFamily="18" charset="0"/>
+                <a:cs typeface="Times New Roman" panose="02020603050405020304" pitchFamily="18" charset="0"/>
+              </a:endParaRPr>
+            </a:p>
+          </p:txBody>
+        </p:sp>
+        <p:sp>
+          <p:nvSpPr>
+            <p:cNvPr id="128" name="TextBox 127"/>
+            <p:cNvSpPr txBox="1"/>
+            <p:nvPr/>
+          </p:nvSpPr>
+          <p:spPr>
+            <a:xfrm>
+              <a:off x="7475887" y="1480138"/>
+              <a:ext cx="502061" cy="369332"/>
+            </a:xfrm>
+            <a:prstGeom prst="rect">
+              <a:avLst/>
+            </a:prstGeom>
+            <a:noFill/>
+          </p:spPr>
+          <p:txBody>
+            <a:bodyPr wrap="none" rtlCol="0">
+              <a:spAutoFit/>
+            </a:bodyPr>
+            <a:lstStyle/>
+            <a:p>
+              <a:r>
+                <a:rPr lang="en-AU" dirty="0" err="1">
+                  <a:latin typeface="Times New Roman" panose="02020603050405020304" pitchFamily="18" charset="0"/>
+                  <a:cs typeface="Times New Roman" panose="02020603050405020304" pitchFamily="18" charset="0"/>
+                </a:rPr>
+                <a:t>G</a:t>
+              </a:r>
+              <a:r>
+                <a:rPr lang="en-AU" baseline="-25000" dirty="0" err="1">
+                  <a:latin typeface="Times New Roman" panose="02020603050405020304" pitchFamily="18" charset="0"/>
+                  <a:cs typeface="Times New Roman" panose="02020603050405020304" pitchFamily="18" charset="0"/>
+                </a:rPr>
+                <a:t>c,l</a:t>
+              </a:r>
+              <a:endParaRPr lang="en-AU" baseline="-25000" dirty="0">
+                <a:latin typeface="Times New Roman" panose="02020603050405020304" pitchFamily="18" charset="0"/>
+                <a:cs typeface="Times New Roman" panose="02020603050405020304" pitchFamily="18" charset="0"/>
+              </a:endParaRPr>
+            </a:p>
+          </p:txBody>
+        </p:sp>
+      </p:grpSp>
+      <p:cxnSp>
+        <p:nvCxnSpPr>
+          <p:cNvPr id="129" name="Straight Arrow Connector 128"/>
+          <p:cNvCxnSpPr>
+            <a:stCxn id="126" idx="2"/>
+            <a:endCxn id="122" idx="0"/>
+          </p:cNvCxnSpPr>
+          <p:nvPr/>
+        </p:nvCxnSpPr>
+        <p:spPr>
+          <a:xfrm flipH="1">
+            <a:off x="6892659" y="3717032"/>
+            <a:ext cx="19601" cy="504056"/>
+          </a:xfrm>
+          <a:prstGeom prst="straightConnector1">
+            <a:avLst/>
+          </a:prstGeom>
+          <a:ln w="28575">
+            <a:solidFill>
+              <a:schemeClr val="tx1"/>
+            </a:solidFill>
+            <a:tailEnd type="arrow"/>
+          </a:ln>
+        </p:spPr>
+        <p:style>
+          <a:lnRef idx="1">
+            <a:schemeClr val="accent1"/>
+          </a:lnRef>
+          <a:fillRef idx="0">
+            <a:schemeClr val="accent1"/>
+          </a:fillRef>
+          <a:effectRef idx="0">
+            <a:schemeClr val="accent1"/>
+          </a:effectRef>
+          <a:fontRef idx="minor">
+            <a:schemeClr val="tx1"/>
+          </a:fontRef>
+        </p:style>
+      </p:cxnSp>
+      <p:sp>
+        <p:nvSpPr>
+          <p:cNvPr id="131" name="Rectangle 130"/>
+          <p:cNvSpPr/>
+          <p:nvPr/>
+        </p:nvSpPr>
+        <p:spPr>
+          <a:xfrm>
+            <a:off x="35496" y="1989827"/>
+            <a:ext cx="8856984" cy="4823549"/>
+          </a:xfrm>
+          <a:prstGeom prst="rect">
+            <a:avLst/>
+          </a:prstGeom>
+          <a:noFill/>
+          <a:ln>
+            <a:solidFill>
+              <a:schemeClr val="tx1"/>
+            </a:solidFill>
+          </a:ln>
+        </p:spPr>
+        <p:style>
+          <a:lnRef idx="2">
+            <a:schemeClr val="accent1">
+              <a:shade val="50000"/>
+            </a:schemeClr>
+          </a:lnRef>
+          <a:fillRef idx="1">
+            <a:schemeClr val="accent1"/>
+          </a:fillRef>
+          <a:effectRef idx="0">
+            <a:schemeClr val="accent1"/>
+          </a:effectRef>
+          <a:fontRef idx="minor">
+            <a:schemeClr val="lt1"/>
+          </a:fontRef>
+        </p:style>
+        <p:txBody>
+          <a:bodyPr rtlCol="0" anchor="ctr"/>
+          <a:lstStyle/>
+          <a:p>
+            <a:pPr algn="ctr"/>
+            <a:endParaRPr lang="en-AU"/>
+          </a:p>
+        </p:txBody>
+      </p:sp>
+      <p:sp>
+        <p:nvSpPr>
+          <p:cNvPr id="132" name="TextBox 131"/>
+          <p:cNvSpPr txBox="1"/>
+          <p:nvPr/>
+        </p:nvSpPr>
+        <p:spPr>
+          <a:xfrm>
+            <a:off x="682002" y="2046970"/>
+            <a:ext cx="1321196" cy="369332"/>
+          </a:xfrm>
+          <a:prstGeom prst="rect">
+            <a:avLst/>
+          </a:prstGeom>
+          <a:noFill/>
+        </p:spPr>
+        <p:txBody>
+          <a:bodyPr wrap="none" rtlCol="0">
+            <a:spAutoFit/>
+          </a:bodyPr>
+          <a:lstStyle/>
+          <a:p>
+            <a:r>
+              <a:rPr lang="en-AU" dirty="0">
+                <a:latin typeface="Times New Roman" panose="02020603050405020304" pitchFamily="18" charset="0"/>
+                <a:cs typeface="Times New Roman" panose="02020603050405020304" pitchFamily="18" charset="0"/>
+              </a:rPr>
+              <a:t>c = 1, … , C</a:t>
+            </a:r>
+            <a:endParaRPr lang="en-AU" baseline="-25000" dirty="0">
+              <a:latin typeface="Times New Roman" panose="02020603050405020304" pitchFamily="18" charset="0"/>
+              <a:cs typeface="Times New Roman" panose="02020603050405020304" pitchFamily="18" charset="0"/>
+            </a:endParaRPr>
+          </a:p>
+        </p:txBody>
+      </p:sp>
+      <p:sp>
+        <p:nvSpPr>
+          <p:cNvPr id="134" name="Rectangle 133"/>
+          <p:cNvSpPr/>
+          <p:nvPr/>
+        </p:nvSpPr>
+        <p:spPr>
+          <a:xfrm>
+            <a:off x="2123728" y="2534039"/>
+            <a:ext cx="6696743" cy="4207329"/>
+          </a:xfrm>
+          <a:prstGeom prst="rect">
+            <a:avLst/>
+          </a:prstGeom>
+          <a:noFill/>
+          <a:ln>
+            <a:solidFill>
+              <a:schemeClr val="tx1"/>
+            </a:solidFill>
+          </a:ln>
+        </p:spPr>
+        <p:style>
+          <a:lnRef idx="2">
+            <a:schemeClr val="accent1">
+              <a:shade val="50000"/>
+            </a:schemeClr>
+          </a:lnRef>
+          <a:fillRef idx="1">
+            <a:schemeClr val="accent1"/>
+          </a:fillRef>
+          <a:effectRef idx="0">
+            <a:schemeClr val="accent1"/>
+          </a:effectRef>
+          <a:fontRef idx="minor">
+            <a:schemeClr val="lt1"/>
+          </a:fontRef>
+        </p:style>
+        <p:txBody>
+          <a:bodyPr rtlCol="0" anchor="ctr"/>
+          <a:lstStyle/>
+          <a:p>
+            <a:pPr algn="ctr"/>
+            <a:endParaRPr lang="en-AU"/>
+          </a:p>
+        </p:txBody>
+      </p:sp>
+      <p:sp>
+        <p:nvSpPr>
+          <p:cNvPr id="135" name="TextBox 134"/>
+          <p:cNvSpPr txBox="1"/>
+          <p:nvPr/>
+        </p:nvSpPr>
+        <p:spPr>
+          <a:xfrm>
+            <a:off x="3096255" y="2598946"/>
+            <a:ext cx="1483527" cy="369332"/>
+          </a:xfrm>
+          <a:prstGeom prst="rect">
+            <a:avLst/>
+          </a:prstGeom>
+          <a:noFill/>
+        </p:spPr>
+        <p:txBody>
+          <a:bodyPr wrap="square" rtlCol="0">
+            <a:spAutoFit/>
+          </a:bodyPr>
+          <a:lstStyle/>
+          <a:p>
+            <a:r>
+              <a:rPr lang="en-AU" dirty="0">
+                <a:latin typeface="Times New Roman" panose="02020603050405020304" pitchFamily="18" charset="0"/>
+                <a:cs typeface="Times New Roman" panose="02020603050405020304" pitchFamily="18" charset="0"/>
+              </a:rPr>
+              <a:t>l = 1, … , L</a:t>
+            </a:r>
+            <a:endParaRPr lang="en-AU" baseline="-25000" dirty="0">
+              <a:latin typeface="Times New Roman" panose="02020603050405020304" pitchFamily="18" charset="0"/>
+              <a:cs typeface="Times New Roman" panose="02020603050405020304" pitchFamily="18" charset="0"/>
+            </a:endParaRPr>
+          </a:p>
+        </p:txBody>
+      </p:sp>
+      <p:sp>
+        <p:nvSpPr>
+          <p:cNvPr id="136" name="Rectangle 135"/>
+          <p:cNvSpPr/>
+          <p:nvPr/>
+        </p:nvSpPr>
+        <p:spPr>
+          <a:xfrm>
+            <a:off x="2631201" y="3937703"/>
+            <a:ext cx="6117263" cy="2731658"/>
+          </a:xfrm>
+          <a:prstGeom prst="rect">
+            <a:avLst/>
+          </a:prstGeom>
+          <a:noFill/>
+          <a:ln>
+            <a:solidFill>
+              <a:schemeClr val="tx1"/>
+            </a:solidFill>
+          </a:ln>
+        </p:spPr>
+        <p:style>
+          <a:lnRef idx="2">
+            <a:schemeClr val="accent1">
+              <a:shade val="50000"/>
+            </a:schemeClr>
+          </a:lnRef>
+          <a:fillRef idx="1">
+            <a:schemeClr val="accent1"/>
+          </a:fillRef>
+          <a:effectRef idx="0">
+            <a:schemeClr val="accent1"/>
+          </a:effectRef>
+          <a:fontRef idx="minor">
+            <a:schemeClr val="lt1"/>
+          </a:fontRef>
+        </p:style>
+        <p:txBody>
+          <a:bodyPr rtlCol="0" anchor="ctr"/>
+          <a:lstStyle/>
+          <a:p>
+            <a:pPr algn="ctr"/>
+            <a:endParaRPr lang="en-AU"/>
+          </a:p>
+        </p:txBody>
+      </p:sp>
+      <p:sp>
+        <p:nvSpPr>
+          <p:cNvPr id="137" name="TextBox 136"/>
+          <p:cNvSpPr txBox="1"/>
+          <p:nvPr/>
+        </p:nvSpPr>
+        <p:spPr>
+          <a:xfrm>
+            <a:off x="3639966" y="3940326"/>
+            <a:ext cx="834093" cy="369332"/>
+          </a:xfrm>
+          <a:prstGeom prst="rect">
+            <a:avLst/>
+          </a:prstGeom>
+          <a:noFill/>
+        </p:spPr>
+        <p:txBody>
+          <a:bodyPr wrap="square" rtlCol="0">
+            <a:spAutoFit/>
+          </a:bodyPr>
+          <a:lstStyle/>
+          <a:p>
+            <a:r>
+              <a:rPr lang="en-AU" dirty="0">
+                <a:latin typeface="Times New Roman" panose="02020603050405020304" pitchFamily="18" charset="0"/>
+                <a:cs typeface="Times New Roman" panose="02020603050405020304" pitchFamily="18" charset="0"/>
+              </a:rPr>
+              <a:t>a = 1,2</a:t>
+            </a:r>
+            <a:endParaRPr lang="en-AU" baseline="-25000" dirty="0">
+              <a:latin typeface="Times New Roman" panose="02020603050405020304" pitchFamily="18" charset="0"/>
+              <a:cs typeface="Times New Roman" panose="02020603050405020304" pitchFamily="18" charset="0"/>
+            </a:endParaRPr>
+          </a:p>
+        </p:txBody>
+      </p:sp>
+      <p:cxnSp>
+        <p:nvCxnSpPr>
+          <p:cNvPr id="138" name="Straight Arrow Connector 137"/>
+          <p:cNvCxnSpPr>
+            <a:cxnSpLocks/>
+            <a:stCxn id="122" idx="2"/>
+            <a:endCxn id="64" idx="0"/>
+          </p:cNvCxnSpPr>
+          <p:nvPr/>
+        </p:nvCxnSpPr>
+        <p:spPr>
+          <a:xfrm flipH="1">
+            <a:off x="5374183" y="5013176"/>
+            <a:ext cx="1518476" cy="720080"/>
+          </a:xfrm>
+          <a:prstGeom prst="straightConnector1">
+            <a:avLst/>
+          </a:prstGeom>
+          <a:ln w="28575">
+            <a:solidFill>
+              <a:schemeClr val="tx1"/>
+            </a:solidFill>
+            <a:tailEnd type="arrow"/>
+          </a:ln>
+        </p:spPr>
+        <p:style>
+          <a:lnRef idx="1">
+            <a:schemeClr val="accent1"/>
+          </a:lnRef>
+          <a:fillRef idx="0">
+            <a:schemeClr val="accent1"/>
+          </a:fillRef>
+          <a:effectRef idx="0">
+            <a:schemeClr val="accent1"/>
+          </a:effectRef>
+          <a:fontRef idx="minor">
+            <a:schemeClr val="tx1"/>
+          </a:fontRef>
+        </p:style>
+      </p:cxnSp>
+      <p:grpSp>
+        <p:nvGrpSpPr>
+          <p:cNvPr id="62" name="Group 61">
+            <a:extLst>
+              <a:ext uri="{FF2B5EF4-FFF2-40B4-BE49-F238E27FC236}">
+                <a16:creationId xmlns:a16="http://schemas.microsoft.com/office/drawing/2014/main" id="{47C17AD1-475D-474D-A5FD-35A4A5887DEA}"/>
+              </a:ext>
+            </a:extLst>
+          </p:cNvPr>
+          <p:cNvGrpSpPr/>
+          <p:nvPr/>
+        </p:nvGrpSpPr>
+        <p:grpSpPr>
+          <a:xfrm>
+            <a:off x="4978139" y="5733256"/>
+            <a:ext cx="792088" cy="792088"/>
+            <a:chOff x="7236296" y="1268760"/>
+            <a:chExt cx="792088" cy="792088"/>
+          </a:xfrm>
+        </p:grpSpPr>
+        <p:sp>
+          <p:nvSpPr>
+            <p:cNvPr id="64" name="Rectangle 63">
+              <a:extLst>
+                <a:ext uri="{FF2B5EF4-FFF2-40B4-BE49-F238E27FC236}">
+                  <a16:creationId xmlns:a16="http://schemas.microsoft.com/office/drawing/2014/main" id="{E32FF441-9C27-4110-B4C1-350A44373F8E}"/>
+                </a:ext>
+              </a:extLst>
+            </p:cNvPr>
+            <p:cNvSpPr/>
+            <p:nvPr/>
+          </p:nvSpPr>
+          <p:spPr>
+            <a:xfrm>
+              <a:off x="7236296" y="1268760"/>
+              <a:ext cx="792088" cy="792088"/>
+            </a:xfrm>
+            <a:prstGeom prst="rect">
+              <a:avLst/>
+            </a:prstGeom>
+            <a:noFill/>
+            <a:ln>
+              <a:solidFill>
+                <a:schemeClr val="tx1"/>
+              </a:solidFill>
+            </a:ln>
+          </p:spPr>
+          <p:style>
+            <a:lnRef idx="2">
+              <a:schemeClr val="accent1">
+                <a:shade val="50000"/>
+              </a:schemeClr>
+            </a:lnRef>
+            <a:fillRef idx="1">
+              <a:schemeClr val="accent1"/>
+            </a:fillRef>
+            <a:effectRef idx="0">
+              <a:schemeClr val="accent1"/>
+            </a:effectRef>
+            <a:fontRef idx="minor">
+              <a:schemeClr val="lt1"/>
+            </a:fontRef>
+          </p:style>
+          <p:txBody>
+            <a:bodyPr rtlCol="0" anchor="ctr"/>
+            <a:lstStyle/>
+            <a:p>
+              <a:pPr algn="ctr"/>
+              <a:endParaRPr lang="en-AU">
+                <a:latin typeface="Times New Roman" panose="02020603050405020304" pitchFamily="18" charset="0"/>
+                <a:cs typeface="Times New Roman" panose="02020603050405020304" pitchFamily="18" charset="0"/>
+              </a:endParaRPr>
+            </a:p>
+          </p:txBody>
+        </p:sp>
+        <p:sp>
+          <p:nvSpPr>
+            <p:cNvPr id="65" name="TextBox 64">
+              <a:extLst>
+                <a:ext uri="{FF2B5EF4-FFF2-40B4-BE49-F238E27FC236}">
+                  <a16:creationId xmlns:a16="http://schemas.microsoft.com/office/drawing/2014/main" id="{EED1885C-289F-4ECF-870F-E8B4C96BB999}"/>
+                </a:ext>
+              </a:extLst>
+            </p:cNvPr>
+            <p:cNvSpPr txBox="1"/>
+            <p:nvPr/>
+          </p:nvSpPr>
+          <p:spPr>
+            <a:xfrm>
+              <a:off x="7345924" y="1480138"/>
+              <a:ext cx="583814" cy="369332"/>
+            </a:xfrm>
+            <a:prstGeom prst="rect">
+              <a:avLst/>
+            </a:prstGeom>
+            <a:noFill/>
+          </p:spPr>
+          <p:txBody>
+            <a:bodyPr wrap="none" rtlCol="0">
+              <a:spAutoFit/>
+            </a:bodyPr>
+            <a:lstStyle/>
+            <a:p>
+              <a:r>
+                <a:rPr lang="en-AU" dirty="0" err="1">
+                  <a:latin typeface="Times New Roman" panose="02020603050405020304" pitchFamily="18" charset="0"/>
+                  <a:cs typeface="Times New Roman" panose="02020603050405020304" pitchFamily="18" charset="0"/>
+                </a:rPr>
+                <a:t>E</a:t>
+              </a:r>
+              <a:r>
+                <a:rPr lang="en-AU" baseline="-25000" dirty="0" err="1">
+                  <a:latin typeface="Times New Roman" panose="02020603050405020304" pitchFamily="18" charset="0"/>
+                  <a:cs typeface="Times New Roman" panose="02020603050405020304" pitchFamily="18" charset="0"/>
+                </a:rPr>
+                <a:t>c,l,a</a:t>
+              </a:r>
+              <a:endParaRPr lang="en-AU" baseline="-25000" dirty="0">
+                <a:latin typeface="Times New Roman" panose="02020603050405020304" pitchFamily="18" charset="0"/>
+                <a:cs typeface="Times New Roman" panose="02020603050405020304" pitchFamily="18" charset="0"/>
+              </a:endParaRPr>
+            </a:p>
+          </p:txBody>
+        </p:sp>
+      </p:grpSp>
+      <p:cxnSp>
+        <p:nvCxnSpPr>
+          <p:cNvPr id="71" name="Straight Arrow Connector 70">
+            <a:extLst>
+              <a:ext uri="{FF2B5EF4-FFF2-40B4-BE49-F238E27FC236}">
+                <a16:creationId xmlns:a16="http://schemas.microsoft.com/office/drawing/2014/main" id="{A540A773-2F89-4585-9A25-E95197A8466A}"/>
+              </a:ext>
+            </a:extLst>
+          </p:cNvPr>
+          <p:cNvCxnSpPr>
+            <a:cxnSpLocks/>
+            <a:stCxn id="64" idx="3"/>
+            <a:endCxn id="76" idx="2"/>
+          </p:cNvCxnSpPr>
+          <p:nvPr/>
+        </p:nvCxnSpPr>
+        <p:spPr>
+          <a:xfrm>
+            <a:off x="5770227" y="6129300"/>
+            <a:ext cx="2017286" cy="0"/>
+          </a:xfrm>
+          <a:prstGeom prst="straightConnector1">
+            <a:avLst/>
+          </a:prstGeom>
+          <a:ln w="28575">
+            <a:solidFill>
+              <a:schemeClr val="tx1"/>
+            </a:solidFill>
+            <a:tailEnd type="arrow"/>
+          </a:ln>
+        </p:spPr>
+        <p:style>
+          <a:lnRef idx="1">
+            <a:schemeClr val="accent1"/>
+          </a:lnRef>
+          <a:fillRef idx="0">
+            <a:schemeClr val="accent1"/>
+          </a:fillRef>
+          <a:effectRef idx="0">
+            <a:schemeClr val="accent1"/>
+          </a:effectRef>
+          <a:fontRef idx="minor">
+            <a:schemeClr val="tx1"/>
+          </a:fontRef>
+        </p:style>
+      </p:cxnSp>
+    </p:spTree>
+    <p:extLst>
+      <p:ext uri="{BB962C8B-B14F-4D97-AF65-F5344CB8AC3E}">
+        <p14:creationId xmlns:p14="http://schemas.microsoft.com/office/powerpoint/2010/main" val="2319198100"/>
+      </p:ext>
+    </p:extLst>
+  </p:cSld>
+  <p:clrMapOvr>
+    <a:masterClrMapping/>
+  </p:clrMapOvr>
+</p:sld>
+</file>
+
+<file path=ppt/slides/slide3.xml><?xml version="1.0" encoding="utf-8"?>
+<p:sld xmlns:a="http://schemas.openxmlformats.org/drawingml/2006/main" xmlns:r="http://schemas.openxmlformats.org/officeDocument/2006/relationships" xmlns:p="http://schemas.openxmlformats.org/presentationml/2006/main">
+  <p:cSld>
+    <p:spTree>
+      <p:nvGrpSpPr>
+        <p:cNvPr id="1" name=""/>
+        <p:cNvGrpSpPr/>
+        <p:nvPr/>
+      </p:nvGrpSpPr>
+      <p:grpSpPr>
+        <a:xfrm>
+          <a:off x="0" y="0"/>
+          <a:ext cx="0" cy="0"/>
+          <a:chOff x="0" y="0"/>
+          <a:chExt cx="0" cy="0"/>
+        </a:xfrm>
+      </p:grpSpPr>
+      <p:grpSp>
+        <p:nvGrpSpPr>
+          <p:cNvPr id="14" name="Group 13">
+            <a:extLst>
+              <a:ext uri="{FF2B5EF4-FFF2-40B4-BE49-F238E27FC236}">
+                <a16:creationId xmlns:a16="http://schemas.microsoft.com/office/drawing/2014/main" id="{05597B19-D3E0-417C-A4A0-444FECCE89E2}"/>
+              </a:ext>
+            </a:extLst>
+          </p:cNvPr>
+          <p:cNvGrpSpPr/>
+          <p:nvPr/>
+        </p:nvGrpSpPr>
+        <p:grpSpPr>
+          <a:xfrm>
+            <a:off x="35496" y="188640"/>
+            <a:ext cx="8208912" cy="7344816"/>
+            <a:chOff x="35496" y="188640"/>
+            <a:chExt cx="8208912" cy="7344816"/>
+          </a:xfrm>
+        </p:grpSpPr>
+        <p:grpSp>
+          <p:nvGrpSpPr>
+            <p:cNvPr id="34" name="Group 33"/>
+            <p:cNvGrpSpPr/>
+            <p:nvPr/>
+          </p:nvGrpSpPr>
+          <p:grpSpPr>
+            <a:xfrm>
+              <a:off x="7452320" y="836712"/>
+              <a:ext cx="792088" cy="792088"/>
+              <a:chOff x="1187637" y="1772816"/>
+              <a:chExt cx="792088" cy="792088"/>
+            </a:xfrm>
+          </p:grpSpPr>
+          <p:sp>
+            <p:nvSpPr>
+              <p:cNvPr id="35" name="Oval 34"/>
+              <p:cNvSpPr/>
+              <p:nvPr/>
+            </p:nvSpPr>
+            <p:spPr>
+              <a:xfrm>
+                <a:off x="1187637" y="1772816"/>
+                <a:ext cx="792088" cy="792088"/>
+              </a:xfrm>
+              <a:prstGeom prst="ellipse">
+                <a:avLst/>
+              </a:prstGeom>
+              <a:noFill/>
+              <a:ln>
+                <a:solidFill>
+                  <a:schemeClr val="tx1"/>
+                </a:solidFill>
+              </a:ln>
+            </p:spPr>
+            <p:style>
+              <a:lnRef idx="2">
+                <a:schemeClr val="accent1">
+                  <a:shade val="50000"/>
+                </a:schemeClr>
+              </a:lnRef>
+              <a:fillRef idx="1">
+                <a:schemeClr val="accent1"/>
+              </a:fillRef>
+              <a:effectRef idx="0">
+                <a:schemeClr val="accent1"/>
+              </a:effectRef>
+              <a:fontRef idx="minor">
+                <a:schemeClr val="lt1"/>
+              </a:fontRef>
+            </p:style>
+            <p:txBody>
+              <a:bodyPr rtlCol="0" anchor="ctr"/>
+              <a:lstStyle/>
+              <a:p>
+                <a:pPr algn="ctr"/>
+                <a:endParaRPr lang="en-AU">
+                  <a:latin typeface="Times New Roman" panose="02020603050405020304" pitchFamily="18" charset="0"/>
+                  <a:cs typeface="Times New Roman" panose="02020603050405020304" pitchFamily="18" charset="0"/>
+                </a:endParaRPr>
+              </a:p>
+            </p:txBody>
+          </p:sp>
+          <p:sp>
+            <p:nvSpPr>
+              <p:cNvPr id="36" name="TextBox 35"/>
+              <p:cNvSpPr txBox="1"/>
+              <p:nvPr/>
+            </p:nvSpPr>
+            <p:spPr>
+              <a:xfrm>
+                <a:off x="1410396" y="1984194"/>
+                <a:ext cx="296876" cy="369332"/>
+              </a:xfrm>
+              <a:prstGeom prst="rect">
+                <a:avLst/>
+              </a:prstGeom>
+              <a:noFill/>
+            </p:spPr>
+            <p:txBody>
+              <a:bodyPr wrap="none" rtlCol="0">
+                <a:spAutoFit/>
+              </a:bodyPr>
+              <a:lstStyle/>
+              <a:p>
+                <a:r>
+                  <a:rPr lang="el-GR" dirty="0">
+                    <a:latin typeface="Times New Roman" panose="02020603050405020304" pitchFamily="18" charset="0"/>
+                    <a:cs typeface="Times New Roman" panose="02020603050405020304" pitchFamily="18" charset="0"/>
+                  </a:rPr>
+                  <a:t>λ</a:t>
+                </a:r>
+                <a:endParaRPr lang="en-AU" baseline="-25000" dirty="0">
+                  <a:latin typeface="Times New Roman" panose="02020603050405020304" pitchFamily="18" charset="0"/>
+                  <a:cs typeface="Times New Roman" panose="02020603050405020304" pitchFamily="18" charset="0"/>
+                </a:endParaRPr>
+              </a:p>
+            </p:txBody>
+          </p:sp>
+        </p:grpSp>
+        <p:grpSp>
+          <p:nvGrpSpPr>
+            <p:cNvPr id="75" name="Group 74"/>
+            <p:cNvGrpSpPr/>
+            <p:nvPr/>
+          </p:nvGrpSpPr>
+          <p:grpSpPr>
+            <a:xfrm>
+              <a:off x="4932040" y="6453336"/>
+              <a:ext cx="792088" cy="792088"/>
+              <a:chOff x="1921388" y="2924944"/>
+              <a:chExt cx="792088" cy="792088"/>
+            </a:xfrm>
+          </p:grpSpPr>
+          <p:sp>
+            <p:nvSpPr>
+              <p:cNvPr id="76" name="Oval 75"/>
+              <p:cNvSpPr/>
+              <p:nvPr/>
+            </p:nvSpPr>
+            <p:spPr>
+              <a:xfrm>
+                <a:off x="1921388" y="2924944"/>
+                <a:ext cx="792088" cy="792088"/>
+              </a:xfrm>
+              <a:prstGeom prst="ellipse">
+                <a:avLst/>
+              </a:prstGeom>
+              <a:noFill/>
+              <a:ln>
+                <a:solidFill>
+                  <a:schemeClr val="tx1"/>
+                </a:solidFill>
+              </a:ln>
+            </p:spPr>
+            <p:style>
+              <a:lnRef idx="2">
+                <a:schemeClr val="accent1">
+                  <a:shade val="50000"/>
+                </a:schemeClr>
+              </a:lnRef>
+              <a:fillRef idx="1">
+                <a:schemeClr val="accent1"/>
+              </a:fillRef>
+              <a:effectRef idx="0">
+                <a:schemeClr val="accent1"/>
+              </a:effectRef>
+              <a:fontRef idx="minor">
+                <a:schemeClr val="lt1"/>
+              </a:fontRef>
+            </p:style>
+            <p:txBody>
+              <a:bodyPr rtlCol="0" anchor="ctr"/>
+              <a:lstStyle/>
+              <a:p>
+                <a:pPr algn="ctr"/>
+                <a:endParaRPr lang="en-AU">
+                  <a:latin typeface="Times New Roman" panose="02020603050405020304" pitchFamily="18" charset="0"/>
+                  <a:cs typeface="Times New Roman" panose="02020603050405020304" pitchFamily="18" charset="0"/>
+                </a:endParaRPr>
+              </a:p>
+            </p:txBody>
+          </p:sp>
+          <p:sp>
+            <p:nvSpPr>
+              <p:cNvPr id="77" name="TextBox 76"/>
+              <p:cNvSpPr txBox="1"/>
+              <p:nvPr/>
+            </p:nvSpPr>
+            <p:spPr>
+              <a:xfrm>
+                <a:off x="2065404" y="3131676"/>
+                <a:ext cx="609462" cy="369332"/>
+              </a:xfrm>
+              <a:prstGeom prst="rect">
+                <a:avLst/>
+              </a:prstGeom>
+              <a:noFill/>
+            </p:spPr>
+            <p:txBody>
+              <a:bodyPr wrap="none" rtlCol="0">
+                <a:spAutoFit/>
+              </a:bodyPr>
+              <a:lstStyle/>
+              <a:p>
+                <a:r>
+                  <a:rPr lang="en-AU" dirty="0" err="1">
+                    <a:latin typeface="Times New Roman" panose="02020603050405020304" pitchFamily="18" charset="0"/>
+                    <a:cs typeface="Times New Roman" panose="02020603050405020304" pitchFamily="18" charset="0"/>
+                  </a:rPr>
+                  <a:t>O</a:t>
+                </a:r>
+                <a:r>
+                  <a:rPr lang="en-AU" baseline="-25000" dirty="0" err="1">
+                    <a:latin typeface="Times New Roman" panose="02020603050405020304" pitchFamily="18" charset="0"/>
+                    <a:cs typeface="Times New Roman" panose="02020603050405020304" pitchFamily="18" charset="0"/>
+                  </a:rPr>
+                  <a:t>c,l,a</a:t>
+                </a:r>
+                <a:endParaRPr lang="en-AU" baseline="-25000" dirty="0">
+                  <a:latin typeface="Times New Roman" panose="02020603050405020304" pitchFamily="18" charset="0"/>
+                  <a:cs typeface="Times New Roman" panose="02020603050405020304" pitchFamily="18" charset="0"/>
+                </a:endParaRPr>
+              </a:p>
+            </p:txBody>
+          </p:sp>
+        </p:grpSp>
+        <p:grpSp>
+          <p:nvGrpSpPr>
+            <p:cNvPr id="16" name="Group 15"/>
+            <p:cNvGrpSpPr/>
+            <p:nvPr/>
+          </p:nvGrpSpPr>
+          <p:grpSpPr>
+            <a:xfrm>
+              <a:off x="828564" y="691709"/>
+              <a:ext cx="792088" cy="792088"/>
+              <a:chOff x="1187637" y="1772816"/>
+              <a:chExt cx="792088" cy="792088"/>
+            </a:xfrm>
+          </p:grpSpPr>
+          <p:sp>
+            <p:nvSpPr>
+              <p:cNvPr id="4" name="Oval 3"/>
+              <p:cNvSpPr/>
+              <p:nvPr/>
+            </p:nvSpPr>
+            <p:spPr>
+              <a:xfrm>
+                <a:off x="1187637" y="1772816"/>
+                <a:ext cx="792088" cy="792088"/>
+              </a:xfrm>
+              <a:prstGeom prst="ellipse">
+                <a:avLst/>
+              </a:prstGeom>
+              <a:noFill/>
+              <a:ln>
+                <a:solidFill>
+                  <a:schemeClr val="tx1"/>
+                </a:solidFill>
+              </a:ln>
+            </p:spPr>
+            <p:style>
+              <a:lnRef idx="2">
+                <a:schemeClr val="accent1">
+                  <a:shade val="50000"/>
+                </a:schemeClr>
+              </a:lnRef>
+              <a:fillRef idx="1">
+                <a:schemeClr val="accent1"/>
+              </a:fillRef>
+              <a:effectRef idx="0">
+                <a:schemeClr val="accent1"/>
+              </a:effectRef>
+              <a:fontRef idx="minor">
+                <a:schemeClr val="lt1"/>
+              </a:fontRef>
+            </p:style>
+            <p:txBody>
+              <a:bodyPr rtlCol="0" anchor="ctr"/>
+              <a:lstStyle/>
+              <a:p>
+                <a:pPr algn="ctr"/>
+                <a:endParaRPr lang="en-AU">
+                  <a:latin typeface="Times New Roman" panose="02020603050405020304" pitchFamily="18" charset="0"/>
+                  <a:cs typeface="Times New Roman" panose="02020603050405020304" pitchFamily="18" charset="0"/>
+                </a:endParaRPr>
+              </a:p>
+            </p:txBody>
+          </p:sp>
+          <p:sp>
+            <p:nvSpPr>
+              <p:cNvPr id="5" name="TextBox 4"/>
+              <p:cNvSpPr txBox="1"/>
+              <p:nvPr/>
+            </p:nvSpPr>
+            <p:spPr>
+              <a:xfrm>
+                <a:off x="1410396" y="1984194"/>
+                <a:ext cx="360996" cy="369332"/>
+              </a:xfrm>
+              <a:prstGeom prst="rect">
+                <a:avLst/>
+              </a:prstGeom>
+              <a:noFill/>
+            </p:spPr>
+            <p:txBody>
+              <a:bodyPr wrap="none" rtlCol="0">
+                <a:spAutoFit/>
+              </a:bodyPr>
+              <a:lstStyle/>
+              <a:p>
+                <a:r>
+                  <a:rPr lang="en-AU" dirty="0">
+                    <a:latin typeface="Times New Roman" panose="02020603050405020304" pitchFamily="18" charset="0"/>
+                    <a:cs typeface="Times New Roman" panose="02020603050405020304" pitchFamily="18" charset="0"/>
+                  </a:rPr>
+                  <a:t>µ</a:t>
+                </a:r>
+                <a:r>
+                  <a:rPr lang="en-AU" baseline="-25000" dirty="0">
+                    <a:latin typeface="Times New Roman" panose="02020603050405020304" pitchFamily="18" charset="0"/>
+                    <a:cs typeface="Times New Roman" panose="02020603050405020304" pitchFamily="18" charset="0"/>
+                  </a:rPr>
+                  <a:t>l</a:t>
+                </a:r>
+              </a:p>
+            </p:txBody>
+          </p:sp>
+        </p:grpSp>
+        <p:grpSp>
+          <p:nvGrpSpPr>
+            <p:cNvPr id="17" name="Group 16"/>
+            <p:cNvGrpSpPr/>
+            <p:nvPr/>
+          </p:nvGrpSpPr>
+          <p:grpSpPr>
+            <a:xfrm>
+              <a:off x="2268724" y="717258"/>
+              <a:ext cx="792088" cy="792088"/>
+              <a:chOff x="2627797" y="1798365"/>
+              <a:chExt cx="792088" cy="792088"/>
+            </a:xfrm>
+          </p:grpSpPr>
+          <p:sp>
+            <p:nvSpPr>
+              <p:cNvPr id="6" name="Oval 5"/>
+              <p:cNvSpPr/>
+              <p:nvPr/>
+            </p:nvSpPr>
+            <p:spPr>
+              <a:xfrm>
+                <a:off x="2627797" y="1798365"/>
+                <a:ext cx="792088" cy="792088"/>
+              </a:xfrm>
+              <a:prstGeom prst="ellipse">
+                <a:avLst/>
+              </a:prstGeom>
+              <a:noFill/>
+              <a:ln>
+                <a:solidFill>
+                  <a:schemeClr val="tx1"/>
+                </a:solidFill>
+              </a:ln>
+            </p:spPr>
+            <p:style>
+              <a:lnRef idx="2">
+                <a:schemeClr val="accent1">
+                  <a:shade val="50000"/>
+                </a:schemeClr>
+              </a:lnRef>
+              <a:fillRef idx="1">
+                <a:schemeClr val="accent1"/>
+              </a:fillRef>
+              <a:effectRef idx="0">
+                <a:schemeClr val="accent1"/>
+              </a:effectRef>
+              <a:fontRef idx="minor">
+                <a:schemeClr val="lt1"/>
+              </a:fontRef>
+            </p:style>
+            <p:txBody>
+              <a:bodyPr rtlCol="0" anchor="ctr"/>
+              <a:lstStyle/>
+              <a:p>
+                <a:pPr algn="ctr"/>
+                <a:endParaRPr lang="en-AU">
+                  <a:latin typeface="Times New Roman" panose="02020603050405020304" pitchFamily="18" charset="0"/>
+                  <a:cs typeface="Times New Roman" panose="02020603050405020304" pitchFamily="18" charset="0"/>
+                </a:endParaRPr>
+              </a:p>
+            </p:txBody>
+          </p:sp>
+          <p:sp>
+            <p:nvSpPr>
+              <p:cNvPr id="7" name="TextBox 6"/>
+              <p:cNvSpPr txBox="1"/>
+              <p:nvPr/>
+            </p:nvSpPr>
+            <p:spPr>
+              <a:xfrm>
+                <a:off x="2804871" y="1984194"/>
+                <a:ext cx="444352" cy="369332"/>
+              </a:xfrm>
+              <a:prstGeom prst="rect">
+                <a:avLst/>
+              </a:prstGeom>
+              <a:noFill/>
+            </p:spPr>
+            <p:txBody>
+              <a:bodyPr wrap="none" rtlCol="0">
+                <a:spAutoFit/>
+              </a:bodyPr>
+              <a:lstStyle/>
+              <a:p>
+                <a:r>
+                  <a:rPr lang="en-AU" dirty="0">
+                    <a:latin typeface="Times New Roman" panose="02020603050405020304" pitchFamily="18" charset="0"/>
+                    <a:cs typeface="Times New Roman" panose="02020603050405020304" pitchFamily="18" charset="0"/>
+                    <a:sym typeface="Symbol"/>
+                  </a:rPr>
+                  <a:t></a:t>
+                </a:r>
+                <a:r>
+                  <a:rPr lang="en-AU" baseline="30000" dirty="0">
+                    <a:latin typeface="Times New Roman" panose="02020603050405020304" pitchFamily="18" charset="0"/>
+                    <a:cs typeface="Times New Roman" panose="02020603050405020304" pitchFamily="18" charset="0"/>
+                    <a:sym typeface="Symbol"/>
+                  </a:rPr>
+                  <a:t>2</a:t>
+                </a:r>
+                <a:r>
+                  <a:rPr lang="en-AU" baseline="-25000" dirty="0">
+                    <a:latin typeface="Times New Roman" panose="02020603050405020304" pitchFamily="18" charset="0"/>
+                    <a:cs typeface="Times New Roman" panose="02020603050405020304" pitchFamily="18" charset="0"/>
+                  </a:rPr>
+                  <a:t>l</a:t>
+                </a:r>
+              </a:p>
+            </p:txBody>
+          </p:sp>
+        </p:grpSp>
+        <p:grpSp>
+          <p:nvGrpSpPr>
+            <p:cNvPr id="18" name="Group 17"/>
+            <p:cNvGrpSpPr/>
+            <p:nvPr/>
+          </p:nvGrpSpPr>
+          <p:grpSpPr>
+            <a:xfrm>
+              <a:off x="1475656" y="3573016"/>
+              <a:ext cx="792088" cy="792088"/>
+              <a:chOff x="1921388" y="2924944"/>
+              <a:chExt cx="792088" cy="792088"/>
+            </a:xfrm>
+          </p:grpSpPr>
+          <p:sp>
+            <p:nvSpPr>
+              <p:cNvPr id="8" name="Oval 7"/>
+              <p:cNvSpPr/>
+              <p:nvPr/>
+            </p:nvSpPr>
+            <p:spPr>
+              <a:xfrm>
+                <a:off x="1921388" y="2924944"/>
+                <a:ext cx="792088" cy="792088"/>
+              </a:xfrm>
+              <a:prstGeom prst="ellipse">
+                <a:avLst/>
+              </a:prstGeom>
+              <a:noFill/>
+              <a:ln>
+                <a:solidFill>
+                  <a:schemeClr val="tx1"/>
+                </a:solidFill>
+              </a:ln>
+            </p:spPr>
+            <p:style>
+              <a:lnRef idx="2">
+                <a:schemeClr val="accent1">
+                  <a:shade val="50000"/>
+                </a:schemeClr>
+              </a:lnRef>
+              <a:fillRef idx="1">
+                <a:schemeClr val="accent1"/>
+              </a:fillRef>
+              <a:effectRef idx="0">
+                <a:schemeClr val="accent1"/>
+              </a:effectRef>
+              <a:fontRef idx="minor">
+                <a:schemeClr val="lt1"/>
+              </a:fontRef>
+            </p:style>
+            <p:txBody>
+              <a:bodyPr rtlCol="0" anchor="ctr"/>
+              <a:lstStyle/>
+              <a:p>
+                <a:pPr algn="ctr"/>
+                <a:endParaRPr lang="en-AU">
+                  <a:latin typeface="Times New Roman" panose="02020603050405020304" pitchFamily="18" charset="0"/>
+                  <a:cs typeface="Times New Roman" panose="02020603050405020304" pitchFamily="18" charset="0"/>
+                </a:endParaRPr>
+              </a:p>
+            </p:txBody>
+          </p:sp>
+          <p:sp>
+            <p:nvSpPr>
+              <p:cNvPr id="9" name="TextBox 8"/>
+              <p:cNvSpPr txBox="1"/>
+              <p:nvPr/>
+            </p:nvSpPr>
+            <p:spPr>
+              <a:xfrm>
+                <a:off x="2140941" y="3136322"/>
+                <a:ext cx="502061" cy="369332"/>
+              </a:xfrm>
+              <a:prstGeom prst="rect">
+                <a:avLst/>
+              </a:prstGeom>
+              <a:noFill/>
+            </p:spPr>
+            <p:txBody>
+              <a:bodyPr wrap="none" rtlCol="0">
+                <a:spAutoFit/>
+              </a:bodyPr>
+              <a:lstStyle/>
+              <a:p>
+                <a:r>
+                  <a:rPr lang="en-AU" dirty="0" err="1">
+                    <a:latin typeface="Times New Roman" panose="02020603050405020304" pitchFamily="18" charset="0"/>
+                    <a:cs typeface="Times New Roman" panose="02020603050405020304" pitchFamily="18" charset="0"/>
+                  </a:rPr>
+                  <a:t>A</a:t>
+                </a:r>
+                <a:r>
+                  <a:rPr lang="en-AU" baseline="-25000" dirty="0" err="1">
+                    <a:latin typeface="Times New Roman" panose="02020603050405020304" pitchFamily="18" charset="0"/>
+                    <a:cs typeface="Times New Roman" panose="02020603050405020304" pitchFamily="18" charset="0"/>
+                  </a:rPr>
+                  <a:t>c,l</a:t>
+                </a:r>
+                <a:endParaRPr lang="en-AU" baseline="-25000" dirty="0">
+                  <a:latin typeface="Times New Roman" panose="02020603050405020304" pitchFamily="18" charset="0"/>
+                  <a:cs typeface="Times New Roman" panose="02020603050405020304" pitchFamily="18" charset="0"/>
+                </a:endParaRPr>
+              </a:p>
+            </p:txBody>
+          </p:sp>
+        </p:grpSp>
+        <p:cxnSp>
+          <p:nvCxnSpPr>
+            <p:cNvPr id="51" name="Straight Arrow Connector 50"/>
+            <p:cNvCxnSpPr>
+              <a:stCxn id="4" idx="4"/>
+              <a:endCxn id="8" idx="0"/>
+            </p:cNvCxnSpPr>
+            <p:nvPr/>
+          </p:nvCxnSpPr>
+          <p:spPr>
+            <a:xfrm>
+              <a:off x="1224608" y="1483797"/>
+              <a:ext cx="647092" cy="2089219"/>
+            </a:xfrm>
+            <a:prstGeom prst="straightConnector1">
+              <a:avLst/>
+            </a:prstGeom>
+            <a:ln w="28575">
+              <a:solidFill>
+                <a:schemeClr val="tx1"/>
+              </a:solidFill>
+              <a:tailEnd type="arrow"/>
+            </a:ln>
+          </p:spPr>
+          <p:style>
+            <a:lnRef idx="1">
+              <a:schemeClr val="accent1"/>
+            </a:lnRef>
+            <a:fillRef idx="0">
+              <a:schemeClr val="accent1"/>
+            </a:fillRef>
+            <a:effectRef idx="0">
+              <a:schemeClr val="accent1"/>
+            </a:effectRef>
+            <a:fontRef idx="minor">
+              <a:schemeClr val="tx1"/>
+            </a:fontRef>
+          </p:style>
+        </p:cxnSp>
+        <p:cxnSp>
+          <p:nvCxnSpPr>
+            <p:cNvPr id="54" name="Straight Arrow Connector 53"/>
+            <p:cNvCxnSpPr>
+              <a:stCxn id="6" idx="4"/>
+              <a:endCxn id="8" idx="0"/>
+            </p:cNvCxnSpPr>
+            <p:nvPr/>
+          </p:nvCxnSpPr>
+          <p:spPr>
+            <a:xfrm flipH="1">
+              <a:off x="1871700" y="1509346"/>
+              <a:ext cx="793068" cy="2063670"/>
+            </a:xfrm>
+            <a:prstGeom prst="straightConnector1">
+              <a:avLst/>
+            </a:prstGeom>
+            <a:ln w="28575">
+              <a:solidFill>
+                <a:schemeClr val="tx1"/>
+              </a:solidFill>
+              <a:tailEnd type="arrow"/>
+            </a:ln>
+          </p:spPr>
+          <p:style>
+            <a:lnRef idx="1">
+              <a:schemeClr val="accent1"/>
+            </a:lnRef>
+            <a:fillRef idx="0">
+              <a:schemeClr val="accent1"/>
+            </a:fillRef>
+            <a:effectRef idx="0">
+              <a:schemeClr val="accent1"/>
+            </a:effectRef>
+            <a:fontRef idx="minor">
+              <a:schemeClr val="tx1"/>
+            </a:fontRef>
+          </p:style>
+        </p:cxnSp>
+        <p:grpSp>
+          <p:nvGrpSpPr>
+            <p:cNvPr id="19" name="Group 18"/>
+            <p:cNvGrpSpPr/>
+            <p:nvPr/>
+          </p:nvGrpSpPr>
+          <p:grpSpPr>
+            <a:xfrm>
+              <a:off x="3651475" y="764704"/>
+              <a:ext cx="792088" cy="792088"/>
+              <a:chOff x="1187637" y="1772816"/>
+              <a:chExt cx="792088" cy="792088"/>
+            </a:xfrm>
+          </p:grpSpPr>
+          <p:sp>
+            <p:nvSpPr>
+              <p:cNvPr id="20" name="Oval 19"/>
+              <p:cNvSpPr/>
+              <p:nvPr/>
+            </p:nvSpPr>
+            <p:spPr>
+              <a:xfrm>
+                <a:off x="1187637" y="1772816"/>
+                <a:ext cx="792088" cy="792088"/>
+              </a:xfrm>
+              <a:prstGeom prst="ellipse">
+                <a:avLst/>
+              </a:prstGeom>
+              <a:noFill/>
+              <a:ln>
+                <a:solidFill>
+                  <a:schemeClr val="tx1"/>
+                </a:solidFill>
+              </a:ln>
+            </p:spPr>
+            <p:style>
+              <a:lnRef idx="2">
+                <a:schemeClr val="accent1">
+                  <a:shade val="50000"/>
+                </a:schemeClr>
+              </a:lnRef>
+              <a:fillRef idx="1">
+                <a:schemeClr val="accent1"/>
+              </a:fillRef>
+              <a:effectRef idx="0">
+                <a:schemeClr val="accent1"/>
+              </a:effectRef>
+              <a:fontRef idx="minor">
+                <a:schemeClr val="lt1"/>
+              </a:fontRef>
+            </p:style>
+            <p:txBody>
+              <a:bodyPr rtlCol="0" anchor="ctr"/>
+              <a:lstStyle/>
+              <a:p>
+                <a:pPr algn="ctr"/>
+                <a:endParaRPr lang="en-AU">
+                  <a:latin typeface="Times New Roman" panose="02020603050405020304" pitchFamily="18" charset="0"/>
+                  <a:cs typeface="Times New Roman" panose="02020603050405020304" pitchFamily="18" charset="0"/>
+                </a:endParaRPr>
+              </a:p>
+            </p:txBody>
+          </p:sp>
+          <p:sp>
+            <p:nvSpPr>
+              <p:cNvPr id="21" name="TextBox 20"/>
+              <p:cNvSpPr txBox="1"/>
+              <p:nvPr/>
+            </p:nvSpPr>
+            <p:spPr>
+              <a:xfrm>
+                <a:off x="1410396" y="1984194"/>
+                <a:ext cx="336952" cy="369332"/>
+              </a:xfrm>
+              <a:prstGeom prst="rect">
+                <a:avLst/>
+              </a:prstGeom>
+              <a:noFill/>
+            </p:spPr>
+            <p:txBody>
+              <a:bodyPr wrap="none" rtlCol="0">
+                <a:spAutoFit/>
+              </a:bodyPr>
+              <a:lstStyle/>
+              <a:p>
+                <a:r>
+                  <a:rPr lang="en-AU" dirty="0">
+                    <a:latin typeface="Times New Roman" panose="02020603050405020304" pitchFamily="18" charset="0"/>
+                    <a:cs typeface="Times New Roman" panose="02020603050405020304" pitchFamily="18" charset="0"/>
+                    <a:sym typeface="Symbol"/>
+                  </a:rPr>
+                  <a:t></a:t>
+                </a:r>
+                <a:r>
+                  <a:rPr lang="en-AU" baseline="-25000" dirty="0">
+                    <a:latin typeface="Times New Roman" panose="02020603050405020304" pitchFamily="18" charset="0"/>
+                    <a:cs typeface="Times New Roman" panose="02020603050405020304" pitchFamily="18" charset="0"/>
+                  </a:rPr>
+                  <a:t>f</a:t>
+                </a:r>
+              </a:p>
+            </p:txBody>
+          </p:sp>
+        </p:grpSp>
+        <p:grpSp>
+          <p:nvGrpSpPr>
+            <p:cNvPr id="22" name="Group 21"/>
+            <p:cNvGrpSpPr/>
+            <p:nvPr/>
+          </p:nvGrpSpPr>
+          <p:grpSpPr>
+            <a:xfrm>
+              <a:off x="5091635" y="790253"/>
+              <a:ext cx="792088" cy="792088"/>
+              <a:chOff x="2627797" y="1798365"/>
+              <a:chExt cx="792088" cy="792088"/>
+            </a:xfrm>
+          </p:grpSpPr>
+          <p:sp>
+            <p:nvSpPr>
+              <p:cNvPr id="23" name="Oval 22"/>
+              <p:cNvSpPr/>
+              <p:nvPr/>
+            </p:nvSpPr>
+            <p:spPr>
+              <a:xfrm>
+                <a:off x="2627797" y="1798365"/>
+                <a:ext cx="792088" cy="792088"/>
+              </a:xfrm>
+              <a:prstGeom prst="ellipse">
+                <a:avLst/>
+              </a:prstGeom>
+              <a:noFill/>
+              <a:ln>
+                <a:solidFill>
+                  <a:schemeClr val="tx1"/>
+                </a:solidFill>
+              </a:ln>
+            </p:spPr>
+            <p:style>
+              <a:lnRef idx="2">
+                <a:schemeClr val="accent1">
+                  <a:shade val="50000"/>
+                </a:schemeClr>
+              </a:lnRef>
+              <a:fillRef idx="1">
+                <a:schemeClr val="accent1"/>
+              </a:fillRef>
+              <a:effectRef idx="0">
+                <a:schemeClr val="accent1"/>
+              </a:effectRef>
+              <a:fontRef idx="minor">
+                <a:schemeClr val="lt1"/>
+              </a:fontRef>
+            </p:style>
+            <p:txBody>
+              <a:bodyPr rtlCol="0" anchor="ctr"/>
+              <a:lstStyle/>
+              <a:p>
+                <a:pPr algn="ctr"/>
+                <a:endParaRPr lang="en-AU">
+                  <a:latin typeface="Times New Roman" panose="02020603050405020304" pitchFamily="18" charset="0"/>
+                  <a:cs typeface="Times New Roman" panose="02020603050405020304" pitchFamily="18" charset="0"/>
+                </a:endParaRPr>
+              </a:p>
+            </p:txBody>
+          </p:sp>
+          <p:sp>
+            <p:nvSpPr>
+              <p:cNvPr id="24" name="TextBox 23"/>
+              <p:cNvSpPr txBox="1"/>
+              <p:nvPr/>
+            </p:nvSpPr>
+            <p:spPr>
+              <a:xfrm>
+                <a:off x="2804871" y="1984194"/>
+                <a:ext cx="402674" cy="369332"/>
+              </a:xfrm>
+              <a:prstGeom prst="rect">
+                <a:avLst/>
+              </a:prstGeom>
+              <a:noFill/>
+            </p:spPr>
+            <p:txBody>
+              <a:bodyPr wrap="none" rtlCol="0">
+                <a:spAutoFit/>
+              </a:bodyPr>
+              <a:lstStyle/>
+              <a:p>
+                <a:r>
+                  <a:rPr lang="en-AU" dirty="0">
+                    <a:latin typeface="Times New Roman" panose="02020603050405020304" pitchFamily="18" charset="0"/>
+                    <a:cs typeface="Times New Roman" panose="02020603050405020304" pitchFamily="18" charset="0"/>
+                    <a:sym typeface="Symbol"/>
+                  </a:rPr>
+                  <a:t>s</a:t>
+                </a:r>
+                <a:r>
+                  <a:rPr lang="en-AU" baseline="30000" dirty="0">
+                    <a:latin typeface="Times New Roman" panose="02020603050405020304" pitchFamily="18" charset="0"/>
+                    <a:cs typeface="Times New Roman" panose="02020603050405020304" pitchFamily="18" charset="0"/>
+                    <a:sym typeface="Symbol"/>
+                  </a:rPr>
+                  <a:t>2</a:t>
+                </a:r>
+                <a:r>
+                  <a:rPr lang="en-AU" baseline="-25000" dirty="0">
+                    <a:latin typeface="Times New Roman" panose="02020603050405020304" pitchFamily="18" charset="0"/>
+                    <a:cs typeface="Times New Roman" panose="02020603050405020304" pitchFamily="18" charset="0"/>
+                  </a:rPr>
+                  <a:t>f</a:t>
+                </a:r>
+              </a:p>
+            </p:txBody>
+          </p:sp>
+        </p:grpSp>
+        <p:grpSp>
+          <p:nvGrpSpPr>
+            <p:cNvPr id="25" name="Group 24"/>
+            <p:cNvGrpSpPr/>
+            <p:nvPr/>
+          </p:nvGrpSpPr>
+          <p:grpSpPr>
+            <a:xfrm>
+              <a:off x="4355976" y="3573016"/>
+              <a:ext cx="792088" cy="792088"/>
+              <a:chOff x="1921388" y="2924944"/>
+              <a:chExt cx="792088" cy="792088"/>
+            </a:xfrm>
+          </p:grpSpPr>
+          <p:sp>
+            <p:nvSpPr>
+              <p:cNvPr id="26" name="Oval 25"/>
+              <p:cNvSpPr/>
+              <p:nvPr/>
+            </p:nvSpPr>
+            <p:spPr>
+              <a:xfrm>
+                <a:off x="1921388" y="2924944"/>
+                <a:ext cx="792088" cy="792088"/>
+              </a:xfrm>
+              <a:prstGeom prst="ellipse">
+                <a:avLst/>
+              </a:prstGeom>
+              <a:noFill/>
+              <a:ln>
+                <a:solidFill>
+                  <a:schemeClr val="tx1"/>
+                </a:solidFill>
+              </a:ln>
+            </p:spPr>
+            <p:style>
+              <a:lnRef idx="2">
+                <a:schemeClr val="accent1">
+                  <a:shade val="50000"/>
+                </a:schemeClr>
+              </a:lnRef>
+              <a:fillRef idx="1">
+                <a:schemeClr val="accent1"/>
+              </a:fillRef>
+              <a:effectRef idx="0">
+                <a:schemeClr val="accent1"/>
+              </a:effectRef>
+              <a:fontRef idx="minor">
+                <a:schemeClr val="lt1"/>
+              </a:fontRef>
+            </p:style>
+            <p:txBody>
+              <a:bodyPr rtlCol="0" anchor="ctr"/>
+              <a:lstStyle/>
+              <a:p>
+                <a:pPr algn="ctr"/>
+                <a:endParaRPr lang="en-AU">
+                  <a:latin typeface="Times New Roman" panose="02020603050405020304" pitchFamily="18" charset="0"/>
+                  <a:cs typeface="Times New Roman" panose="02020603050405020304" pitchFamily="18" charset="0"/>
+                </a:endParaRPr>
+              </a:p>
+            </p:txBody>
+          </p:sp>
+          <p:sp>
+            <p:nvSpPr>
+              <p:cNvPr id="27" name="TextBox 26"/>
+              <p:cNvSpPr txBox="1"/>
+              <p:nvPr/>
+            </p:nvSpPr>
+            <p:spPr>
+              <a:xfrm>
+                <a:off x="2140941" y="3136322"/>
+                <a:ext cx="510076" cy="369332"/>
+              </a:xfrm>
+              <a:prstGeom prst="rect">
+                <a:avLst/>
+              </a:prstGeom>
+              <a:noFill/>
+            </p:spPr>
+            <p:txBody>
+              <a:bodyPr wrap="none" rtlCol="0">
+                <a:spAutoFit/>
+              </a:bodyPr>
+              <a:lstStyle/>
+              <a:p>
+                <a:r>
+                  <a:rPr lang="en-AU" dirty="0" err="1">
+                    <a:latin typeface="Times New Roman" panose="02020603050405020304" pitchFamily="18" charset="0"/>
+                    <a:cs typeface="Times New Roman" panose="02020603050405020304" pitchFamily="18" charset="0"/>
+                  </a:rPr>
+                  <a:t>D</a:t>
+                </a:r>
+                <a:r>
+                  <a:rPr lang="en-AU" baseline="-25000" dirty="0" err="1">
+                    <a:latin typeface="Times New Roman" panose="02020603050405020304" pitchFamily="18" charset="0"/>
+                    <a:cs typeface="Times New Roman" panose="02020603050405020304" pitchFamily="18" charset="0"/>
+                  </a:rPr>
+                  <a:t>c,f</a:t>
+                </a:r>
+                <a:endParaRPr lang="en-AU" baseline="-25000" dirty="0">
+                  <a:latin typeface="Times New Roman" panose="02020603050405020304" pitchFamily="18" charset="0"/>
+                  <a:cs typeface="Times New Roman" panose="02020603050405020304" pitchFamily="18" charset="0"/>
+                </a:endParaRPr>
+              </a:p>
+            </p:txBody>
+          </p:sp>
+        </p:grpSp>
+        <p:cxnSp>
+          <p:nvCxnSpPr>
+            <p:cNvPr id="63" name="Straight Arrow Connector 62"/>
+            <p:cNvCxnSpPr>
+              <a:stCxn id="20" idx="4"/>
+              <a:endCxn id="26" idx="0"/>
+            </p:cNvCxnSpPr>
+            <p:nvPr/>
+          </p:nvCxnSpPr>
+          <p:spPr>
+            <a:xfrm>
+              <a:off x="4047519" y="1556792"/>
+              <a:ext cx="704501" cy="2016224"/>
+            </a:xfrm>
+            <a:prstGeom prst="straightConnector1">
+              <a:avLst/>
+            </a:prstGeom>
+            <a:ln w="28575">
+              <a:solidFill>
+                <a:schemeClr val="tx1"/>
+              </a:solidFill>
+              <a:tailEnd type="arrow"/>
+            </a:ln>
+          </p:spPr>
+          <p:style>
+            <a:lnRef idx="1">
+              <a:schemeClr val="accent1"/>
+            </a:lnRef>
+            <a:fillRef idx="0">
+              <a:schemeClr val="accent1"/>
+            </a:fillRef>
+            <a:effectRef idx="0">
+              <a:schemeClr val="accent1"/>
+            </a:effectRef>
+            <a:fontRef idx="minor">
+              <a:schemeClr val="tx1"/>
+            </a:fontRef>
+          </p:style>
+        </p:cxnSp>
+        <p:cxnSp>
+          <p:nvCxnSpPr>
+            <p:cNvPr id="66" name="Straight Arrow Connector 65"/>
+            <p:cNvCxnSpPr>
+              <a:stCxn id="23" idx="4"/>
+              <a:endCxn id="26" idx="0"/>
+            </p:cNvCxnSpPr>
+            <p:nvPr/>
+          </p:nvCxnSpPr>
+          <p:spPr>
+            <a:xfrm flipH="1">
+              <a:off x="4752020" y="1582341"/>
+              <a:ext cx="735659" cy="1990675"/>
+            </a:xfrm>
+            <a:prstGeom prst="straightConnector1">
+              <a:avLst/>
+            </a:prstGeom>
+            <a:ln w="28575">
+              <a:solidFill>
+                <a:schemeClr val="tx1"/>
+              </a:solidFill>
+              <a:tailEnd type="arrow"/>
+            </a:ln>
+          </p:spPr>
+          <p:style>
+            <a:lnRef idx="1">
+              <a:schemeClr val="accent1"/>
+            </a:lnRef>
+            <a:fillRef idx="0">
+              <a:schemeClr val="accent1"/>
+            </a:fillRef>
+            <a:effectRef idx="0">
+              <a:schemeClr val="accent1"/>
+            </a:effectRef>
+            <a:fontRef idx="minor">
+              <a:schemeClr val="tx1"/>
+            </a:fontRef>
+          </p:style>
+        </p:cxnSp>
+        <p:grpSp>
+          <p:nvGrpSpPr>
+            <p:cNvPr id="100" name="Group 99"/>
+            <p:cNvGrpSpPr/>
+            <p:nvPr/>
+          </p:nvGrpSpPr>
+          <p:grpSpPr>
+            <a:xfrm>
+              <a:off x="6228184" y="2204864"/>
+              <a:ext cx="792088" cy="792088"/>
+              <a:chOff x="1901046" y="2924944"/>
+              <a:chExt cx="792088" cy="792088"/>
+            </a:xfrm>
+          </p:grpSpPr>
+          <p:sp>
+            <p:nvSpPr>
+              <p:cNvPr id="101" name="Oval 100"/>
+              <p:cNvSpPr/>
+              <p:nvPr/>
+            </p:nvSpPr>
+            <p:spPr>
+              <a:xfrm>
+                <a:off x="1901046" y="2924944"/>
+                <a:ext cx="792088" cy="792088"/>
+              </a:xfrm>
+              <a:prstGeom prst="ellipse">
+                <a:avLst/>
+              </a:prstGeom>
+              <a:noFill/>
+              <a:ln>
+                <a:solidFill>
+                  <a:schemeClr val="tx1"/>
+                </a:solidFill>
+              </a:ln>
+            </p:spPr>
+            <p:style>
+              <a:lnRef idx="2">
+                <a:schemeClr val="accent1">
+                  <a:shade val="50000"/>
+                </a:schemeClr>
+              </a:lnRef>
+              <a:fillRef idx="1">
+                <a:schemeClr val="accent1"/>
+              </a:fillRef>
+              <a:effectRef idx="0">
+                <a:schemeClr val="accent1"/>
+              </a:effectRef>
+              <a:fontRef idx="minor">
+                <a:schemeClr val="lt1"/>
+              </a:fontRef>
+            </p:style>
+            <p:txBody>
+              <a:bodyPr rtlCol="0" anchor="ctr"/>
+              <a:lstStyle/>
+              <a:p>
+                <a:pPr algn="ctr"/>
+                <a:endParaRPr lang="en-AU">
+                  <a:latin typeface="Times New Roman" panose="02020603050405020304" pitchFamily="18" charset="0"/>
+                  <a:cs typeface="Times New Roman" panose="02020603050405020304" pitchFamily="18" charset="0"/>
+                </a:endParaRPr>
+              </a:p>
+            </p:txBody>
+          </p:sp>
+          <p:sp>
+            <p:nvSpPr>
+              <p:cNvPr id="102" name="TextBox 101"/>
+              <p:cNvSpPr txBox="1"/>
+              <p:nvPr/>
+            </p:nvSpPr>
+            <p:spPr>
+              <a:xfrm>
+                <a:off x="2140941" y="3136322"/>
+                <a:ext cx="377026" cy="369332"/>
+              </a:xfrm>
+              <a:prstGeom prst="rect">
+                <a:avLst/>
+              </a:prstGeom>
+              <a:noFill/>
+            </p:spPr>
+            <p:txBody>
+              <a:bodyPr wrap="none" rtlCol="0">
+                <a:spAutoFit/>
+              </a:bodyPr>
+              <a:lstStyle/>
+              <a:p>
+                <a:r>
+                  <a:rPr lang="en-AU" dirty="0">
+                    <a:latin typeface="Times New Roman" panose="02020603050405020304" pitchFamily="18" charset="0"/>
+                    <a:cs typeface="Times New Roman" panose="02020603050405020304" pitchFamily="18" charset="0"/>
+                  </a:rPr>
+                  <a:t>T</a:t>
+                </a:r>
+                <a:r>
+                  <a:rPr lang="en-AU" baseline="-25000" dirty="0">
+                    <a:latin typeface="Times New Roman" panose="02020603050405020304" pitchFamily="18" charset="0"/>
+                    <a:cs typeface="Times New Roman" panose="02020603050405020304" pitchFamily="18" charset="0"/>
+                  </a:rPr>
+                  <a:t>c</a:t>
+                </a:r>
+              </a:p>
+            </p:txBody>
+          </p:sp>
+        </p:grpSp>
+        <p:cxnSp>
+          <p:nvCxnSpPr>
+            <p:cNvPr id="112" name="Straight Arrow Connector 111"/>
+            <p:cNvCxnSpPr>
+              <a:cxnSpLocks/>
+              <a:stCxn id="8" idx="4"/>
+              <a:endCxn id="64" idx="0"/>
+            </p:cNvCxnSpPr>
+            <p:nvPr/>
+          </p:nvCxnSpPr>
+          <p:spPr>
+            <a:xfrm>
+              <a:off x="1871700" y="4365104"/>
+              <a:ext cx="1368152" cy="2088232"/>
+            </a:xfrm>
+            <a:prstGeom prst="straightConnector1">
+              <a:avLst/>
+            </a:prstGeom>
+            <a:ln w="28575">
+              <a:solidFill>
+                <a:schemeClr val="tx1"/>
+              </a:solidFill>
+              <a:tailEnd type="arrow"/>
+            </a:ln>
+          </p:spPr>
+          <p:style>
+            <a:lnRef idx="1">
+              <a:schemeClr val="accent1"/>
+            </a:lnRef>
+            <a:fillRef idx="0">
+              <a:schemeClr val="accent1"/>
+            </a:fillRef>
+            <a:effectRef idx="0">
+              <a:schemeClr val="accent1"/>
+            </a:effectRef>
+            <a:fontRef idx="minor">
+              <a:schemeClr val="tx1"/>
+            </a:fontRef>
+          </p:style>
+        </p:cxnSp>
+        <p:cxnSp>
+          <p:nvCxnSpPr>
+            <p:cNvPr id="118" name="Straight Arrow Connector 117"/>
+            <p:cNvCxnSpPr>
+              <a:cxnSpLocks/>
+              <a:stCxn id="26" idx="4"/>
+              <a:endCxn id="64" idx="0"/>
+            </p:cNvCxnSpPr>
+            <p:nvPr/>
+          </p:nvCxnSpPr>
+          <p:spPr>
+            <a:xfrm flipH="1">
+              <a:off x="3239852" y="4365104"/>
+              <a:ext cx="1512168" cy="2088232"/>
+            </a:xfrm>
+            <a:prstGeom prst="straightConnector1">
+              <a:avLst/>
+            </a:prstGeom>
+            <a:ln w="28575">
+              <a:solidFill>
+                <a:schemeClr val="tx1"/>
+              </a:solidFill>
+              <a:tailEnd type="arrow"/>
+            </a:ln>
+          </p:spPr>
+          <p:style>
+            <a:lnRef idx="1">
+              <a:schemeClr val="accent1"/>
+            </a:lnRef>
+            <a:fillRef idx="0">
+              <a:schemeClr val="accent1"/>
+            </a:fillRef>
+            <a:effectRef idx="0">
+              <a:schemeClr val="accent1"/>
+            </a:effectRef>
+            <a:fontRef idx="minor">
+              <a:schemeClr val="tx1"/>
+            </a:fontRef>
+          </p:style>
+        </p:cxnSp>
+        <p:cxnSp>
+          <p:nvCxnSpPr>
+            <p:cNvPr id="124" name="Straight Arrow Connector 123"/>
+            <p:cNvCxnSpPr>
+              <a:cxnSpLocks/>
+              <a:stCxn id="35" idx="4"/>
+              <a:endCxn id="68" idx="0"/>
+            </p:cNvCxnSpPr>
+            <p:nvPr/>
+          </p:nvCxnSpPr>
+          <p:spPr>
+            <a:xfrm flipH="1">
+              <a:off x="6210181" y="1628800"/>
+              <a:ext cx="1638183" cy="3834426"/>
+            </a:xfrm>
+            <a:prstGeom prst="straightConnector1">
+              <a:avLst/>
+            </a:prstGeom>
+            <a:ln w="28575">
+              <a:solidFill>
+                <a:schemeClr val="tx1"/>
+              </a:solidFill>
+              <a:tailEnd type="arrow"/>
+            </a:ln>
+          </p:spPr>
+          <p:style>
+            <a:lnRef idx="1">
+              <a:schemeClr val="accent1"/>
+            </a:lnRef>
+            <a:fillRef idx="0">
+              <a:schemeClr val="accent1"/>
+            </a:fillRef>
+            <a:effectRef idx="0">
+              <a:schemeClr val="accent1"/>
+            </a:effectRef>
+            <a:fontRef idx="minor">
+              <a:schemeClr val="tx1"/>
+            </a:fontRef>
+          </p:style>
+        </p:cxnSp>
+        <p:cxnSp>
+          <p:nvCxnSpPr>
+            <p:cNvPr id="130" name="Straight Arrow Connector 129"/>
+            <p:cNvCxnSpPr>
+              <a:cxnSpLocks/>
+              <a:stCxn id="101" idx="4"/>
+              <a:endCxn id="64" idx="0"/>
+            </p:cNvCxnSpPr>
+            <p:nvPr/>
+          </p:nvCxnSpPr>
+          <p:spPr>
+            <a:xfrm flipH="1">
+              <a:off x="3239852" y="2996952"/>
+              <a:ext cx="3384376" cy="3456384"/>
+            </a:xfrm>
+            <a:prstGeom prst="straightConnector1">
+              <a:avLst/>
+            </a:prstGeom>
+            <a:ln w="28575">
+              <a:solidFill>
+                <a:schemeClr val="tx1"/>
+              </a:solidFill>
+              <a:tailEnd type="arrow"/>
+            </a:ln>
+          </p:spPr>
+          <p:style>
+            <a:lnRef idx="1">
+              <a:schemeClr val="accent1"/>
+            </a:lnRef>
+            <a:fillRef idx="0">
+              <a:schemeClr val="accent1"/>
+            </a:fillRef>
+            <a:effectRef idx="0">
+              <a:schemeClr val="accent1"/>
+            </a:effectRef>
+            <a:fontRef idx="minor">
+              <a:schemeClr val="tx1"/>
+            </a:fontRef>
+          </p:style>
+        </p:cxnSp>
+        <p:grpSp>
+          <p:nvGrpSpPr>
+            <p:cNvPr id="2" name="Group 1"/>
+            <p:cNvGrpSpPr/>
+            <p:nvPr/>
+          </p:nvGrpSpPr>
+          <p:grpSpPr>
+            <a:xfrm>
+              <a:off x="6228184" y="836712"/>
+              <a:ext cx="792088" cy="792088"/>
+              <a:chOff x="7236296" y="1268760"/>
+              <a:chExt cx="792088" cy="792088"/>
+            </a:xfrm>
+          </p:grpSpPr>
+          <p:sp>
+            <p:nvSpPr>
+              <p:cNvPr id="105" name="Rectangle 104"/>
+              <p:cNvSpPr/>
+              <p:nvPr/>
+            </p:nvSpPr>
+            <p:spPr>
+              <a:xfrm>
+                <a:off x="7236296" y="1268760"/>
+                <a:ext cx="792088" cy="792088"/>
+              </a:xfrm>
+              <a:prstGeom prst="rect">
+                <a:avLst/>
+              </a:prstGeom>
+              <a:noFill/>
+              <a:ln>
+                <a:solidFill>
+                  <a:schemeClr val="tx1"/>
+                </a:solidFill>
+              </a:ln>
+            </p:spPr>
+            <p:style>
+              <a:lnRef idx="2">
+                <a:schemeClr val="accent1">
+                  <a:shade val="50000"/>
+                </a:schemeClr>
+              </a:lnRef>
+              <a:fillRef idx="1">
+                <a:schemeClr val="accent1"/>
+              </a:fillRef>
+              <a:effectRef idx="0">
+                <a:schemeClr val="accent1"/>
+              </a:effectRef>
+              <a:fontRef idx="minor">
+                <a:schemeClr val="lt1"/>
+              </a:fontRef>
+            </p:style>
+            <p:txBody>
+              <a:bodyPr rtlCol="0" anchor="ctr"/>
+              <a:lstStyle/>
+              <a:p>
+                <a:pPr algn="ctr"/>
+                <a:endParaRPr lang="en-AU">
+                  <a:latin typeface="Times New Roman" panose="02020603050405020304" pitchFamily="18" charset="0"/>
+                  <a:cs typeface="Times New Roman" panose="02020603050405020304" pitchFamily="18" charset="0"/>
+                </a:endParaRPr>
+              </a:p>
+            </p:txBody>
+          </p:sp>
+          <p:sp>
+            <p:nvSpPr>
+              <p:cNvPr id="106" name="TextBox 105"/>
+              <p:cNvSpPr txBox="1"/>
+              <p:nvPr/>
+            </p:nvSpPr>
+            <p:spPr>
+              <a:xfrm>
+                <a:off x="7475887" y="1480138"/>
+                <a:ext cx="312906" cy="369332"/>
+              </a:xfrm>
+              <a:prstGeom prst="rect">
+                <a:avLst/>
+              </a:prstGeom>
+              <a:noFill/>
+            </p:spPr>
+            <p:txBody>
+              <a:bodyPr wrap="none" rtlCol="0">
+                <a:spAutoFit/>
+              </a:bodyPr>
+              <a:lstStyle/>
+              <a:p>
+                <a:r>
+                  <a:rPr lang="en-AU" dirty="0">
+                    <a:latin typeface="Times New Roman" panose="02020603050405020304" pitchFamily="18" charset="0"/>
+                    <a:cs typeface="Times New Roman" panose="02020603050405020304" pitchFamily="18" charset="0"/>
+                  </a:rPr>
+                  <a:t>S</a:t>
+                </a:r>
+              </a:p>
+            </p:txBody>
+          </p:sp>
+        </p:grpSp>
+        <p:cxnSp>
+          <p:nvCxnSpPr>
+            <p:cNvPr id="113" name="Straight Arrow Connector 112"/>
+            <p:cNvCxnSpPr>
+              <a:stCxn id="105" idx="2"/>
+              <a:endCxn id="101" idx="0"/>
+            </p:cNvCxnSpPr>
+            <p:nvPr/>
+          </p:nvCxnSpPr>
+          <p:spPr>
+            <a:xfrm>
+              <a:off x="6624228" y="1628800"/>
+              <a:ext cx="0" cy="576064"/>
+            </a:xfrm>
+            <a:prstGeom prst="straightConnector1">
+              <a:avLst/>
+            </a:prstGeom>
+            <a:ln w="28575">
+              <a:solidFill>
+                <a:schemeClr val="tx1"/>
+              </a:solidFill>
+              <a:tailEnd type="arrow"/>
+            </a:ln>
+          </p:spPr>
+          <p:style>
+            <a:lnRef idx="1">
+              <a:schemeClr val="accent1"/>
+            </a:lnRef>
+            <a:fillRef idx="0">
+              <a:schemeClr val="accent1"/>
+            </a:fillRef>
+            <a:effectRef idx="0">
+              <a:schemeClr val="accent1"/>
+            </a:effectRef>
+            <a:fontRef idx="minor">
+              <a:schemeClr val="tx1"/>
+            </a:fontRef>
+          </p:style>
+        </p:cxnSp>
+        <p:sp>
+          <p:nvSpPr>
+            <p:cNvPr id="53" name="Rectangle 52"/>
+            <p:cNvSpPr/>
+            <p:nvPr/>
+          </p:nvSpPr>
+          <p:spPr>
+            <a:xfrm>
+              <a:off x="683568" y="188640"/>
+              <a:ext cx="2555168" cy="1655197"/>
+            </a:xfrm>
+            <a:prstGeom prst="rect">
+              <a:avLst/>
+            </a:prstGeom>
+            <a:noFill/>
+            <a:ln>
+              <a:solidFill>
+                <a:schemeClr val="tx1"/>
+              </a:solidFill>
+            </a:ln>
+          </p:spPr>
+          <p:style>
+            <a:lnRef idx="2">
+              <a:schemeClr val="accent1">
+                <a:shade val="50000"/>
+              </a:schemeClr>
+            </a:lnRef>
+            <a:fillRef idx="1">
+              <a:schemeClr val="accent1"/>
+            </a:fillRef>
+            <a:effectRef idx="0">
+              <a:schemeClr val="accent1"/>
+            </a:effectRef>
+            <a:fontRef idx="minor">
+              <a:schemeClr val="lt1"/>
+            </a:fontRef>
+          </p:style>
+          <p:txBody>
+            <a:bodyPr rtlCol="0" anchor="ctr"/>
+            <a:lstStyle/>
+            <a:p>
+              <a:pPr algn="ctr"/>
+              <a:endParaRPr lang="en-AU"/>
+            </a:p>
+          </p:txBody>
+        </p:sp>
+        <p:sp>
+          <p:nvSpPr>
+            <p:cNvPr id="114" name="TextBox 113"/>
+            <p:cNvSpPr txBox="1"/>
+            <p:nvPr/>
+          </p:nvSpPr>
+          <p:spPr>
+            <a:xfrm>
+              <a:off x="777369" y="245783"/>
+              <a:ext cx="1269899" cy="369332"/>
+            </a:xfrm>
+            <a:prstGeom prst="rect">
+              <a:avLst/>
+            </a:prstGeom>
+            <a:noFill/>
+          </p:spPr>
+          <p:txBody>
+            <a:bodyPr wrap="none" rtlCol="0">
+              <a:spAutoFit/>
+            </a:bodyPr>
+            <a:lstStyle/>
+            <a:p>
+              <a:r>
+                <a:rPr lang="en-AU" dirty="0">
+                  <a:latin typeface="Times New Roman" panose="02020603050405020304" pitchFamily="18" charset="0"/>
+                  <a:cs typeface="Times New Roman" panose="02020603050405020304" pitchFamily="18" charset="0"/>
+                </a:rPr>
+                <a:t>l = 1, … , L</a:t>
+              </a:r>
+              <a:endParaRPr lang="en-AU" baseline="-25000" dirty="0">
+                <a:latin typeface="Times New Roman" panose="02020603050405020304" pitchFamily="18" charset="0"/>
+                <a:cs typeface="Times New Roman" panose="02020603050405020304" pitchFamily="18" charset="0"/>
+              </a:endParaRPr>
+            </a:p>
+          </p:txBody>
+        </p:sp>
+        <p:sp>
+          <p:nvSpPr>
+            <p:cNvPr id="116" name="Rectangle 115"/>
+            <p:cNvSpPr/>
+            <p:nvPr/>
+          </p:nvSpPr>
+          <p:spPr>
+            <a:xfrm>
+              <a:off x="3491880" y="188640"/>
+              <a:ext cx="2592288" cy="1655197"/>
+            </a:xfrm>
+            <a:prstGeom prst="rect">
+              <a:avLst/>
+            </a:prstGeom>
+            <a:noFill/>
+            <a:ln>
+              <a:solidFill>
+                <a:schemeClr val="tx1"/>
+              </a:solidFill>
+            </a:ln>
+          </p:spPr>
+          <p:style>
+            <a:lnRef idx="2">
+              <a:schemeClr val="accent1">
+                <a:shade val="50000"/>
+              </a:schemeClr>
+            </a:lnRef>
+            <a:fillRef idx="1">
+              <a:schemeClr val="accent1"/>
+            </a:fillRef>
+            <a:effectRef idx="0">
+              <a:schemeClr val="accent1"/>
+            </a:effectRef>
+            <a:fontRef idx="minor">
+              <a:schemeClr val="lt1"/>
+            </a:fontRef>
+          </p:style>
+          <p:txBody>
+            <a:bodyPr rtlCol="0" anchor="ctr"/>
+            <a:lstStyle/>
+            <a:p>
+              <a:pPr algn="ctr"/>
+              <a:endParaRPr lang="en-AU"/>
+            </a:p>
+          </p:txBody>
+        </p:sp>
+        <p:sp>
+          <p:nvSpPr>
+            <p:cNvPr id="117" name="TextBox 116"/>
+            <p:cNvSpPr txBox="1"/>
+            <p:nvPr/>
+          </p:nvSpPr>
+          <p:spPr>
+            <a:xfrm>
+              <a:off x="3627182" y="245783"/>
+              <a:ext cx="1282723" cy="369332"/>
+            </a:xfrm>
+            <a:prstGeom prst="rect">
+              <a:avLst/>
+            </a:prstGeom>
+            <a:noFill/>
+          </p:spPr>
+          <p:txBody>
+            <a:bodyPr wrap="none" rtlCol="0">
+              <a:spAutoFit/>
+            </a:bodyPr>
+            <a:lstStyle/>
+            <a:p>
+              <a:r>
+                <a:rPr lang="en-AU" dirty="0">
+                  <a:latin typeface="Times New Roman" panose="02020603050405020304" pitchFamily="18" charset="0"/>
+                  <a:cs typeface="Times New Roman" panose="02020603050405020304" pitchFamily="18" charset="0"/>
+                </a:rPr>
+                <a:t>f = 1, … , F</a:t>
+              </a:r>
+              <a:endParaRPr lang="en-AU" baseline="-25000" dirty="0">
+                <a:latin typeface="Times New Roman" panose="02020603050405020304" pitchFamily="18" charset="0"/>
+                <a:cs typeface="Times New Roman" panose="02020603050405020304" pitchFamily="18" charset="0"/>
+              </a:endParaRPr>
+            </a:p>
+          </p:txBody>
+        </p:sp>
+        <p:grpSp>
+          <p:nvGrpSpPr>
+            <p:cNvPr id="120" name="Group 119"/>
+            <p:cNvGrpSpPr/>
+            <p:nvPr/>
+          </p:nvGrpSpPr>
+          <p:grpSpPr>
+            <a:xfrm>
+              <a:off x="293037" y="4841398"/>
+              <a:ext cx="792088" cy="792088"/>
+              <a:chOff x="7236296" y="1268760"/>
+              <a:chExt cx="792088" cy="792088"/>
+            </a:xfrm>
+          </p:grpSpPr>
+          <p:sp>
+            <p:nvSpPr>
+              <p:cNvPr id="122" name="Rectangle 121"/>
+              <p:cNvSpPr/>
+              <p:nvPr/>
+            </p:nvSpPr>
+            <p:spPr>
+              <a:xfrm>
+                <a:off x="7236296" y="1268760"/>
+                <a:ext cx="792088" cy="792088"/>
+              </a:xfrm>
+              <a:prstGeom prst="rect">
+                <a:avLst/>
+              </a:prstGeom>
+              <a:noFill/>
+              <a:ln>
+                <a:solidFill>
+                  <a:schemeClr val="tx1"/>
+                </a:solidFill>
+              </a:ln>
+            </p:spPr>
+            <p:style>
+              <a:lnRef idx="2">
+                <a:schemeClr val="accent1">
+                  <a:shade val="50000"/>
+                </a:schemeClr>
+              </a:lnRef>
+              <a:fillRef idx="1">
+                <a:schemeClr val="accent1"/>
+              </a:fillRef>
+              <a:effectRef idx="0">
+                <a:schemeClr val="accent1"/>
+              </a:effectRef>
+              <a:fontRef idx="minor">
+                <a:schemeClr val="lt1"/>
+              </a:fontRef>
+            </p:style>
+            <p:txBody>
+              <a:bodyPr rtlCol="0" anchor="ctr"/>
+              <a:lstStyle/>
+              <a:p>
+                <a:pPr algn="ctr"/>
+                <a:endParaRPr lang="en-AU">
+                  <a:latin typeface="Times New Roman" panose="02020603050405020304" pitchFamily="18" charset="0"/>
+                  <a:cs typeface="Times New Roman" panose="02020603050405020304" pitchFamily="18" charset="0"/>
+                </a:endParaRPr>
+              </a:p>
+            </p:txBody>
+          </p:sp>
+          <p:sp>
+            <p:nvSpPr>
+              <p:cNvPr id="123" name="TextBox 122"/>
+              <p:cNvSpPr txBox="1"/>
+              <p:nvPr/>
+            </p:nvSpPr>
+            <p:spPr>
+              <a:xfrm>
+                <a:off x="7345924" y="1480138"/>
+                <a:ext cx="609462" cy="369332"/>
+              </a:xfrm>
+              <a:prstGeom prst="rect">
+                <a:avLst/>
+              </a:prstGeom>
+              <a:noFill/>
+            </p:spPr>
+            <p:txBody>
+              <a:bodyPr wrap="none" rtlCol="0">
+                <a:spAutoFit/>
+              </a:bodyPr>
+              <a:lstStyle/>
+              <a:p>
+                <a:r>
+                  <a:rPr lang="en-AU" dirty="0" err="1">
+                    <a:latin typeface="Times New Roman" panose="02020603050405020304" pitchFamily="18" charset="0"/>
+                    <a:cs typeface="Times New Roman" panose="02020603050405020304" pitchFamily="18" charset="0"/>
+                  </a:rPr>
+                  <a:t>X</a:t>
+                </a:r>
+                <a:r>
+                  <a:rPr lang="en-AU" baseline="-25000" dirty="0" err="1">
+                    <a:latin typeface="Times New Roman" panose="02020603050405020304" pitchFamily="18" charset="0"/>
+                    <a:cs typeface="Times New Roman" panose="02020603050405020304" pitchFamily="18" charset="0"/>
+                  </a:rPr>
+                  <a:t>c,l,a</a:t>
+                </a:r>
+                <a:endParaRPr lang="en-AU" baseline="-25000" dirty="0">
+                  <a:latin typeface="Times New Roman" panose="02020603050405020304" pitchFamily="18" charset="0"/>
+                  <a:cs typeface="Times New Roman" panose="02020603050405020304" pitchFamily="18" charset="0"/>
+                </a:endParaRPr>
+              </a:p>
+            </p:txBody>
+          </p:sp>
+        </p:grpSp>
+        <p:grpSp>
+          <p:nvGrpSpPr>
+            <p:cNvPr id="125" name="Group 124"/>
+            <p:cNvGrpSpPr/>
+            <p:nvPr/>
+          </p:nvGrpSpPr>
+          <p:grpSpPr>
+            <a:xfrm>
+              <a:off x="312638" y="3545254"/>
+              <a:ext cx="792088" cy="792088"/>
+              <a:chOff x="7236296" y="1268760"/>
+              <a:chExt cx="792088" cy="792088"/>
+            </a:xfrm>
+          </p:grpSpPr>
+          <p:sp>
+            <p:nvSpPr>
+              <p:cNvPr id="126" name="Rectangle 125"/>
+              <p:cNvSpPr/>
+              <p:nvPr/>
+            </p:nvSpPr>
+            <p:spPr>
+              <a:xfrm>
+                <a:off x="7236296" y="1268760"/>
+                <a:ext cx="792088" cy="792088"/>
+              </a:xfrm>
+              <a:prstGeom prst="rect">
+                <a:avLst/>
+              </a:prstGeom>
+              <a:noFill/>
+              <a:ln>
+                <a:solidFill>
+                  <a:schemeClr val="tx1"/>
+                </a:solidFill>
+              </a:ln>
+            </p:spPr>
+            <p:style>
+              <a:lnRef idx="2">
+                <a:schemeClr val="accent1">
+                  <a:shade val="50000"/>
+                </a:schemeClr>
+              </a:lnRef>
+              <a:fillRef idx="1">
+                <a:schemeClr val="accent1"/>
+              </a:fillRef>
+              <a:effectRef idx="0">
+                <a:schemeClr val="accent1"/>
+              </a:effectRef>
+              <a:fontRef idx="minor">
+                <a:schemeClr val="lt1"/>
+              </a:fontRef>
+            </p:style>
+            <p:txBody>
+              <a:bodyPr rtlCol="0" anchor="ctr"/>
+              <a:lstStyle/>
+              <a:p>
+                <a:pPr algn="ctr"/>
+                <a:endParaRPr lang="en-AU">
+                  <a:latin typeface="Times New Roman" panose="02020603050405020304" pitchFamily="18" charset="0"/>
+                  <a:cs typeface="Times New Roman" panose="02020603050405020304" pitchFamily="18" charset="0"/>
+                </a:endParaRPr>
+              </a:p>
+            </p:txBody>
+          </p:sp>
+          <p:sp>
+            <p:nvSpPr>
+              <p:cNvPr id="128" name="TextBox 127"/>
+              <p:cNvSpPr txBox="1"/>
+              <p:nvPr/>
+            </p:nvSpPr>
+            <p:spPr>
+              <a:xfrm>
+                <a:off x="7475887" y="1480138"/>
+                <a:ext cx="502061" cy="369332"/>
+              </a:xfrm>
+              <a:prstGeom prst="rect">
+                <a:avLst/>
+              </a:prstGeom>
+              <a:noFill/>
+            </p:spPr>
+            <p:txBody>
+              <a:bodyPr wrap="none" rtlCol="0">
+                <a:spAutoFit/>
+              </a:bodyPr>
+              <a:lstStyle/>
+              <a:p>
+                <a:r>
+                  <a:rPr lang="en-AU" dirty="0" err="1">
+                    <a:latin typeface="Times New Roman" panose="02020603050405020304" pitchFamily="18" charset="0"/>
+                    <a:cs typeface="Times New Roman" panose="02020603050405020304" pitchFamily="18" charset="0"/>
+                  </a:rPr>
+                  <a:t>G</a:t>
+                </a:r>
+                <a:r>
+                  <a:rPr lang="en-AU" baseline="-25000" dirty="0" err="1">
+                    <a:latin typeface="Times New Roman" panose="02020603050405020304" pitchFamily="18" charset="0"/>
+                    <a:cs typeface="Times New Roman" panose="02020603050405020304" pitchFamily="18" charset="0"/>
+                  </a:rPr>
+                  <a:t>c,l</a:t>
+                </a:r>
+                <a:endParaRPr lang="en-AU" baseline="-25000" dirty="0">
+                  <a:latin typeface="Times New Roman" panose="02020603050405020304" pitchFamily="18" charset="0"/>
+                  <a:cs typeface="Times New Roman" panose="02020603050405020304" pitchFamily="18" charset="0"/>
+                </a:endParaRPr>
+              </a:p>
+            </p:txBody>
+          </p:sp>
+        </p:grpSp>
+        <p:cxnSp>
+          <p:nvCxnSpPr>
+            <p:cNvPr id="129" name="Straight Arrow Connector 128"/>
+            <p:cNvCxnSpPr>
+              <a:stCxn id="126" idx="2"/>
+              <a:endCxn id="122" idx="0"/>
+            </p:cNvCxnSpPr>
+            <p:nvPr/>
+          </p:nvCxnSpPr>
+          <p:spPr>
+            <a:xfrm flipH="1">
+              <a:off x="689081" y="4337342"/>
+              <a:ext cx="19601" cy="504056"/>
+            </a:xfrm>
+            <a:prstGeom prst="straightConnector1">
+              <a:avLst/>
+            </a:prstGeom>
+            <a:ln w="28575">
+              <a:solidFill>
+                <a:schemeClr val="tx1"/>
+              </a:solidFill>
+              <a:tailEnd type="arrow"/>
+            </a:ln>
+          </p:spPr>
+          <p:style>
+            <a:lnRef idx="1">
+              <a:schemeClr val="accent1"/>
+            </a:lnRef>
+            <a:fillRef idx="0">
+              <a:schemeClr val="accent1"/>
+            </a:fillRef>
+            <a:effectRef idx="0">
+              <a:schemeClr val="accent1"/>
+            </a:effectRef>
+            <a:fontRef idx="minor">
+              <a:schemeClr val="tx1"/>
+            </a:fontRef>
+          </p:style>
+        </p:cxnSp>
+        <p:sp>
+          <p:nvSpPr>
+            <p:cNvPr id="131" name="Rectangle 130"/>
+            <p:cNvSpPr/>
+            <p:nvPr/>
+          </p:nvSpPr>
+          <p:spPr>
+            <a:xfrm>
+              <a:off x="35496" y="1989827"/>
+              <a:ext cx="7128792" cy="5543629"/>
+            </a:xfrm>
+            <a:prstGeom prst="rect">
+              <a:avLst/>
+            </a:prstGeom>
+            <a:noFill/>
+            <a:ln>
+              <a:solidFill>
+                <a:schemeClr val="tx1"/>
+              </a:solidFill>
+            </a:ln>
+          </p:spPr>
+          <p:style>
+            <a:lnRef idx="2">
+              <a:schemeClr val="accent1">
+                <a:shade val="50000"/>
+              </a:schemeClr>
+            </a:lnRef>
+            <a:fillRef idx="1">
+              <a:schemeClr val="accent1"/>
+            </a:fillRef>
+            <a:effectRef idx="0">
+              <a:schemeClr val="accent1"/>
+            </a:effectRef>
+            <a:fontRef idx="minor">
+              <a:schemeClr val="lt1"/>
+            </a:fontRef>
+          </p:style>
+          <p:txBody>
+            <a:bodyPr rtlCol="0" anchor="ctr"/>
+            <a:lstStyle/>
+            <a:p>
+              <a:pPr algn="ctr"/>
+              <a:endParaRPr lang="en-AU"/>
+            </a:p>
+          </p:txBody>
+        </p:sp>
+        <p:sp>
+          <p:nvSpPr>
+            <p:cNvPr id="132" name="TextBox 131"/>
+            <p:cNvSpPr txBox="1"/>
+            <p:nvPr/>
+          </p:nvSpPr>
+          <p:spPr>
+            <a:xfrm>
+              <a:off x="2534181" y="2026429"/>
+              <a:ext cx="1321196" cy="369332"/>
+            </a:xfrm>
+            <a:prstGeom prst="rect">
+              <a:avLst/>
+            </a:prstGeom>
+            <a:noFill/>
+          </p:spPr>
+          <p:txBody>
+            <a:bodyPr wrap="none" rtlCol="0">
+              <a:spAutoFit/>
+            </a:bodyPr>
+            <a:lstStyle/>
+            <a:p>
+              <a:r>
+                <a:rPr lang="en-AU" dirty="0">
+                  <a:latin typeface="Times New Roman" panose="02020603050405020304" pitchFamily="18" charset="0"/>
+                  <a:cs typeface="Times New Roman" panose="02020603050405020304" pitchFamily="18" charset="0"/>
+                </a:rPr>
+                <a:t>c = 1, … , C</a:t>
+              </a:r>
+              <a:endParaRPr lang="en-AU" baseline="-25000" dirty="0">
+                <a:latin typeface="Times New Roman" panose="02020603050405020304" pitchFamily="18" charset="0"/>
+                <a:cs typeface="Times New Roman" panose="02020603050405020304" pitchFamily="18" charset="0"/>
+              </a:endParaRPr>
+            </a:p>
+          </p:txBody>
+        </p:sp>
+        <p:sp>
+          <p:nvSpPr>
+            <p:cNvPr id="134" name="Rectangle 133"/>
+            <p:cNvSpPr/>
+            <p:nvPr/>
+          </p:nvSpPr>
+          <p:spPr>
+            <a:xfrm>
+              <a:off x="107504" y="3254119"/>
+              <a:ext cx="6912768" cy="4207329"/>
+            </a:xfrm>
+            <a:prstGeom prst="rect">
+              <a:avLst/>
+            </a:prstGeom>
+            <a:noFill/>
+            <a:ln>
+              <a:solidFill>
+                <a:schemeClr val="tx1"/>
+              </a:solidFill>
+            </a:ln>
+          </p:spPr>
+          <p:style>
+            <a:lnRef idx="2">
+              <a:schemeClr val="accent1">
+                <a:shade val="50000"/>
+              </a:schemeClr>
+            </a:lnRef>
+            <a:fillRef idx="1">
+              <a:schemeClr val="accent1"/>
+            </a:fillRef>
+            <a:effectRef idx="0">
+              <a:schemeClr val="accent1"/>
+            </a:effectRef>
+            <a:fontRef idx="minor">
+              <a:schemeClr val="lt1"/>
+            </a:fontRef>
+          </p:style>
+          <p:txBody>
+            <a:bodyPr rtlCol="0" anchor="ctr"/>
+            <a:lstStyle/>
+            <a:p>
+              <a:pPr algn="ctr"/>
+              <a:endParaRPr lang="en-AU"/>
+            </a:p>
+          </p:txBody>
+        </p:sp>
+        <p:sp>
+          <p:nvSpPr>
+            <p:cNvPr id="135" name="TextBox 134"/>
+            <p:cNvSpPr txBox="1"/>
+            <p:nvPr/>
+          </p:nvSpPr>
+          <p:spPr>
+            <a:xfrm>
+              <a:off x="2517071" y="3311204"/>
+              <a:ext cx="1483527" cy="369332"/>
+            </a:xfrm>
+            <a:prstGeom prst="rect">
+              <a:avLst/>
+            </a:prstGeom>
+            <a:noFill/>
+          </p:spPr>
+          <p:txBody>
+            <a:bodyPr wrap="square" rtlCol="0">
+              <a:spAutoFit/>
+            </a:bodyPr>
+            <a:lstStyle/>
+            <a:p>
+              <a:r>
+                <a:rPr lang="en-AU" dirty="0">
+                  <a:latin typeface="Times New Roman" panose="02020603050405020304" pitchFamily="18" charset="0"/>
+                  <a:cs typeface="Times New Roman" panose="02020603050405020304" pitchFamily="18" charset="0"/>
+                </a:rPr>
+                <a:t>l = 1, … , L</a:t>
+              </a:r>
+              <a:endParaRPr lang="en-AU" baseline="-25000" dirty="0">
+                <a:latin typeface="Times New Roman" panose="02020603050405020304" pitchFamily="18" charset="0"/>
+                <a:cs typeface="Times New Roman" panose="02020603050405020304" pitchFamily="18" charset="0"/>
+              </a:endParaRPr>
+            </a:p>
+          </p:txBody>
+        </p:sp>
+        <p:sp>
+          <p:nvSpPr>
+            <p:cNvPr id="136" name="Rectangle 135"/>
+            <p:cNvSpPr/>
+            <p:nvPr/>
+          </p:nvSpPr>
+          <p:spPr>
+            <a:xfrm>
+              <a:off x="179513" y="4657783"/>
+              <a:ext cx="6665592" cy="2731658"/>
+            </a:xfrm>
+            <a:prstGeom prst="rect">
+              <a:avLst/>
+            </a:prstGeom>
+            <a:noFill/>
+            <a:ln>
+              <a:solidFill>
+                <a:schemeClr val="tx1"/>
+              </a:solidFill>
+            </a:ln>
+          </p:spPr>
+          <p:style>
+            <a:lnRef idx="2">
+              <a:schemeClr val="accent1">
+                <a:shade val="50000"/>
+              </a:schemeClr>
+            </a:lnRef>
+            <a:fillRef idx="1">
+              <a:schemeClr val="accent1"/>
+            </a:fillRef>
+            <a:effectRef idx="0">
+              <a:schemeClr val="accent1"/>
+            </a:effectRef>
+            <a:fontRef idx="minor">
+              <a:schemeClr val="lt1"/>
+            </a:fontRef>
+          </p:style>
+          <p:txBody>
+            <a:bodyPr rtlCol="0" anchor="ctr"/>
+            <a:lstStyle/>
+            <a:p>
+              <a:pPr algn="ctr"/>
+              <a:endParaRPr lang="en-AU"/>
+            </a:p>
+          </p:txBody>
+        </p:sp>
+        <p:sp>
+          <p:nvSpPr>
+            <p:cNvPr id="137" name="TextBox 136"/>
+            <p:cNvSpPr txBox="1"/>
+            <p:nvPr/>
+          </p:nvSpPr>
+          <p:spPr>
+            <a:xfrm>
+              <a:off x="2470830" y="4688646"/>
+              <a:ext cx="834093" cy="369332"/>
+            </a:xfrm>
+            <a:prstGeom prst="rect">
+              <a:avLst/>
+            </a:prstGeom>
+            <a:noFill/>
+          </p:spPr>
+          <p:txBody>
+            <a:bodyPr wrap="square" rtlCol="0">
+              <a:spAutoFit/>
+            </a:bodyPr>
+            <a:lstStyle/>
+            <a:p>
+              <a:r>
+                <a:rPr lang="en-AU" dirty="0">
+                  <a:latin typeface="Times New Roman" panose="02020603050405020304" pitchFamily="18" charset="0"/>
+                  <a:cs typeface="Times New Roman" panose="02020603050405020304" pitchFamily="18" charset="0"/>
+                </a:rPr>
+                <a:t>a = 1,2</a:t>
+              </a:r>
+              <a:endParaRPr lang="en-AU" baseline="-25000" dirty="0">
+                <a:latin typeface="Times New Roman" panose="02020603050405020304" pitchFamily="18" charset="0"/>
+                <a:cs typeface="Times New Roman" panose="02020603050405020304" pitchFamily="18" charset="0"/>
+              </a:endParaRPr>
+            </a:p>
+          </p:txBody>
+        </p:sp>
+        <p:cxnSp>
+          <p:nvCxnSpPr>
+            <p:cNvPr id="138" name="Straight Arrow Connector 137"/>
+            <p:cNvCxnSpPr>
+              <a:cxnSpLocks/>
+              <a:stCxn id="122" idx="2"/>
+              <a:endCxn id="64" idx="0"/>
+            </p:cNvCxnSpPr>
+            <p:nvPr/>
+          </p:nvCxnSpPr>
+          <p:spPr>
+            <a:xfrm>
+              <a:off x="689081" y="5633486"/>
+              <a:ext cx="2550771" cy="819850"/>
+            </a:xfrm>
+            <a:prstGeom prst="straightConnector1">
+              <a:avLst/>
+            </a:prstGeom>
+            <a:ln w="28575">
+              <a:solidFill>
+                <a:schemeClr val="tx1"/>
+              </a:solidFill>
+              <a:tailEnd type="arrow"/>
+            </a:ln>
+          </p:spPr>
+          <p:style>
+            <a:lnRef idx="1">
+              <a:schemeClr val="accent1"/>
+            </a:lnRef>
+            <a:fillRef idx="0">
+              <a:schemeClr val="accent1"/>
+            </a:fillRef>
+            <a:effectRef idx="0">
+              <a:schemeClr val="accent1"/>
+            </a:effectRef>
+            <a:fontRef idx="minor">
+              <a:schemeClr val="tx1"/>
+            </a:fontRef>
+          </p:style>
+        </p:cxnSp>
+        <p:grpSp>
+          <p:nvGrpSpPr>
+            <p:cNvPr id="62" name="Group 61">
+              <a:extLst>
+                <a:ext uri="{FF2B5EF4-FFF2-40B4-BE49-F238E27FC236}">
+                  <a16:creationId xmlns:a16="http://schemas.microsoft.com/office/drawing/2014/main" id="{47C17AD1-475D-474D-A5FD-35A4A5887DEA}"/>
+                </a:ext>
+              </a:extLst>
+            </p:cNvPr>
+            <p:cNvGrpSpPr/>
+            <p:nvPr/>
+          </p:nvGrpSpPr>
+          <p:grpSpPr>
+            <a:xfrm>
+              <a:off x="2843808" y="6453336"/>
+              <a:ext cx="792088" cy="792088"/>
+              <a:chOff x="7236296" y="1268760"/>
+              <a:chExt cx="792088" cy="792088"/>
+            </a:xfrm>
+          </p:grpSpPr>
+          <p:sp>
+            <p:nvSpPr>
+              <p:cNvPr id="64" name="Rectangle 63">
+                <a:extLst>
+                  <a:ext uri="{FF2B5EF4-FFF2-40B4-BE49-F238E27FC236}">
+                    <a16:creationId xmlns:a16="http://schemas.microsoft.com/office/drawing/2014/main" id="{E32FF441-9C27-4110-B4C1-350A44373F8E}"/>
+                  </a:ext>
+                </a:extLst>
+              </p:cNvPr>
+              <p:cNvSpPr/>
+              <p:nvPr/>
+            </p:nvSpPr>
+            <p:spPr>
+              <a:xfrm>
+                <a:off x="7236296" y="1268760"/>
+                <a:ext cx="792088" cy="792088"/>
+              </a:xfrm>
+              <a:prstGeom prst="rect">
+                <a:avLst/>
+              </a:prstGeom>
+              <a:noFill/>
+              <a:ln>
+                <a:solidFill>
+                  <a:schemeClr val="tx1"/>
+                </a:solidFill>
+              </a:ln>
+            </p:spPr>
+            <p:style>
+              <a:lnRef idx="2">
+                <a:schemeClr val="accent1">
+                  <a:shade val="50000"/>
+                </a:schemeClr>
+              </a:lnRef>
+              <a:fillRef idx="1">
+                <a:schemeClr val="accent1"/>
+              </a:fillRef>
+              <a:effectRef idx="0">
+                <a:schemeClr val="accent1"/>
+              </a:effectRef>
+              <a:fontRef idx="minor">
+                <a:schemeClr val="lt1"/>
+              </a:fontRef>
+            </p:style>
+            <p:txBody>
+              <a:bodyPr rtlCol="0" anchor="ctr"/>
+              <a:lstStyle/>
+              <a:p>
+                <a:pPr algn="ctr"/>
+                <a:endParaRPr lang="en-AU">
+                  <a:latin typeface="Times New Roman" panose="02020603050405020304" pitchFamily="18" charset="0"/>
+                  <a:cs typeface="Times New Roman" panose="02020603050405020304" pitchFamily="18" charset="0"/>
+                </a:endParaRPr>
+              </a:p>
+            </p:txBody>
+          </p:sp>
+          <p:sp>
+            <p:nvSpPr>
+              <p:cNvPr id="65" name="TextBox 64">
+                <a:extLst>
+                  <a:ext uri="{FF2B5EF4-FFF2-40B4-BE49-F238E27FC236}">
+                    <a16:creationId xmlns:a16="http://schemas.microsoft.com/office/drawing/2014/main" id="{EED1885C-289F-4ECF-870F-E8B4C96BB999}"/>
+                  </a:ext>
+                </a:extLst>
+              </p:cNvPr>
+              <p:cNvSpPr txBox="1"/>
+              <p:nvPr/>
+            </p:nvSpPr>
+            <p:spPr>
+              <a:xfrm>
+                <a:off x="7345924" y="1480138"/>
+                <a:ext cx="583814" cy="369332"/>
+              </a:xfrm>
+              <a:prstGeom prst="rect">
+                <a:avLst/>
+              </a:prstGeom>
+              <a:noFill/>
+            </p:spPr>
+            <p:txBody>
+              <a:bodyPr wrap="none" rtlCol="0">
+                <a:spAutoFit/>
+              </a:bodyPr>
+              <a:lstStyle/>
+              <a:p>
+                <a:r>
+                  <a:rPr lang="en-AU" dirty="0" err="1">
+                    <a:latin typeface="Times New Roman" panose="02020603050405020304" pitchFamily="18" charset="0"/>
+                    <a:cs typeface="Times New Roman" panose="02020603050405020304" pitchFamily="18" charset="0"/>
+                  </a:rPr>
+                  <a:t>E</a:t>
+                </a:r>
+                <a:r>
+                  <a:rPr lang="en-AU" baseline="-25000" dirty="0" err="1">
+                    <a:latin typeface="Times New Roman" panose="02020603050405020304" pitchFamily="18" charset="0"/>
+                    <a:cs typeface="Times New Roman" panose="02020603050405020304" pitchFamily="18" charset="0"/>
+                  </a:rPr>
+                  <a:t>c,l,a</a:t>
+                </a:r>
+                <a:endParaRPr lang="en-AU" baseline="-25000" dirty="0">
+                  <a:latin typeface="Times New Roman" panose="02020603050405020304" pitchFamily="18" charset="0"/>
+                  <a:cs typeface="Times New Roman" panose="02020603050405020304" pitchFamily="18" charset="0"/>
+                </a:endParaRPr>
+              </a:p>
+            </p:txBody>
+          </p:sp>
+        </p:grpSp>
+        <p:cxnSp>
+          <p:nvCxnSpPr>
+            <p:cNvPr id="71" name="Straight Arrow Connector 70">
+              <a:extLst>
+                <a:ext uri="{FF2B5EF4-FFF2-40B4-BE49-F238E27FC236}">
+                  <a16:creationId xmlns:a16="http://schemas.microsoft.com/office/drawing/2014/main" id="{A540A773-2F89-4585-9A25-E95197A8466A}"/>
+                </a:ext>
+              </a:extLst>
+            </p:cNvPr>
+            <p:cNvCxnSpPr>
+              <a:cxnSpLocks/>
+              <a:stCxn id="64" idx="3"/>
+              <a:endCxn id="76" idx="2"/>
+            </p:cNvCxnSpPr>
+            <p:nvPr/>
+          </p:nvCxnSpPr>
+          <p:spPr>
+            <a:xfrm>
+              <a:off x="3635896" y="6849380"/>
+              <a:ext cx="1296144" cy="0"/>
+            </a:xfrm>
+            <a:prstGeom prst="straightConnector1">
+              <a:avLst/>
+            </a:prstGeom>
+            <a:ln w="28575">
+              <a:solidFill>
+                <a:schemeClr val="tx1"/>
+              </a:solidFill>
+              <a:tailEnd type="arrow"/>
+            </a:ln>
+          </p:spPr>
+          <p:style>
+            <a:lnRef idx="1">
+              <a:schemeClr val="accent1"/>
+            </a:lnRef>
+            <a:fillRef idx="0">
+              <a:schemeClr val="accent1"/>
+            </a:fillRef>
+            <a:effectRef idx="0">
+              <a:schemeClr val="accent1"/>
+            </a:effectRef>
+            <a:fontRef idx="minor">
+              <a:schemeClr val="tx1"/>
+            </a:fontRef>
+          </p:style>
+        </p:cxnSp>
+        <p:grpSp>
+          <p:nvGrpSpPr>
+            <p:cNvPr id="67" name="Group 66">
+              <a:extLst>
+                <a:ext uri="{FF2B5EF4-FFF2-40B4-BE49-F238E27FC236}">
+                  <a16:creationId xmlns:a16="http://schemas.microsoft.com/office/drawing/2014/main" id="{C6898825-FF6F-4126-852A-D813FA30A21B}"/>
+                </a:ext>
+              </a:extLst>
+            </p:cNvPr>
+            <p:cNvGrpSpPr/>
+            <p:nvPr/>
+          </p:nvGrpSpPr>
+          <p:grpSpPr>
+            <a:xfrm>
+              <a:off x="5814137" y="5463226"/>
+              <a:ext cx="792088" cy="792088"/>
+              <a:chOff x="7236296" y="1268760"/>
+              <a:chExt cx="792088" cy="792088"/>
+            </a:xfrm>
+          </p:grpSpPr>
+          <p:sp>
+            <p:nvSpPr>
+              <p:cNvPr id="68" name="Rectangle 67">
+                <a:extLst>
+                  <a:ext uri="{FF2B5EF4-FFF2-40B4-BE49-F238E27FC236}">
+                    <a16:creationId xmlns:a16="http://schemas.microsoft.com/office/drawing/2014/main" id="{D86741C7-0505-4B00-8C04-1C68E1BC0225}"/>
+                  </a:ext>
+                </a:extLst>
+              </p:cNvPr>
+              <p:cNvSpPr/>
+              <p:nvPr/>
+            </p:nvSpPr>
+            <p:spPr>
+              <a:xfrm>
+                <a:off x="7236296" y="1268760"/>
+                <a:ext cx="792088" cy="792088"/>
+              </a:xfrm>
+              <a:prstGeom prst="rect">
+                <a:avLst/>
+              </a:prstGeom>
+              <a:noFill/>
+              <a:ln>
+                <a:solidFill>
+                  <a:schemeClr val="tx1"/>
+                </a:solidFill>
+              </a:ln>
+            </p:spPr>
+            <p:style>
+              <a:lnRef idx="2">
+                <a:schemeClr val="accent1">
+                  <a:shade val="50000"/>
+                </a:schemeClr>
+              </a:lnRef>
+              <a:fillRef idx="1">
+                <a:schemeClr val="accent1"/>
+              </a:fillRef>
+              <a:effectRef idx="0">
+                <a:schemeClr val="accent1"/>
+              </a:effectRef>
+              <a:fontRef idx="minor">
+                <a:schemeClr val="lt1"/>
+              </a:fontRef>
+            </p:style>
+            <p:txBody>
+              <a:bodyPr rtlCol="0" anchor="ctr"/>
+              <a:lstStyle/>
+              <a:p>
+                <a:pPr algn="ctr"/>
+                <a:endParaRPr lang="en-AU">
+                  <a:latin typeface="Times New Roman" panose="02020603050405020304" pitchFamily="18" charset="0"/>
+                  <a:cs typeface="Times New Roman" panose="02020603050405020304" pitchFamily="18" charset="0"/>
+                </a:endParaRPr>
+              </a:p>
+            </p:txBody>
+          </p:sp>
+          <p:sp>
+            <p:nvSpPr>
+              <p:cNvPr id="69" name="TextBox 68">
+                <a:extLst>
+                  <a:ext uri="{FF2B5EF4-FFF2-40B4-BE49-F238E27FC236}">
+                    <a16:creationId xmlns:a16="http://schemas.microsoft.com/office/drawing/2014/main" id="{C6059C90-FAFD-4E56-8D2A-F08FE108018A}"/>
+                  </a:ext>
+                </a:extLst>
+              </p:cNvPr>
+              <p:cNvSpPr txBox="1"/>
+              <p:nvPr/>
+            </p:nvSpPr>
+            <p:spPr>
+              <a:xfrm>
+                <a:off x="7345924" y="1480138"/>
+                <a:ext cx="609462" cy="369332"/>
+              </a:xfrm>
+              <a:prstGeom prst="rect">
+                <a:avLst/>
+              </a:prstGeom>
+              <a:noFill/>
+            </p:spPr>
+            <p:txBody>
+              <a:bodyPr wrap="none" rtlCol="0">
+                <a:spAutoFit/>
+              </a:bodyPr>
+              <a:lstStyle/>
+              <a:p>
+                <a:r>
+                  <a:rPr lang="en-AU" dirty="0" err="1">
+                    <a:latin typeface="Times New Roman" panose="02020603050405020304" pitchFamily="18" charset="0"/>
+                    <a:cs typeface="Times New Roman" panose="02020603050405020304" pitchFamily="18" charset="0"/>
+                  </a:rPr>
+                  <a:t>V</a:t>
+                </a:r>
+                <a:r>
+                  <a:rPr lang="en-AU" baseline="-25000" dirty="0" err="1">
+                    <a:latin typeface="Times New Roman" panose="02020603050405020304" pitchFamily="18" charset="0"/>
+                    <a:cs typeface="Times New Roman" panose="02020603050405020304" pitchFamily="18" charset="0"/>
+                  </a:rPr>
+                  <a:t>c,l,a</a:t>
+                </a:r>
+                <a:endParaRPr lang="en-AU" baseline="-25000" dirty="0">
+                  <a:latin typeface="Times New Roman" panose="02020603050405020304" pitchFamily="18" charset="0"/>
+                  <a:cs typeface="Times New Roman" panose="02020603050405020304" pitchFamily="18" charset="0"/>
+                </a:endParaRPr>
+              </a:p>
+            </p:txBody>
+          </p:sp>
+        </p:grpSp>
+        <p:cxnSp>
+          <p:nvCxnSpPr>
+            <p:cNvPr id="70" name="Straight Arrow Connector 69">
+              <a:extLst>
+                <a:ext uri="{FF2B5EF4-FFF2-40B4-BE49-F238E27FC236}">
+                  <a16:creationId xmlns:a16="http://schemas.microsoft.com/office/drawing/2014/main" id="{48F6C899-FD09-4778-8F2F-5846B5EE354A}"/>
+                </a:ext>
+              </a:extLst>
+            </p:cNvPr>
+            <p:cNvCxnSpPr>
+              <a:cxnSpLocks/>
+              <a:stCxn id="101" idx="4"/>
+              <a:endCxn id="68" idx="0"/>
+            </p:cNvCxnSpPr>
+            <p:nvPr/>
+          </p:nvCxnSpPr>
+          <p:spPr>
+            <a:xfrm flipH="1">
+              <a:off x="6210181" y="2996952"/>
+              <a:ext cx="414047" cy="2466274"/>
+            </a:xfrm>
+            <a:prstGeom prst="straightConnector1">
+              <a:avLst/>
+            </a:prstGeom>
+            <a:ln w="28575">
+              <a:solidFill>
+                <a:schemeClr val="tx1"/>
+              </a:solidFill>
+              <a:tailEnd type="arrow"/>
+            </a:ln>
+          </p:spPr>
+          <p:style>
+            <a:lnRef idx="1">
+              <a:schemeClr val="accent1"/>
+            </a:lnRef>
+            <a:fillRef idx="0">
+              <a:schemeClr val="accent1"/>
+            </a:fillRef>
+            <a:effectRef idx="0">
+              <a:schemeClr val="accent1"/>
+            </a:effectRef>
+            <a:fontRef idx="minor">
+              <a:schemeClr val="tx1"/>
+            </a:fontRef>
+          </p:style>
+        </p:cxnSp>
+        <p:cxnSp>
+          <p:nvCxnSpPr>
+            <p:cNvPr id="72" name="Straight Arrow Connector 71">
+              <a:extLst>
+                <a:ext uri="{FF2B5EF4-FFF2-40B4-BE49-F238E27FC236}">
+                  <a16:creationId xmlns:a16="http://schemas.microsoft.com/office/drawing/2014/main" id="{101D52BE-2516-4A0B-BB68-152A8622456D}"/>
+                </a:ext>
+              </a:extLst>
+            </p:cNvPr>
+            <p:cNvCxnSpPr>
+              <a:cxnSpLocks/>
+              <a:stCxn id="68" idx="2"/>
+              <a:endCxn id="76" idx="7"/>
+            </p:cNvCxnSpPr>
+            <p:nvPr/>
+          </p:nvCxnSpPr>
+          <p:spPr>
+            <a:xfrm flipH="1">
+              <a:off x="5608129" y="6255314"/>
+              <a:ext cx="602052" cy="314021"/>
+            </a:xfrm>
+            <a:prstGeom prst="straightConnector1">
+              <a:avLst/>
+            </a:prstGeom>
+            <a:ln w="28575">
+              <a:solidFill>
+                <a:schemeClr val="tx1"/>
+              </a:solidFill>
+              <a:tailEnd type="arrow"/>
+            </a:ln>
+          </p:spPr>
+          <p:style>
+            <a:lnRef idx="1">
+              <a:schemeClr val="accent1"/>
+            </a:lnRef>
+            <a:fillRef idx="0">
+              <a:schemeClr val="accent1"/>
+            </a:fillRef>
+            <a:effectRef idx="0">
+              <a:schemeClr val="accent1"/>
+            </a:effectRef>
+            <a:fontRef idx="minor">
+              <a:schemeClr val="tx1"/>
+            </a:fontRef>
+          </p:style>
+        </p:cxnSp>
+      </p:grpSp>
+    </p:spTree>
+    <p:extLst>
+      <p:ext uri="{BB962C8B-B14F-4D97-AF65-F5344CB8AC3E}">
+        <p14:creationId xmlns:p14="http://schemas.microsoft.com/office/powerpoint/2010/main" val="2596463544"/>
       </p:ext>
     </p:extLst>
   </p:cSld>
@@ -5690,4 +11045,299 @@
   <a:objectDefaults/>
   <a:extraClrSchemeLst/>
 </a:theme>
+</file>
+
+<file path=ppt/theme/theme2.xml><?xml version="1.0" encoding="utf-8"?>
+<a:theme xmlns:a="http://schemas.openxmlformats.org/drawingml/2006/main" name="Office Theme">
+  <a:themeElements>
+    <a:clrScheme name="Office">
+      <a:dk1>
+        <a:sysClr val="windowText" lastClr="000000"/>
+      </a:dk1>
+      <a:lt1>
+        <a:sysClr val="window" lastClr="FFFFFF"/>
+      </a:lt1>
+      <a:dk2>
+        <a:srgbClr val="44546A"/>
+      </a:dk2>
+      <a:lt2>
+        <a:srgbClr val="E7E6E6"/>
+      </a:lt2>
+      <a:accent1>
+        <a:srgbClr val="4472C4"/>
+      </a:accent1>
+      <a:accent2>
+        <a:srgbClr val="ED7D31"/>
+      </a:accent2>
+      <a:accent3>
+        <a:srgbClr val="A5A5A5"/>
+      </a:accent3>
+      <a:accent4>
+        <a:srgbClr val="FFC000"/>
+      </a:accent4>
+      <a:accent5>
+        <a:srgbClr val="5B9BD5"/>
+      </a:accent5>
+      <a:accent6>
+        <a:srgbClr val="70AD47"/>
+      </a:accent6>
+      <a:hlink>
+        <a:srgbClr val="0563C1"/>
+      </a:hlink>
+      <a:folHlink>
+        <a:srgbClr val="954F72"/>
+      </a:folHlink>
+    </a:clrScheme>
+    <a:fontScheme name="Office">
+      <a:majorFont>
+        <a:latin typeface="Calibri Light" panose="020F0302020204030204"/>
+        <a:ea typeface=""/>
+        <a:cs typeface=""/>
+        <a:font script="Jpan" typeface="游ゴシック Light"/>
+        <a:font script="Hang" typeface="맑은 고딕"/>
+        <a:font script="Hans" typeface="等线 Light"/>
+        <a:font script="Hant" typeface="新細明體"/>
+        <a:font script="Arab" typeface="Times New Roman"/>
+        <a:font script="Hebr" typeface="Times New Roman"/>
+        <a:font script="Thai" typeface="Angsana New"/>
+        <a:font script="Ethi" typeface="Nyala"/>
+        <a:font script="Beng" typeface="Vrinda"/>
+        <a:font script="Gujr" typeface="Shruti"/>
+        <a:font script="Khmr" typeface="MoolBoran"/>
+        <a:font script="Knda" typeface="Tunga"/>
+        <a:font script="Guru" typeface="Raavi"/>
+        <a:font script="Cans" typeface="Euphemia"/>
+        <a:font script="Cher" typeface="Plantagenet Cherokee"/>
+        <a:font script="Yiii" typeface="Microsoft Yi Baiti"/>
+        <a:font script="Tibt" typeface="Microsoft Himalaya"/>
+        <a:font script="Thaa" typeface="MV Boli"/>
+        <a:font script="Deva" typeface="Mangal"/>
+        <a:font script="Telu" typeface="Gautami"/>
+        <a:font script="Taml" typeface="Latha"/>
+        <a:font script="Syrc" typeface="Estrangelo Edessa"/>
+        <a:font script="Orya" typeface="Kalinga"/>
+        <a:font script="Mlym" typeface="Kartika"/>
+        <a:font script="Laoo" typeface="DokChampa"/>
+        <a:font script="Sinh" typeface="Iskoola Pota"/>
+        <a:font script="Mong" typeface="Mongolian Baiti"/>
+        <a:font script="Viet" typeface="Times New Roman"/>
+        <a:font script="Uigh" typeface="Microsoft Uighur"/>
+        <a:font script="Geor" typeface="Sylfaen"/>
+        <a:font script="Armn" typeface="Arial"/>
+        <a:font script="Bugi" typeface="Leelawadee UI"/>
+        <a:font script="Bopo" typeface="Microsoft JhengHei"/>
+        <a:font script="Java" typeface="Javanese Text"/>
+        <a:font script="Lisu" typeface="Segoe UI"/>
+        <a:font script="Mymr" typeface="Myanmar Text"/>
+        <a:font script="Nkoo" typeface="Ebrima"/>
+        <a:font script="Olck" typeface="Nirmala UI"/>
+        <a:font script="Osma" typeface="Ebrima"/>
+        <a:font script="Phag" typeface="Phagspa"/>
+        <a:font script="Syrn" typeface="Estrangelo Edessa"/>
+        <a:font script="Syrj" typeface="Estrangelo Edessa"/>
+        <a:font script="Syre" typeface="Estrangelo Edessa"/>
+        <a:font script="Sora" typeface="Nirmala UI"/>
+        <a:font script="Tale" typeface="Microsoft Tai Le"/>
+        <a:font script="Talu" typeface="Microsoft New Tai Lue"/>
+        <a:font script="Tfng" typeface="Ebrima"/>
+      </a:majorFont>
+      <a:minorFont>
+        <a:latin typeface="Calibri" panose="020F0502020204030204"/>
+        <a:ea typeface=""/>
+        <a:cs typeface=""/>
+        <a:font script="Jpan" typeface="游ゴシック"/>
+        <a:font script="Hang" typeface="맑은 고딕"/>
+        <a:font script="Hans" typeface="等线"/>
+        <a:font script="Hant" typeface="新細明體"/>
+        <a:font script="Arab" typeface="Arial"/>
+        <a:font script="Hebr" typeface="Arial"/>
+        <a:font script="Thai" typeface="Cordia New"/>
+        <a:font script="Ethi" typeface="Nyala"/>
+        <a:font script="Beng" typeface="Vrinda"/>
+        <a:font script="Gujr" typeface="Shruti"/>
+        <a:font script="Khmr" typeface="DaunPenh"/>
+        <a:font script="Knda" typeface="Tunga"/>
+        <a:font script="Guru" typeface="Raavi"/>
+        <a:font script="Cans" typeface="Euphemia"/>
+        <a:font script="Cher" typeface="Plantagenet Cherokee"/>
+        <a:font script="Yiii" typeface="Microsoft Yi Baiti"/>
+        <a:font script="Tibt" typeface="Microsoft Himalaya"/>
+        <a:font script="Thaa" typeface="MV Boli"/>
+        <a:font script="Deva" typeface="Mangal"/>
+        <a:font script="Telu" typeface="Gautami"/>
+        <a:font script="Taml" typeface="Latha"/>
+        <a:font script="Syrc" typeface="Estrangelo Edessa"/>
+        <a:font script="Orya" typeface="Kalinga"/>
+        <a:font script="Mlym" typeface="Kartika"/>
+        <a:font script="Laoo" typeface="DokChampa"/>
+        <a:font script="Sinh" typeface="Iskoola Pota"/>
+        <a:font script="Mong" typeface="Mongolian Baiti"/>
+        <a:font script="Viet" typeface="Arial"/>
+        <a:font script="Uigh" typeface="Microsoft Uighur"/>
+        <a:font script="Geor" typeface="Sylfaen"/>
+        <a:font script="Armn" typeface="Arial"/>
+        <a:font script="Bugi" typeface="Leelawadee UI"/>
+        <a:font script="Bopo" typeface="Microsoft JhengHei"/>
+        <a:font script="Java" typeface="Javanese Text"/>
+        <a:font script="Lisu" typeface="Segoe UI"/>
+        <a:font script="Mymr" typeface="Myanmar Text"/>
+        <a:font script="Nkoo" typeface="Ebrima"/>
+        <a:font script="Olck" typeface="Nirmala UI"/>
+        <a:font script="Osma" typeface="Ebrima"/>
+        <a:font script="Phag" typeface="Phagspa"/>
+        <a:font script="Syrn" typeface="Estrangelo Edessa"/>
+        <a:font script="Syrj" typeface="Estrangelo Edessa"/>
+        <a:font script="Syre" typeface="Estrangelo Edessa"/>
+        <a:font script="Sora" typeface="Nirmala UI"/>
+        <a:font script="Tale" typeface="Microsoft Tai Le"/>
+        <a:font script="Talu" typeface="Microsoft New Tai Lue"/>
+        <a:font script="Tfng" typeface="Ebrima"/>
+      </a:minorFont>
+    </a:fontScheme>
+    <a:fmtScheme name="Office">
+      <a:fillStyleLst>
+        <a:solidFill>
+          <a:schemeClr val="phClr"/>
+        </a:solidFill>
+        <a:gradFill rotWithShape="1">
+          <a:gsLst>
+            <a:gs pos="0">
+              <a:schemeClr val="phClr">
+                <a:lumMod val="110000"/>
+                <a:satMod val="105000"/>
+                <a:tint val="67000"/>
+              </a:schemeClr>
+            </a:gs>
+            <a:gs pos="50000">
+              <a:schemeClr val="phClr">
+                <a:lumMod val="105000"/>
+                <a:satMod val="103000"/>
+                <a:tint val="73000"/>
+              </a:schemeClr>
+            </a:gs>
+            <a:gs pos="100000">
+              <a:schemeClr val="phClr">
+                <a:lumMod val="105000"/>
+                <a:satMod val="109000"/>
+                <a:tint val="81000"/>
+              </a:schemeClr>
+            </a:gs>
+          </a:gsLst>
+          <a:lin ang="5400000" scaled="0"/>
+        </a:gradFill>
+        <a:gradFill rotWithShape="1">
+          <a:gsLst>
+            <a:gs pos="0">
+              <a:schemeClr val="phClr">
+                <a:satMod val="103000"/>
+                <a:lumMod val="102000"/>
+                <a:tint val="94000"/>
+              </a:schemeClr>
+            </a:gs>
+            <a:gs pos="50000">
+              <a:schemeClr val="phClr">
+                <a:satMod val="110000"/>
+                <a:lumMod val="100000"/>
+                <a:shade val="100000"/>
+              </a:schemeClr>
+            </a:gs>
+            <a:gs pos="100000">
+              <a:schemeClr val="phClr">
+                <a:lumMod val="99000"/>
+                <a:satMod val="120000"/>
+                <a:shade val="78000"/>
+              </a:schemeClr>
+            </a:gs>
+          </a:gsLst>
+          <a:lin ang="5400000" scaled="0"/>
+        </a:gradFill>
+      </a:fillStyleLst>
+      <a:lnStyleLst>
+        <a:ln w="6350" cap="flat" cmpd="sng" algn="ctr">
+          <a:solidFill>
+            <a:schemeClr val="phClr"/>
+          </a:solidFill>
+          <a:prstDash val="solid"/>
+          <a:miter lim="800000"/>
+        </a:ln>
+        <a:ln w="12700" cap="flat" cmpd="sng" algn="ctr">
+          <a:solidFill>
+            <a:schemeClr val="phClr"/>
+          </a:solidFill>
+          <a:prstDash val="solid"/>
+          <a:miter lim="800000"/>
+        </a:ln>
+        <a:ln w="19050" cap="flat" cmpd="sng" algn="ctr">
+          <a:solidFill>
+            <a:schemeClr val="phClr"/>
+          </a:solidFill>
+          <a:prstDash val="solid"/>
+          <a:miter lim="800000"/>
+        </a:ln>
+      </a:lnStyleLst>
+      <a:effectStyleLst>
+        <a:effectStyle>
+          <a:effectLst/>
+        </a:effectStyle>
+        <a:effectStyle>
+          <a:effectLst/>
+        </a:effectStyle>
+        <a:effectStyle>
+          <a:effectLst>
+            <a:outerShdw blurRad="57150" dist="19050" dir="5400000" algn="ctr" rotWithShape="0">
+              <a:srgbClr val="000000">
+                <a:alpha val="63000"/>
+              </a:srgbClr>
+            </a:outerShdw>
+          </a:effectLst>
+        </a:effectStyle>
+      </a:effectStyleLst>
+      <a:bgFillStyleLst>
+        <a:solidFill>
+          <a:schemeClr val="phClr"/>
+        </a:solidFill>
+        <a:solidFill>
+          <a:schemeClr val="phClr">
+            <a:tint val="95000"/>
+            <a:satMod val="170000"/>
+          </a:schemeClr>
+        </a:solidFill>
+        <a:gradFill rotWithShape="1">
+          <a:gsLst>
+            <a:gs pos="0">
+              <a:schemeClr val="phClr">
+                <a:tint val="93000"/>
+                <a:satMod val="150000"/>
+                <a:shade val="98000"/>
+                <a:lumMod val="102000"/>
+              </a:schemeClr>
+            </a:gs>
+            <a:gs pos="50000">
+              <a:schemeClr val="phClr">
+                <a:tint val="98000"/>
+                <a:satMod val="130000"/>
+                <a:shade val="90000"/>
+                <a:lumMod val="103000"/>
+              </a:schemeClr>
+            </a:gs>
+            <a:gs pos="100000">
+              <a:schemeClr val="phClr">
+                <a:shade val="63000"/>
+                <a:satMod val="120000"/>
+              </a:schemeClr>
+            </a:gs>
+          </a:gsLst>
+          <a:lin ang="5400000" scaled="0"/>
+        </a:gradFill>
+      </a:bgFillStyleLst>
+    </a:fmtScheme>
+  </a:themeElements>
+  <a:objectDefaults/>
+  <a:extraClrSchemeLst/>
+  <a:extLst>
+    <a:ext uri="{05A4C25C-085E-4340-85A3-A5531E510DB2}">
+      <thm15:themeFamily xmlns:thm15="http://schemas.microsoft.com/office/thememl/2012/main" name="Office Theme" id="{62F939B6-93AF-4DB8-9C6B-D6C7DFDC589F}" vid="{4A3C46E8-61CC-4603-A589-7422A47A8E4A}"/>
+    </a:ext>
+  </a:extLst>
+</a:theme>
 </file>